--- a/doc/Pré-Tese/Apresentação/Pré-Tese.pptx
+++ b/doc/Pré-Tese/Apresentação/Pré-Tese.pptx
@@ -4,8 +4,11 @@
   <p:sldMasterIdLst>
     <p:sldMasterId id="2147483690" r:id="rId1"/>
   </p:sldMasterIdLst>
+  <p:notesMasterIdLst>
+    <p:notesMasterId r:id="rId11"/>
+  </p:notesMasterIdLst>
   <p:sldIdLst>
-    <p:sldId id="256" r:id="rId2"/>
+    <p:sldId id="266" r:id="rId2"/>
     <p:sldId id="257" r:id="rId3"/>
     <p:sldId id="258" r:id="rId4"/>
     <p:sldId id="259" r:id="rId5"/>
@@ -13,7 +16,7 @@
     <p:sldId id="261" r:id="rId7"/>
     <p:sldId id="263" r:id="rId8"/>
     <p:sldId id="264" r:id="rId9"/>
-    <p:sldId id="265" r:id="rId10"/>
+    <p:sldId id="267" r:id="rId10"/>
   </p:sldIdLst>
   <p:sldSz cx="9144000" cy="6858000" type="screen4x3"/>
   <p:notesSz cx="6858000" cy="9144000"/>
@@ -112,7 +115,498 @@
       </a:defRPr>
     </a:lvl9pPr>
   </p:defaultTextStyle>
+  <p:extLst>
+    <p:ext uri="{EFAFB233-063F-42B5-8137-9DF3F51BA10A}">
+      <p15:sldGuideLst xmlns:p15="http://schemas.microsoft.com/office/powerpoint/2012/main"/>
+    </p:ext>
+  </p:extLst>
 </p:presentation>
+</file>
+
+<file path=ppt/notesMasters/notesMaster1.xml><?xml version="1.0" encoding="utf-8"?>
+<p:notesMaster xmlns:a="http://schemas.openxmlformats.org/drawingml/2006/main" xmlns:r="http://schemas.openxmlformats.org/officeDocument/2006/relationships" xmlns:p="http://schemas.openxmlformats.org/presentationml/2006/main">
+  <p:cSld>
+    <p:bg>
+      <p:bgRef idx="1001">
+        <a:schemeClr val="bg1"/>
+      </p:bgRef>
+    </p:bg>
+    <p:spTree>
+      <p:nvGrpSpPr>
+        <p:cNvPr id="1" name=""/>
+        <p:cNvGrpSpPr/>
+        <p:nvPr/>
+      </p:nvGrpSpPr>
+      <p:grpSpPr>
+        <a:xfrm>
+          <a:off x="0" y="0"/>
+          <a:ext cx="0" cy="0"/>
+          <a:chOff x="0" y="0"/>
+          <a:chExt cx="0" cy="0"/>
+        </a:xfrm>
+      </p:grpSpPr>
+      <p:sp>
+        <p:nvSpPr>
+          <p:cNvPr id="2" name="Marcador de Posição do Cabeçalho 1"/>
+          <p:cNvSpPr>
+            <a:spLocks noGrp="1"/>
+          </p:cNvSpPr>
+          <p:nvPr>
+            <p:ph type="hdr" sz="quarter"/>
+          </p:nvPr>
+        </p:nvSpPr>
+        <p:spPr>
+          <a:xfrm>
+            <a:off x="0" y="0"/>
+            <a:ext cx="2971800" cy="458788"/>
+          </a:xfrm>
+          <a:prstGeom prst="rect">
+            <a:avLst/>
+          </a:prstGeom>
+        </p:spPr>
+        <p:txBody>
+          <a:bodyPr vert="horz" lIns="91440" tIns="45720" rIns="91440" bIns="45720" rtlCol="0"/>
+          <a:lstStyle>
+            <a:lvl1pPr algn="l">
+              <a:defRPr sz="1200"/>
+            </a:lvl1pPr>
+          </a:lstStyle>
+          <a:p>
+            <a:endParaRPr lang="pt-PT"/>
+          </a:p>
+        </p:txBody>
+      </p:sp>
+      <p:sp>
+        <p:nvSpPr>
+          <p:cNvPr id="3" name="Marcador de Posição da Data 2"/>
+          <p:cNvSpPr>
+            <a:spLocks noGrp="1"/>
+          </p:cNvSpPr>
+          <p:nvPr>
+            <p:ph type="dt" idx="1"/>
+          </p:nvPr>
+        </p:nvSpPr>
+        <p:spPr>
+          <a:xfrm>
+            <a:off x="3884613" y="0"/>
+            <a:ext cx="2971800" cy="458788"/>
+          </a:xfrm>
+          <a:prstGeom prst="rect">
+            <a:avLst/>
+          </a:prstGeom>
+        </p:spPr>
+        <p:txBody>
+          <a:bodyPr vert="horz" lIns="91440" tIns="45720" rIns="91440" bIns="45720" rtlCol="0"/>
+          <a:lstStyle>
+            <a:lvl1pPr algn="r">
+              <a:defRPr sz="1200"/>
+            </a:lvl1pPr>
+          </a:lstStyle>
+          <a:p>
+            <a:fld id="{E476142E-19B9-4A85-A812-7E0C9C9C7ED8}" type="datetimeFigureOut">
+              <a:rPr lang="pt-PT" smtClean="0"/>
+              <a:t>12/03/2014</a:t>
+            </a:fld>
+            <a:endParaRPr lang="pt-PT"/>
+          </a:p>
+        </p:txBody>
+      </p:sp>
+      <p:sp>
+        <p:nvSpPr>
+          <p:cNvPr id="4" name="Marcador de Posição da Imagem do Diapositivo 3"/>
+          <p:cNvSpPr>
+            <a:spLocks noGrp="1" noRot="1" noChangeAspect="1"/>
+          </p:cNvSpPr>
+          <p:nvPr>
+            <p:ph type="sldImg" idx="2"/>
+          </p:nvPr>
+        </p:nvSpPr>
+        <p:spPr>
+          <a:xfrm>
+            <a:off x="1371600" y="1143000"/>
+            <a:ext cx="4114800" cy="3086100"/>
+          </a:xfrm>
+          <a:prstGeom prst="rect">
+            <a:avLst/>
+          </a:prstGeom>
+          <a:noFill/>
+          <a:ln w="12700">
+            <a:solidFill>
+              <a:prstClr val="black"/>
+            </a:solidFill>
+          </a:ln>
+        </p:spPr>
+        <p:txBody>
+          <a:bodyPr vert="horz" lIns="91440" tIns="45720" rIns="91440" bIns="45720" rtlCol="0" anchor="ctr"/>
+          <a:lstStyle/>
+          <a:p>
+            <a:endParaRPr lang="pt-PT"/>
+          </a:p>
+        </p:txBody>
+      </p:sp>
+      <p:sp>
+        <p:nvSpPr>
+          <p:cNvPr id="5" name="Marcador de Posição de Notas 4"/>
+          <p:cNvSpPr>
+            <a:spLocks noGrp="1"/>
+          </p:cNvSpPr>
+          <p:nvPr>
+            <p:ph type="body" sz="quarter" idx="3"/>
+          </p:nvPr>
+        </p:nvSpPr>
+        <p:spPr>
+          <a:xfrm>
+            <a:off x="685800" y="4400550"/>
+            <a:ext cx="5486400" cy="3600450"/>
+          </a:xfrm>
+          <a:prstGeom prst="rect">
+            <a:avLst/>
+          </a:prstGeom>
+        </p:spPr>
+        <p:txBody>
+          <a:bodyPr vert="horz" lIns="91440" tIns="45720" rIns="91440" bIns="45720" rtlCol="0"/>
+          <a:lstStyle/>
+          <a:p>
+            <a:pPr lvl="0"/>
+            <a:r>
+              <a:rPr lang="pt-PT" smtClean="0"/>
+              <a:t>Clique para editar os estilos</a:t>
+            </a:r>
+          </a:p>
+          <a:p>
+            <a:pPr lvl="1"/>
+            <a:r>
+              <a:rPr lang="pt-PT" smtClean="0"/>
+              <a:t>Segundo nível</a:t>
+            </a:r>
+          </a:p>
+          <a:p>
+            <a:pPr lvl="2"/>
+            <a:r>
+              <a:rPr lang="pt-PT" smtClean="0"/>
+              <a:t>Terceiro nível</a:t>
+            </a:r>
+          </a:p>
+          <a:p>
+            <a:pPr lvl="3"/>
+            <a:r>
+              <a:rPr lang="pt-PT" smtClean="0"/>
+              <a:t>Quarto nível</a:t>
+            </a:r>
+          </a:p>
+          <a:p>
+            <a:pPr lvl="4"/>
+            <a:r>
+              <a:rPr lang="pt-PT" smtClean="0"/>
+              <a:t>Quinto nível</a:t>
+            </a:r>
+            <a:endParaRPr lang="pt-PT"/>
+          </a:p>
+        </p:txBody>
+      </p:sp>
+      <p:sp>
+        <p:nvSpPr>
+          <p:cNvPr id="6" name="Marcador de Posição do Rodapé 5"/>
+          <p:cNvSpPr>
+            <a:spLocks noGrp="1"/>
+          </p:cNvSpPr>
+          <p:nvPr>
+            <p:ph type="ftr" sz="quarter" idx="4"/>
+          </p:nvPr>
+        </p:nvSpPr>
+        <p:spPr>
+          <a:xfrm>
+            <a:off x="0" y="8685213"/>
+            <a:ext cx="2971800" cy="458787"/>
+          </a:xfrm>
+          <a:prstGeom prst="rect">
+            <a:avLst/>
+          </a:prstGeom>
+        </p:spPr>
+        <p:txBody>
+          <a:bodyPr vert="horz" lIns="91440" tIns="45720" rIns="91440" bIns="45720" rtlCol="0" anchor="b"/>
+          <a:lstStyle>
+            <a:lvl1pPr algn="l">
+              <a:defRPr sz="1200"/>
+            </a:lvl1pPr>
+          </a:lstStyle>
+          <a:p>
+            <a:endParaRPr lang="pt-PT"/>
+          </a:p>
+        </p:txBody>
+      </p:sp>
+      <p:sp>
+        <p:nvSpPr>
+          <p:cNvPr id="7" name="Marcador de Posição do Número do Diapositivo 6"/>
+          <p:cNvSpPr>
+            <a:spLocks noGrp="1"/>
+          </p:cNvSpPr>
+          <p:nvPr>
+            <p:ph type="sldNum" sz="quarter" idx="5"/>
+          </p:nvPr>
+        </p:nvSpPr>
+        <p:spPr>
+          <a:xfrm>
+            <a:off x="3884613" y="8685213"/>
+            <a:ext cx="2971800" cy="458787"/>
+          </a:xfrm>
+          <a:prstGeom prst="rect">
+            <a:avLst/>
+          </a:prstGeom>
+        </p:spPr>
+        <p:txBody>
+          <a:bodyPr vert="horz" lIns="91440" tIns="45720" rIns="91440" bIns="45720" rtlCol="0" anchor="b"/>
+          <a:lstStyle>
+            <a:lvl1pPr algn="r">
+              <a:defRPr sz="1200"/>
+            </a:lvl1pPr>
+          </a:lstStyle>
+          <a:p>
+            <a:fld id="{F60E2F3D-267D-428F-BD5F-7B6CD76700CE}" type="slidenum">
+              <a:rPr lang="pt-PT" smtClean="0"/>
+              <a:t>‹nº›</a:t>
+            </a:fld>
+            <a:endParaRPr lang="pt-PT"/>
+          </a:p>
+        </p:txBody>
+      </p:sp>
+    </p:spTree>
+    <p:extLst>
+      <p:ext uri="{BB962C8B-B14F-4D97-AF65-F5344CB8AC3E}">
+        <p14:creationId xmlns:p14="http://schemas.microsoft.com/office/powerpoint/2010/main" val="527806754"/>
+      </p:ext>
+    </p:extLst>
+  </p:cSld>
+  <p:clrMap bg1="lt1" tx1="dk1" bg2="lt2" tx2="dk2" accent1="accent1" accent2="accent2" accent3="accent3" accent4="accent4" accent5="accent5" accent6="accent6" hlink="hlink" folHlink="folHlink"/>
+  <p:notesStyle>
+    <a:lvl1pPr marL="0" algn="l" defTabSz="914400" rtl="0" eaLnBrk="1" latinLnBrk="0" hangingPunct="1">
+      <a:defRPr sz="1200" kern="1200">
+        <a:solidFill>
+          <a:schemeClr val="tx1"/>
+        </a:solidFill>
+        <a:latin typeface="+mn-lt"/>
+        <a:ea typeface="+mn-ea"/>
+        <a:cs typeface="+mn-cs"/>
+      </a:defRPr>
+    </a:lvl1pPr>
+    <a:lvl2pPr marL="457200" algn="l" defTabSz="914400" rtl="0" eaLnBrk="1" latinLnBrk="0" hangingPunct="1">
+      <a:defRPr sz="1200" kern="1200">
+        <a:solidFill>
+          <a:schemeClr val="tx1"/>
+        </a:solidFill>
+        <a:latin typeface="+mn-lt"/>
+        <a:ea typeface="+mn-ea"/>
+        <a:cs typeface="+mn-cs"/>
+      </a:defRPr>
+    </a:lvl2pPr>
+    <a:lvl3pPr marL="914400" algn="l" defTabSz="914400" rtl="0" eaLnBrk="1" latinLnBrk="0" hangingPunct="1">
+      <a:defRPr sz="1200" kern="1200">
+        <a:solidFill>
+          <a:schemeClr val="tx1"/>
+        </a:solidFill>
+        <a:latin typeface="+mn-lt"/>
+        <a:ea typeface="+mn-ea"/>
+        <a:cs typeface="+mn-cs"/>
+      </a:defRPr>
+    </a:lvl3pPr>
+    <a:lvl4pPr marL="1371600" algn="l" defTabSz="914400" rtl="0" eaLnBrk="1" latinLnBrk="0" hangingPunct="1">
+      <a:defRPr sz="1200" kern="1200">
+        <a:solidFill>
+          <a:schemeClr val="tx1"/>
+        </a:solidFill>
+        <a:latin typeface="+mn-lt"/>
+        <a:ea typeface="+mn-ea"/>
+        <a:cs typeface="+mn-cs"/>
+      </a:defRPr>
+    </a:lvl4pPr>
+    <a:lvl5pPr marL="1828800" algn="l" defTabSz="914400" rtl="0" eaLnBrk="1" latinLnBrk="0" hangingPunct="1">
+      <a:defRPr sz="1200" kern="1200">
+        <a:solidFill>
+          <a:schemeClr val="tx1"/>
+        </a:solidFill>
+        <a:latin typeface="+mn-lt"/>
+        <a:ea typeface="+mn-ea"/>
+        <a:cs typeface="+mn-cs"/>
+      </a:defRPr>
+    </a:lvl5pPr>
+    <a:lvl6pPr marL="2286000" algn="l" defTabSz="914400" rtl="0" eaLnBrk="1" latinLnBrk="0" hangingPunct="1">
+      <a:defRPr sz="1200" kern="1200">
+        <a:solidFill>
+          <a:schemeClr val="tx1"/>
+        </a:solidFill>
+        <a:latin typeface="+mn-lt"/>
+        <a:ea typeface="+mn-ea"/>
+        <a:cs typeface="+mn-cs"/>
+      </a:defRPr>
+    </a:lvl6pPr>
+    <a:lvl7pPr marL="2743200" algn="l" defTabSz="914400" rtl="0" eaLnBrk="1" latinLnBrk="0" hangingPunct="1">
+      <a:defRPr sz="1200" kern="1200">
+        <a:solidFill>
+          <a:schemeClr val="tx1"/>
+        </a:solidFill>
+        <a:latin typeface="+mn-lt"/>
+        <a:ea typeface="+mn-ea"/>
+        <a:cs typeface="+mn-cs"/>
+      </a:defRPr>
+    </a:lvl7pPr>
+    <a:lvl8pPr marL="3200400" algn="l" defTabSz="914400" rtl="0" eaLnBrk="1" latinLnBrk="0" hangingPunct="1">
+      <a:defRPr sz="1200" kern="1200">
+        <a:solidFill>
+          <a:schemeClr val="tx1"/>
+        </a:solidFill>
+        <a:latin typeface="+mn-lt"/>
+        <a:ea typeface="+mn-ea"/>
+        <a:cs typeface="+mn-cs"/>
+      </a:defRPr>
+    </a:lvl8pPr>
+    <a:lvl9pPr marL="3657600" algn="l" defTabSz="914400" rtl="0" eaLnBrk="1" latinLnBrk="0" hangingPunct="1">
+      <a:defRPr sz="1200" kern="1200">
+        <a:solidFill>
+          <a:schemeClr val="tx1"/>
+        </a:solidFill>
+        <a:latin typeface="+mn-lt"/>
+        <a:ea typeface="+mn-ea"/>
+        <a:cs typeface="+mn-cs"/>
+      </a:defRPr>
+    </a:lvl9pPr>
+  </p:notesStyle>
+</p:notesMaster>
+</file>
+
+<file path=ppt/notesSlides/notesSlide1.xml><?xml version="1.0" encoding="utf-8"?>
+<p:notes xmlns:a="http://schemas.openxmlformats.org/drawingml/2006/main" xmlns:r="http://schemas.openxmlformats.org/officeDocument/2006/relationships" xmlns:p="http://schemas.openxmlformats.org/presentationml/2006/main">
+  <p:cSld>
+    <p:spTree>
+      <p:nvGrpSpPr>
+        <p:cNvPr id="1" name=""/>
+        <p:cNvGrpSpPr/>
+        <p:nvPr/>
+      </p:nvGrpSpPr>
+      <p:grpSpPr>
+        <a:xfrm>
+          <a:off x="0" y="0"/>
+          <a:ext cx="0" cy="0"/>
+          <a:chOff x="0" y="0"/>
+          <a:chExt cx="0" cy="0"/>
+        </a:xfrm>
+      </p:grpSpPr>
+      <p:sp>
+        <p:nvSpPr>
+          <p:cNvPr id="2" name="Marcador de Posição da Imagem do Diapositivo 1"/>
+          <p:cNvSpPr>
+            <a:spLocks noGrp="1" noRot="1" noChangeAspect="1"/>
+          </p:cNvSpPr>
+          <p:nvPr>
+            <p:ph type="sldImg"/>
+          </p:nvPr>
+        </p:nvSpPr>
+        <p:spPr/>
+      </p:sp>
+      <p:sp>
+        <p:nvSpPr>
+          <p:cNvPr id="3" name="Marcador de Posição de Notas 2"/>
+          <p:cNvSpPr>
+            <a:spLocks noGrp="1"/>
+          </p:cNvSpPr>
+          <p:nvPr>
+            <p:ph type="body" idx="1"/>
+          </p:nvPr>
+        </p:nvSpPr>
+        <p:spPr/>
+        <p:txBody>
+          <a:bodyPr/>
+          <a:lstStyle/>
+          <a:p>
+            <a:r>
+              <a:rPr lang="pt-PT" dirty="0" smtClean="0"/>
+              <a:t>Contextualização: Porque é que é útil esta</a:t>
+            </a:r>
+            <a:r>
+              <a:rPr lang="pt-PT" baseline="0" dirty="0" smtClean="0"/>
+              <a:t> Tese?</a:t>
+            </a:r>
+          </a:p>
+          <a:p>
+            <a:r>
+              <a:rPr lang="pt-PT" baseline="0" dirty="0" err="1" smtClean="0"/>
+              <a:t>Enquandramento</a:t>
+            </a:r>
+            <a:r>
+              <a:rPr lang="pt-PT" baseline="0" dirty="0" smtClean="0"/>
+              <a:t> na </a:t>
+            </a:r>
+            <a:r>
+              <a:rPr lang="pt-PT" baseline="0" dirty="0" err="1" smtClean="0"/>
+              <a:t>Inelcis</a:t>
+            </a:r>
+            <a:r>
+              <a:rPr lang="pt-PT" baseline="0" dirty="0" smtClean="0"/>
+              <a:t>: Porque é importante a </a:t>
+            </a:r>
+            <a:r>
+              <a:rPr lang="pt-PT" baseline="0" dirty="0" err="1" smtClean="0"/>
+              <a:t>Inelcis</a:t>
+            </a:r>
+            <a:r>
+              <a:rPr lang="pt-PT" baseline="0" dirty="0" smtClean="0"/>
+              <a:t>?</a:t>
+            </a:r>
+          </a:p>
+          <a:p>
+            <a:r>
+              <a:rPr lang="pt-PT" baseline="0" dirty="0" smtClean="0"/>
+              <a:t>Objetivos: o que se pretende atingir com esta tese</a:t>
+            </a:r>
+          </a:p>
+          <a:p>
+            <a:r>
+              <a:rPr lang="pt-PT" baseline="0" dirty="0" smtClean="0"/>
+              <a:t>Estado de Arte: o que foi feito até ao momento</a:t>
+            </a:r>
+          </a:p>
+          <a:p>
+            <a:r>
+              <a:rPr lang="pt-PT" baseline="0" dirty="0" smtClean="0"/>
+              <a:t>Conclusão: o que se pode concluir do que já foi feito</a:t>
+            </a:r>
+            <a:endParaRPr lang="pt-PT" dirty="0"/>
+          </a:p>
+        </p:txBody>
+      </p:sp>
+      <p:sp>
+        <p:nvSpPr>
+          <p:cNvPr id="4" name="Marcador de Posição do Número do Diapositivo 3"/>
+          <p:cNvSpPr>
+            <a:spLocks noGrp="1"/>
+          </p:cNvSpPr>
+          <p:nvPr>
+            <p:ph type="sldNum" sz="quarter" idx="10"/>
+          </p:nvPr>
+        </p:nvSpPr>
+        <p:spPr/>
+        <p:txBody>
+          <a:bodyPr/>
+          <a:lstStyle/>
+          <a:p>
+            <a:fld id="{F60E2F3D-267D-428F-BD5F-7B6CD76700CE}" type="slidenum">
+              <a:rPr lang="pt-PT" smtClean="0"/>
+              <a:t>2</a:t>
+            </a:fld>
+            <a:endParaRPr lang="pt-PT"/>
+          </a:p>
+        </p:txBody>
+      </p:sp>
+    </p:spTree>
+    <p:extLst>
+      <p:ext uri="{BB962C8B-B14F-4D97-AF65-F5344CB8AC3E}">
+        <p14:creationId xmlns:p14="http://schemas.microsoft.com/office/powerpoint/2010/main" val="2805130507"/>
+      </p:ext>
+    </p:extLst>
+  </p:cSld>
+  <p:clrMapOvr>
+    <a:masterClrMapping/>
+  </p:clrMapOvr>
+</p:notes>
 </file>
 
 <file path=ppt/slideLayouts/slideLayout1.xml><?xml version="1.0" encoding="utf-8"?>
@@ -246,7 +740,7 @@
           <a:p>
             <a:fld id="{AF5C14D2-4DD5-477F-AA07-2F1260DDEBF2}" type="datetimeFigureOut">
               <a:rPr lang="pt-PT" smtClean="0"/>
-              <a:t>10/03/2014</a:t>
+              <a:t>12/03/2014</a:t>
             </a:fld>
             <a:endParaRPr lang="pt-PT"/>
           </a:p>
@@ -416,7 +910,7 @@
           <a:p>
             <a:fld id="{AF5C14D2-4DD5-477F-AA07-2F1260DDEBF2}" type="datetimeFigureOut">
               <a:rPr lang="pt-PT" smtClean="0"/>
-              <a:t>10/03/2014</a:t>
+              <a:t>12/03/2014</a:t>
             </a:fld>
             <a:endParaRPr lang="pt-PT"/>
           </a:p>
@@ -596,7 +1090,7 @@
           <a:p>
             <a:fld id="{AF5C14D2-4DD5-477F-AA07-2F1260DDEBF2}" type="datetimeFigureOut">
               <a:rPr lang="pt-PT" smtClean="0"/>
-              <a:t>10/03/2014</a:t>
+              <a:t>12/03/2014</a:t>
             </a:fld>
             <a:endParaRPr lang="pt-PT"/>
           </a:p>
@@ -766,7 +1260,7 @@
           <a:p>
             <a:fld id="{AF5C14D2-4DD5-477F-AA07-2F1260DDEBF2}" type="datetimeFigureOut">
               <a:rPr lang="pt-PT" smtClean="0"/>
-              <a:t>10/03/2014</a:t>
+              <a:t>12/03/2014</a:t>
             </a:fld>
             <a:endParaRPr lang="pt-PT"/>
           </a:p>
@@ -1012,7 +1506,7 @@
           <a:p>
             <a:fld id="{AF5C14D2-4DD5-477F-AA07-2F1260DDEBF2}" type="datetimeFigureOut">
               <a:rPr lang="pt-PT" smtClean="0"/>
-              <a:t>10/03/2014</a:t>
+              <a:t>12/03/2014</a:t>
             </a:fld>
             <a:endParaRPr lang="pt-PT"/>
           </a:p>
@@ -1244,7 +1738,7 @@
           <a:p>
             <a:fld id="{AF5C14D2-4DD5-477F-AA07-2F1260DDEBF2}" type="datetimeFigureOut">
               <a:rPr lang="pt-PT" smtClean="0"/>
-              <a:t>10/03/2014</a:t>
+              <a:t>12/03/2014</a:t>
             </a:fld>
             <a:endParaRPr lang="pt-PT"/>
           </a:p>
@@ -1611,7 +2105,7 @@
           <a:p>
             <a:fld id="{AF5C14D2-4DD5-477F-AA07-2F1260DDEBF2}" type="datetimeFigureOut">
               <a:rPr lang="pt-PT" smtClean="0"/>
-              <a:t>10/03/2014</a:t>
+              <a:t>12/03/2014</a:t>
             </a:fld>
             <a:endParaRPr lang="pt-PT"/>
           </a:p>
@@ -1729,7 +2223,7 @@
           <a:p>
             <a:fld id="{AF5C14D2-4DD5-477F-AA07-2F1260DDEBF2}" type="datetimeFigureOut">
               <a:rPr lang="pt-PT" smtClean="0"/>
-              <a:t>10/03/2014</a:t>
+              <a:t>12/03/2014</a:t>
             </a:fld>
             <a:endParaRPr lang="pt-PT"/>
           </a:p>
@@ -1824,7 +2318,7 @@
           <a:p>
             <a:fld id="{AF5C14D2-4DD5-477F-AA07-2F1260DDEBF2}" type="datetimeFigureOut">
               <a:rPr lang="pt-PT" smtClean="0"/>
-              <a:t>10/03/2014</a:t>
+              <a:t>12/03/2014</a:t>
             </a:fld>
             <a:endParaRPr lang="pt-PT"/>
           </a:p>
@@ -2101,7 +2595,7 @@
           <a:p>
             <a:fld id="{AF5C14D2-4DD5-477F-AA07-2F1260DDEBF2}" type="datetimeFigureOut">
               <a:rPr lang="pt-PT" smtClean="0"/>
-              <a:t>10/03/2014</a:t>
+              <a:t>12/03/2014</a:t>
             </a:fld>
             <a:endParaRPr lang="pt-PT"/>
           </a:p>
@@ -2354,7 +2848,7 @@
           <a:p>
             <a:fld id="{AF5C14D2-4DD5-477F-AA07-2F1260DDEBF2}" type="datetimeFigureOut">
               <a:rPr lang="pt-PT" smtClean="0"/>
-              <a:t>10/03/2014</a:t>
+              <a:t>12/03/2014</a:t>
             </a:fld>
             <a:endParaRPr lang="pt-PT"/>
           </a:p>
@@ -2567,7 +3061,7 @@
           <a:p>
             <a:fld id="{AF5C14D2-4DD5-477F-AA07-2F1260DDEBF2}" type="datetimeFigureOut">
               <a:rPr lang="pt-PT" smtClean="0"/>
-              <a:t>10/03/2014</a:t>
+              <a:t>12/03/2014</a:t>
             </a:fld>
             <a:endParaRPr lang="pt-PT"/>
           </a:p>
@@ -3007,7 +3501,7 @@
         </p:nvSpPr>
         <p:spPr>
           <a:xfrm>
-            <a:off x="5107305" y="4417004"/>
+            <a:off x="5930265" y="4417004"/>
             <a:ext cx="3074670" cy="1038542"/>
           </a:xfrm>
         </p:spPr>
@@ -3100,304 +3594,13 @@
       </p:pic>
       <p:sp>
         <p:nvSpPr>
-          <p:cNvPr id="7" name="Subtitle 2"/>
-          <p:cNvSpPr txBox="1">
-            <a:spLocks/>
-          </p:cNvSpPr>
-          <p:nvPr/>
-        </p:nvSpPr>
-        <p:spPr>
-          <a:xfrm>
-            <a:off x="1671870" y="0"/>
-            <a:ext cx="5567130" cy="962025"/>
-          </a:xfrm>
-          <a:prstGeom prst="rect">
-            <a:avLst/>
-          </a:prstGeom>
-        </p:spPr>
-        <p:txBody>
-          <a:bodyPr vert="horz" lIns="91440" tIns="45720" rIns="91440" bIns="45720" rtlCol="0" anchor="ctr">
-            <a:normAutofit/>
-          </a:bodyPr>
-          <a:lstStyle>
-            <a:lvl1pPr marL="0" indent="0" algn="l" defTabSz="685800" rtl="0" eaLnBrk="1" latinLnBrk="0" hangingPunct="1">
-              <a:lnSpc>
-                <a:spcPct val="95000"/>
-              </a:lnSpc>
-              <a:spcBef>
-                <a:spcPts val="1050"/>
-              </a:spcBef>
-              <a:spcAft>
-                <a:spcPts val="150"/>
-              </a:spcAft>
-              <a:buClr>
-                <a:schemeClr val="accent1"/>
-              </a:buClr>
-              <a:buSzPct val="80000"/>
-              <a:buFont typeface="Arial" pitchFamily="34" charset="0"/>
-              <a:buNone/>
-              <a:defRPr sz="1650" kern="1200" spc="8" baseline="0">
-                <a:solidFill>
-                  <a:schemeClr val="tx1">
-                    <a:lumMod val="75000"/>
-                  </a:schemeClr>
-                </a:solidFill>
-                <a:latin typeface="Open Sans" panose="020B0606030504020204" pitchFamily="34" charset="0"/>
-                <a:ea typeface="Open Sans" panose="020B0606030504020204" pitchFamily="34" charset="0"/>
-                <a:cs typeface="Open Sans" panose="020B0606030504020204" pitchFamily="34" charset="0"/>
-              </a:defRPr>
-            </a:lvl1pPr>
-            <a:lvl2pPr marL="342900" indent="0" algn="ctr" defTabSz="685800" rtl="0" eaLnBrk="1" latinLnBrk="0" hangingPunct="1">
-              <a:lnSpc>
-                <a:spcPct val="90000"/>
-              </a:lnSpc>
-              <a:spcBef>
-                <a:spcPts val="225"/>
-              </a:spcBef>
-              <a:spcAft>
-                <a:spcPts val="225"/>
-              </a:spcAft>
-              <a:buClr>
-                <a:schemeClr val="accent1"/>
-              </a:buClr>
-              <a:buFont typeface="Wingdings 2" pitchFamily="18" charset="2"/>
-              <a:buNone/>
-              <a:defRPr sz="1650" kern="1200">
-                <a:solidFill>
-                  <a:schemeClr val="tx1">
-                    <a:lumMod val="85000"/>
-                    <a:lumOff val="15000"/>
-                  </a:schemeClr>
-                </a:solidFill>
-                <a:latin typeface="Open Sans" panose="020B0606030504020204" pitchFamily="34" charset="0"/>
-                <a:ea typeface="Open Sans" panose="020B0606030504020204" pitchFamily="34" charset="0"/>
-                <a:cs typeface="Open Sans" panose="020B0606030504020204" pitchFamily="34" charset="0"/>
-              </a:defRPr>
-            </a:lvl2pPr>
-            <a:lvl3pPr marL="685800" indent="0" algn="ctr" defTabSz="685800" rtl="0" eaLnBrk="1" latinLnBrk="0" hangingPunct="1">
-              <a:lnSpc>
-                <a:spcPct val="90000"/>
-              </a:lnSpc>
-              <a:spcBef>
-                <a:spcPts val="225"/>
-              </a:spcBef>
-              <a:spcAft>
-                <a:spcPts val="225"/>
-              </a:spcAft>
-              <a:buClr>
-                <a:schemeClr val="accent1"/>
-              </a:buClr>
-              <a:buFont typeface="Wingdings 2" pitchFamily="18" charset="2"/>
-              <a:buNone/>
-              <a:defRPr sz="1650" kern="1200">
-                <a:solidFill>
-                  <a:schemeClr val="tx1">
-                    <a:lumMod val="85000"/>
-                    <a:lumOff val="15000"/>
-                  </a:schemeClr>
-                </a:solidFill>
-                <a:latin typeface="Open Sans" panose="020B0606030504020204" pitchFamily="34" charset="0"/>
-                <a:ea typeface="Open Sans" panose="020B0606030504020204" pitchFamily="34" charset="0"/>
-                <a:cs typeface="Open Sans" panose="020B0606030504020204" pitchFamily="34" charset="0"/>
-              </a:defRPr>
-            </a:lvl3pPr>
-            <a:lvl4pPr marL="1028700" indent="0" algn="ctr" defTabSz="685800" rtl="0" eaLnBrk="1" latinLnBrk="0" hangingPunct="1">
-              <a:lnSpc>
-                <a:spcPct val="90000"/>
-              </a:lnSpc>
-              <a:spcBef>
-                <a:spcPts val="225"/>
-              </a:spcBef>
-              <a:spcAft>
-                <a:spcPts val="225"/>
-              </a:spcAft>
-              <a:buClr>
-                <a:schemeClr val="accent1"/>
-              </a:buClr>
-              <a:buFont typeface="Wingdings 2" pitchFamily="18" charset="2"/>
-              <a:buNone/>
-              <a:defRPr sz="1500" kern="1200">
-                <a:solidFill>
-                  <a:schemeClr val="tx1">
-                    <a:lumMod val="85000"/>
-                    <a:lumOff val="15000"/>
-                  </a:schemeClr>
-                </a:solidFill>
-                <a:latin typeface="Open Sans" panose="020B0606030504020204" pitchFamily="34" charset="0"/>
-                <a:ea typeface="Open Sans" panose="020B0606030504020204" pitchFamily="34" charset="0"/>
-                <a:cs typeface="Open Sans" panose="020B0606030504020204" pitchFamily="34" charset="0"/>
-              </a:defRPr>
-            </a:lvl4pPr>
-            <a:lvl5pPr marL="1371600" indent="0" algn="ctr" defTabSz="685800" rtl="0" eaLnBrk="1" latinLnBrk="0" hangingPunct="1">
-              <a:lnSpc>
-                <a:spcPct val="90000"/>
-              </a:lnSpc>
-              <a:spcBef>
-                <a:spcPts val="225"/>
-              </a:spcBef>
-              <a:spcAft>
-                <a:spcPts val="225"/>
-              </a:spcAft>
-              <a:buClr>
-                <a:schemeClr val="accent1"/>
-              </a:buClr>
-              <a:buFont typeface="Wingdings 2" pitchFamily="18" charset="2"/>
-              <a:buNone/>
-              <a:defRPr sz="1500" kern="1200">
-                <a:solidFill>
-                  <a:schemeClr val="tx1">
-                    <a:lumMod val="85000"/>
-                    <a:lumOff val="15000"/>
-                  </a:schemeClr>
-                </a:solidFill>
-                <a:latin typeface="Open Sans" panose="020B0606030504020204" pitchFamily="34" charset="0"/>
-                <a:ea typeface="Open Sans" panose="020B0606030504020204" pitchFamily="34" charset="0"/>
-                <a:cs typeface="Open Sans" panose="020B0606030504020204" pitchFamily="34" charset="0"/>
-              </a:defRPr>
-            </a:lvl5pPr>
-            <a:lvl6pPr marL="1714500" indent="0" algn="ctr" defTabSz="685800" rtl="0" eaLnBrk="1" latinLnBrk="0" hangingPunct="1">
-              <a:lnSpc>
-                <a:spcPct val="90000"/>
-              </a:lnSpc>
-              <a:spcBef>
-                <a:spcPts val="225"/>
-              </a:spcBef>
-              <a:spcAft>
-                <a:spcPts val="225"/>
-              </a:spcAft>
-              <a:buClr>
-                <a:schemeClr val="accent1"/>
-              </a:buClr>
-              <a:buFont typeface="Wingdings 2" pitchFamily="18" charset="2"/>
-              <a:buNone/>
-              <a:defRPr sz="1500" kern="1200">
-                <a:solidFill>
-                  <a:schemeClr val="tx1">
-                    <a:lumMod val="85000"/>
-                    <a:lumOff val="15000"/>
-                  </a:schemeClr>
-                </a:solidFill>
-                <a:latin typeface="+mn-lt"/>
-                <a:ea typeface="+mn-ea"/>
-                <a:cs typeface="+mn-cs"/>
-              </a:defRPr>
-            </a:lvl6pPr>
-            <a:lvl7pPr marL="2057400" indent="0" algn="ctr" defTabSz="685800" rtl="0" eaLnBrk="1" latinLnBrk="0" hangingPunct="1">
-              <a:lnSpc>
-                <a:spcPct val="90000"/>
-              </a:lnSpc>
-              <a:spcBef>
-                <a:spcPts val="225"/>
-              </a:spcBef>
-              <a:spcAft>
-                <a:spcPts val="225"/>
-              </a:spcAft>
-              <a:buClr>
-                <a:schemeClr val="accent1"/>
-              </a:buClr>
-              <a:buFont typeface="Wingdings 2" pitchFamily="18" charset="2"/>
-              <a:buNone/>
-              <a:defRPr sz="1500" kern="1200">
-                <a:solidFill>
-                  <a:schemeClr val="tx1">
-                    <a:lumMod val="85000"/>
-                    <a:lumOff val="15000"/>
-                  </a:schemeClr>
-                </a:solidFill>
-                <a:latin typeface="+mn-lt"/>
-                <a:ea typeface="+mn-ea"/>
-                <a:cs typeface="+mn-cs"/>
-              </a:defRPr>
-            </a:lvl7pPr>
-            <a:lvl8pPr marL="2400300" indent="0" algn="ctr" defTabSz="685800" rtl="0" eaLnBrk="1" latinLnBrk="0" hangingPunct="1">
-              <a:lnSpc>
-                <a:spcPct val="90000"/>
-              </a:lnSpc>
-              <a:spcBef>
-                <a:spcPts val="225"/>
-              </a:spcBef>
-              <a:spcAft>
-                <a:spcPts val="225"/>
-              </a:spcAft>
-              <a:buClr>
-                <a:schemeClr val="accent1"/>
-              </a:buClr>
-              <a:buFont typeface="Wingdings 2" pitchFamily="18" charset="2"/>
-              <a:buNone/>
-              <a:defRPr sz="1500" kern="1200">
-                <a:solidFill>
-                  <a:schemeClr val="tx1">
-                    <a:lumMod val="85000"/>
-                    <a:lumOff val="15000"/>
-                  </a:schemeClr>
-                </a:solidFill>
-                <a:latin typeface="+mn-lt"/>
-                <a:ea typeface="+mn-ea"/>
-                <a:cs typeface="+mn-cs"/>
-              </a:defRPr>
-            </a:lvl8pPr>
-            <a:lvl9pPr marL="2743200" indent="0" algn="ctr" defTabSz="685800" rtl="0" eaLnBrk="1" latinLnBrk="0" hangingPunct="1">
-              <a:lnSpc>
-                <a:spcPct val="90000"/>
-              </a:lnSpc>
-              <a:spcBef>
-                <a:spcPts val="225"/>
-              </a:spcBef>
-              <a:spcAft>
-                <a:spcPts val="225"/>
-              </a:spcAft>
-              <a:buClr>
-                <a:schemeClr val="accent1"/>
-              </a:buClr>
-              <a:buFont typeface="Wingdings 2" pitchFamily="18" charset="2"/>
-              <a:buNone/>
-              <a:defRPr sz="1500" kern="1200">
-                <a:solidFill>
-                  <a:schemeClr val="tx1">
-                    <a:lumMod val="85000"/>
-                    <a:lumOff val="15000"/>
-                  </a:schemeClr>
-                </a:solidFill>
-                <a:latin typeface="+mn-lt"/>
-                <a:ea typeface="+mn-ea"/>
-                <a:cs typeface="+mn-cs"/>
-              </a:defRPr>
-            </a:lvl9pPr>
-          </a:lstStyle>
-          <a:p>
-            <a:pPr algn="r">
-              <a:lnSpc>
-                <a:spcPct val="100000"/>
-              </a:lnSpc>
-            </a:pPr>
-            <a:r>
-              <a:rPr lang="pt-PT" sz="1400" b="1" dirty="0" smtClean="0"/>
-              <a:t>Universidade do Minho</a:t>
-            </a:r>
-          </a:p>
-          <a:p>
-            <a:pPr algn="r">
-              <a:lnSpc>
-                <a:spcPct val="100000"/>
-              </a:lnSpc>
-            </a:pPr>
-            <a:r>
-              <a:rPr lang="pt-PT" sz="1400" b="1" dirty="0" smtClean="0"/>
-              <a:t>Escola de Engenharia</a:t>
-            </a:r>
-            <a:endParaRPr lang="en-US" sz="1400" b="1" dirty="0"/>
-          </a:p>
-        </p:txBody>
-      </p:sp>
-      <p:sp>
-        <p:nvSpPr>
           <p:cNvPr id="8" name="Retângulo 7"/>
           <p:cNvSpPr/>
           <p:nvPr/>
         </p:nvSpPr>
         <p:spPr>
           <a:xfrm>
-            <a:off x="2937608" y="4410132"/>
+            <a:off x="3760568" y="4410132"/>
             <a:ext cx="2169697" cy="1045414"/>
           </a:xfrm>
           <a:prstGeom prst="rect">
@@ -3462,10 +3665,104 @@
           </a:p>
         </p:txBody>
       </p:sp>
+      <p:sp>
+        <p:nvSpPr>
+          <p:cNvPr id="6" name="CaixaDeTexto 5"/>
+          <p:cNvSpPr txBox="1"/>
+          <p:nvPr/>
+        </p:nvSpPr>
+        <p:spPr>
+          <a:xfrm>
+            <a:off x="3261360" y="111680"/>
+            <a:ext cx="3977640" cy="738664"/>
+          </a:xfrm>
+          <a:prstGeom prst="rect">
+            <a:avLst/>
+          </a:prstGeom>
+          <a:noFill/>
+        </p:spPr>
+        <p:txBody>
+          <a:bodyPr wrap="square" rtlCol="0">
+            <a:spAutoFit/>
+          </a:bodyPr>
+          <a:lstStyle/>
+          <a:p>
+            <a:pPr algn="r"/>
+            <a:r>
+              <a:rPr lang="pt-PT" sz="1400" b="1" dirty="0" smtClean="0">
+                <a:latin typeface="NewsGotT" pitchFamily="2" charset="0"/>
+              </a:rPr>
+              <a:t>Universidade do Minho</a:t>
+            </a:r>
+          </a:p>
+          <a:p>
+            <a:pPr algn="r"/>
+            <a:r>
+              <a:rPr lang="pt-PT" sz="1400" b="1" dirty="0" smtClean="0">
+                <a:latin typeface="NewsGotT" pitchFamily="2" charset="0"/>
+              </a:rPr>
+              <a:t>Escola de Engenharia</a:t>
+            </a:r>
+          </a:p>
+          <a:p>
+            <a:pPr algn="r"/>
+            <a:r>
+              <a:rPr lang="pt-PT" sz="1400" b="1" dirty="0" smtClean="0">
+                <a:latin typeface="NewsGotT" pitchFamily="2" charset="0"/>
+              </a:rPr>
+              <a:t>Mestrado em Engenharia Informática</a:t>
+            </a:r>
+            <a:endParaRPr lang="pt-PT" sz="1400" b="1" dirty="0">
+              <a:latin typeface="NewsGotT" pitchFamily="2" charset="0"/>
+            </a:endParaRPr>
+          </a:p>
+        </p:txBody>
+      </p:sp>
+      <p:pic>
+        <p:nvPicPr>
+          <p:cNvPr id="1026" name="Picture 2" descr="http://www.inlab-lims.pt/Imagens/InelcisSlogan.png"/>
+          <p:cNvPicPr>
+            <a:picLocks noChangeAspect="1" noChangeArrowheads="1"/>
+          </p:cNvPicPr>
+          <p:nvPr/>
+        </p:nvPicPr>
+        <p:blipFill>
+          <a:blip r:embed="rId4">
+            <a:extLst>
+              <a:ext uri="{28A0092B-C50C-407E-A947-70E740481C1C}">
+                <a14:useLocalDpi xmlns:a14="http://schemas.microsoft.com/office/drawing/2010/main" val="0"/>
+              </a:ext>
+            </a:extLst>
+          </a:blip>
+          <a:srcRect/>
+          <a:stretch>
+            <a:fillRect/>
+          </a:stretch>
+        </p:blipFill>
+        <p:spPr bwMode="auto">
+          <a:xfrm>
+            <a:off x="45818" y="6087302"/>
+            <a:ext cx="3010535" cy="770698"/>
+          </a:xfrm>
+          <a:prstGeom prst="rect">
+            <a:avLst/>
+          </a:prstGeom>
+          <a:noFill/>
+          <a:extLst>
+            <a:ext uri="{909E8E84-426E-40DD-AFC4-6F175D3DCCD1}">
+              <a14:hiddenFill xmlns:a14="http://schemas.microsoft.com/office/drawing/2010/main">
+                <a:solidFill>
+                  <a:srgbClr val="FFFFFF"/>
+                </a:solidFill>
+              </a14:hiddenFill>
+            </a:ext>
+          </a:extLst>
+        </p:spPr>
+      </p:pic>
     </p:spTree>
     <p:extLst>
       <p:ext uri="{BB962C8B-B14F-4D97-AF65-F5344CB8AC3E}">
-        <p14:creationId xmlns:p14="http://schemas.microsoft.com/office/powerpoint/2010/main" val="1469572051"/>
+        <p14:creationId xmlns:p14="http://schemas.microsoft.com/office/powerpoint/2010/main" val="2895947057"/>
       </p:ext>
     </p:extLst>
   </p:cSld>
@@ -3509,16 +3806,42 @@
             <p:ph type="title"/>
           </p:nvPr>
         </p:nvSpPr>
-        <p:spPr/>
+        <p:spPr>
+          <a:xfrm>
+            <a:off x="0" y="0"/>
+            <a:ext cx="9144000" cy="1325563"/>
+          </a:xfrm>
+          <a:solidFill>
+            <a:srgbClr val="9E0000"/>
+          </a:solidFill>
+          <a:ln>
+            <a:noFill/>
+          </a:ln>
+        </p:spPr>
         <p:txBody>
           <a:bodyPr/>
           <a:lstStyle/>
           <a:p>
-            <a:r>
-              <a:rPr lang="pt-PT" dirty="0" smtClean="0"/>
-              <a:t>Sumário</a:t>
-            </a:r>
-            <a:endParaRPr lang="pt-PT" dirty="0"/>
+            <a:pPr>
+              <a:tabLst>
+                <a:tab pos="628650" algn="l"/>
+              </a:tabLst>
+            </a:pPr>
+            <a:r>
+              <a:rPr lang="pt-PT" dirty="0" smtClean="0">
+                <a:solidFill>
+                  <a:schemeClr val="bg1"/>
+                </a:solidFill>
+                <a:latin typeface="NewsGotT" pitchFamily="2" charset="0"/>
+              </a:rPr>
+              <a:t>	Sumário</a:t>
+            </a:r>
+            <a:endParaRPr lang="pt-PT" dirty="0">
+              <a:solidFill>
+                <a:schemeClr val="bg1"/>
+              </a:solidFill>
+              <a:latin typeface="NewsGotT" pitchFamily="2" charset="0"/>
+            </a:endParaRPr>
           </a:p>
         </p:txBody>
       </p:sp>
@@ -3538,41 +3861,225 @@
           <a:lstStyle/>
           <a:p>
             <a:r>
-              <a:rPr lang="pt-PT" dirty="0" smtClean="0"/>
-              <a:t>Contextualização e Motivação</a:t>
-            </a:r>
-          </a:p>
-          <a:p>
-            <a:r>
-              <a:rPr lang="pt-PT" dirty="0" smtClean="0"/>
+              <a:rPr lang="pt-PT" dirty="0" smtClean="0">
+                <a:latin typeface="NewsGotT" pitchFamily="2" charset="0"/>
+              </a:rPr>
+              <a:t>Contextualização e </a:t>
+            </a:r>
+            <a:r>
+              <a:rPr lang="pt-PT" dirty="0" smtClean="0">
+                <a:latin typeface="NewsGotT" pitchFamily="2" charset="0"/>
+              </a:rPr>
+              <a:t>Motivação</a:t>
+            </a:r>
+          </a:p>
+          <a:p>
+            <a:endParaRPr lang="pt-PT" dirty="0" smtClean="0">
+              <a:latin typeface="NewsGotT" pitchFamily="2" charset="0"/>
+            </a:endParaRPr>
+          </a:p>
+          <a:p>
+            <a:r>
+              <a:rPr lang="pt-PT" dirty="0" smtClean="0">
+                <a:latin typeface="NewsGotT" pitchFamily="2" charset="0"/>
+              </a:rPr>
               <a:t>Enquadramento na </a:t>
             </a:r>
             <a:r>
-              <a:rPr lang="pt-PT" dirty="0" err="1" smtClean="0"/>
+              <a:rPr lang="pt-PT" dirty="0" err="1" smtClean="0">
+                <a:latin typeface="NewsGotT" pitchFamily="2" charset="0"/>
+              </a:rPr>
               <a:t>Inelcis</a:t>
             </a:r>
-            <a:endParaRPr lang="pt-PT" dirty="0" smtClean="0"/>
-          </a:p>
-          <a:p>
-            <a:r>
-              <a:rPr lang="pt-PT" dirty="0" smtClean="0"/>
+            <a:endParaRPr lang="pt-PT" dirty="0" smtClean="0">
+              <a:latin typeface="NewsGotT" pitchFamily="2" charset="0"/>
+            </a:endParaRPr>
+          </a:p>
+          <a:p>
+            <a:pPr marL="0" indent="0">
+              <a:buNone/>
+            </a:pPr>
+            <a:endParaRPr lang="pt-PT" dirty="0" smtClean="0">
+              <a:latin typeface="NewsGotT" pitchFamily="2" charset="0"/>
+            </a:endParaRPr>
+          </a:p>
+          <a:p>
+            <a:r>
+              <a:rPr lang="pt-PT" dirty="0" smtClean="0">
+                <a:latin typeface="NewsGotT" pitchFamily="2" charset="0"/>
+              </a:rPr>
               <a:t>Objetivos</a:t>
             </a:r>
           </a:p>
           <a:p>
-            <a:r>
-              <a:rPr lang="pt-PT" dirty="0" smtClean="0"/>
-              <a:t>Estado de Arte</a:t>
-            </a:r>
-          </a:p>
-          <a:p>
-            <a:r>
-              <a:rPr lang="pt-PT" dirty="0" smtClean="0"/>
+            <a:endParaRPr lang="pt-PT" dirty="0" smtClean="0">
+              <a:latin typeface="NewsGotT" pitchFamily="2" charset="0"/>
+            </a:endParaRPr>
+          </a:p>
+          <a:p>
+            <a:r>
+              <a:rPr lang="pt-PT" dirty="0" smtClean="0">
+                <a:latin typeface="NewsGotT" pitchFamily="2" charset="0"/>
+              </a:rPr>
+              <a:t>Estado de </a:t>
+            </a:r>
+            <a:r>
+              <a:rPr lang="pt-PT" dirty="0" smtClean="0">
+                <a:latin typeface="NewsGotT" pitchFamily="2" charset="0"/>
+              </a:rPr>
+              <a:t>Arte</a:t>
+            </a:r>
+          </a:p>
+          <a:p>
+            <a:endParaRPr lang="pt-PT" dirty="0" smtClean="0">
+              <a:latin typeface="NewsGotT" pitchFamily="2" charset="0"/>
+            </a:endParaRPr>
+          </a:p>
+          <a:p>
+            <a:r>
+              <a:rPr lang="pt-PT" dirty="0" smtClean="0">
+                <a:latin typeface="NewsGotT" pitchFamily="2" charset="0"/>
+              </a:rPr>
               <a:t>Conclusão</a:t>
             </a:r>
           </a:p>
         </p:txBody>
       </p:sp>
+      <p:cxnSp>
+        <p:nvCxnSpPr>
+          <p:cNvPr id="5" name="Conexão reta 4"/>
+          <p:cNvCxnSpPr/>
+          <p:nvPr/>
+        </p:nvCxnSpPr>
+        <p:spPr>
+          <a:xfrm>
+            <a:off x="0" y="6348413"/>
+            <a:ext cx="9144000" cy="0"/>
+          </a:xfrm>
+          <a:prstGeom prst="line">
+            <a:avLst/>
+          </a:prstGeom>
+          <a:ln w="34925">
+            <a:solidFill>
+              <a:srgbClr val="A90B1A"/>
+            </a:solidFill>
+          </a:ln>
+        </p:spPr>
+        <p:style>
+          <a:lnRef idx="1">
+            <a:schemeClr val="accent1"/>
+          </a:lnRef>
+          <a:fillRef idx="0">
+            <a:schemeClr val="accent1"/>
+          </a:fillRef>
+          <a:effectRef idx="0">
+            <a:schemeClr val="accent1"/>
+          </a:effectRef>
+          <a:fontRef idx="minor">
+            <a:schemeClr val="tx1"/>
+          </a:fontRef>
+        </p:style>
+      </p:cxnSp>
+      <p:sp>
+        <p:nvSpPr>
+          <p:cNvPr id="10" name="CaixaDeTexto 9"/>
+          <p:cNvSpPr txBox="1"/>
+          <p:nvPr/>
+        </p:nvSpPr>
+        <p:spPr>
+          <a:xfrm>
+            <a:off x="0" y="6457950"/>
+            <a:ext cx="9144000" cy="307777"/>
+          </a:xfrm>
+          <a:prstGeom prst="rect">
+            <a:avLst/>
+          </a:prstGeom>
+          <a:noFill/>
+        </p:spPr>
+        <p:txBody>
+          <a:bodyPr wrap="square" rtlCol="0">
+            <a:spAutoFit/>
+          </a:bodyPr>
+          <a:lstStyle/>
+          <a:p>
+            <a:pPr>
+              <a:tabLst>
+                <a:tab pos="4479925" algn="ctr"/>
+                <a:tab pos="8972550" algn="r"/>
+              </a:tabLst>
+            </a:pPr>
+            <a:r>
+              <a:rPr lang="pt-PT" sz="1400" dirty="0" smtClean="0">
+                <a:latin typeface="NewsGotT" pitchFamily="2" charset="0"/>
+              </a:rPr>
+              <a:t>Miguel Costa	1</a:t>
+            </a:r>
+            <a:endParaRPr lang="pt-PT" sz="1400" dirty="0">
+              <a:latin typeface="NewsGotT" pitchFamily="2" charset="0"/>
+            </a:endParaRPr>
+          </a:p>
+        </p:txBody>
+      </p:sp>
+      <p:pic>
+        <p:nvPicPr>
+          <p:cNvPr id="12" name="Picture 5"/>
+          <p:cNvPicPr>
+            <a:picLocks noChangeAspect="1"/>
+          </p:cNvPicPr>
+          <p:nvPr/>
+        </p:nvPicPr>
+        <p:blipFill>
+          <a:blip r:embed="rId3">
+            <a:extLst>
+              <a:ext uri="{28A0092B-C50C-407E-A947-70E740481C1C}">
+                <a14:useLocalDpi xmlns:a14="http://schemas.microsoft.com/office/drawing/2010/main" val="0"/>
+              </a:ext>
+            </a:extLst>
+          </a:blip>
+          <a:stretch>
+            <a:fillRect/>
+          </a:stretch>
+        </p:blipFill>
+        <p:spPr>
+          <a:xfrm>
+            <a:off x="8655050" y="6369048"/>
+            <a:ext cx="488950" cy="488950"/>
+          </a:xfrm>
+          <a:prstGeom prst="rect">
+            <a:avLst/>
+          </a:prstGeom>
+        </p:spPr>
+      </p:pic>
+      <p:pic>
+        <p:nvPicPr>
+          <p:cNvPr id="13" name="Picture 6"/>
+          <p:cNvPicPr>
+            <a:picLocks noChangeAspect="1"/>
+          </p:cNvPicPr>
+          <p:nvPr/>
+        </p:nvPicPr>
+        <p:blipFill>
+          <a:blip r:embed="rId4">
+            <a:extLst>
+              <a:ext uri="{28A0092B-C50C-407E-A947-70E740481C1C}">
+                <a14:useLocalDpi xmlns:a14="http://schemas.microsoft.com/office/drawing/2010/main" val="0"/>
+              </a:ext>
+            </a:extLst>
+          </a:blip>
+          <a:stretch>
+            <a:fillRect/>
+          </a:stretch>
+        </p:blipFill>
+        <p:spPr>
+          <a:xfrm>
+            <a:off x="8175783" y="6369048"/>
+            <a:ext cx="479267" cy="488950"/>
+          </a:xfrm>
+          <a:prstGeom prst="rect">
+            <a:avLst/>
+          </a:prstGeom>
+        </p:spPr>
+      </p:pic>
     </p:spTree>
     <p:extLst>
       <p:ext uri="{BB962C8B-B14F-4D97-AF65-F5344CB8AC3E}">
@@ -3586,9 +4093,307 @@
   <p:timing>
     <p:tnLst>
       <p:par>
-        <p:cTn id="1" dur="indefinite" restart="never" nodeType="tmRoot"/>
+        <p:cTn id="1" dur="indefinite" restart="never" nodeType="tmRoot">
+          <p:childTnLst>
+            <p:seq concurrent="1" nextAc="seek">
+              <p:cTn id="2" dur="indefinite" nodeType="mainSeq">
+                <p:childTnLst>
+                  <p:par>
+                    <p:cTn id="3" fill="hold">
+                      <p:stCondLst>
+                        <p:cond delay="indefinite"/>
+                        <p:cond evt="onBegin" delay="0">
+                          <p:tn val="2"/>
+                        </p:cond>
+                      </p:stCondLst>
+                      <p:childTnLst>
+                        <p:par>
+                          <p:cTn id="4" fill="hold">
+                            <p:stCondLst>
+                              <p:cond delay="0"/>
+                            </p:stCondLst>
+                            <p:childTnLst>
+                              <p:par>
+                                <p:cTn id="5" presetID="10" presetClass="entr" presetSubtype="0" fill="hold" grpId="0" nodeType="afterEffect">
+                                  <p:stCondLst>
+                                    <p:cond delay="0"/>
+                                  </p:stCondLst>
+                                  <p:childTnLst>
+                                    <p:set>
+                                      <p:cBhvr>
+                                        <p:cTn id="6" dur="1" fill="hold">
+                                          <p:stCondLst>
+                                            <p:cond delay="0"/>
+                                          </p:stCondLst>
+                                        </p:cTn>
+                                        <p:tgtEl>
+                                          <p:spTgt spid="3">
+                                            <p:txEl>
+                                              <p:pRg st="0" end="0"/>
+                                            </p:txEl>
+                                          </p:spTgt>
+                                        </p:tgtEl>
+                                        <p:attrNameLst>
+                                          <p:attrName>style.visibility</p:attrName>
+                                        </p:attrNameLst>
+                                      </p:cBhvr>
+                                      <p:to>
+                                        <p:strVal val="visible"/>
+                                      </p:to>
+                                    </p:set>
+                                    <p:animEffect transition="in" filter="fade">
+                                      <p:cBhvr>
+                                        <p:cTn id="7" dur="500"/>
+                                        <p:tgtEl>
+                                          <p:spTgt spid="3">
+                                            <p:txEl>
+                                              <p:pRg st="0" end="0"/>
+                                            </p:txEl>
+                                          </p:spTgt>
+                                        </p:tgtEl>
+                                      </p:cBhvr>
+                                    </p:animEffect>
+                                  </p:childTnLst>
+                                </p:cTn>
+                              </p:par>
+                            </p:childTnLst>
+                          </p:cTn>
+                        </p:par>
+                        <p:par>
+                          <p:cTn id="8" fill="hold">
+                            <p:stCondLst>
+                              <p:cond delay="500"/>
+                            </p:stCondLst>
+                            <p:childTnLst>
+                              <p:par>
+                                <p:cTn id="9" presetID="10" presetClass="entr" presetSubtype="0" fill="hold" grpId="0" nodeType="afterEffect">
+                                  <p:stCondLst>
+                                    <p:cond delay="0"/>
+                                  </p:stCondLst>
+                                  <p:childTnLst>
+                                    <p:set>
+                                      <p:cBhvr>
+                                        <p:cTn id="10" dur="1" fill="hold">
+                                          <p:stCondLst>
+                                            <p:cond delay="0"/>
+                                          </p:stCondLst>
+                                        </p:cTn>
+                                        <p:tgtEl>
+                                          <p:spTgt spid="3">
+                                            <p:txEl>
+                                              <p:pRg st="2" end="2"/>
+                                            </p:txEl>
+                                          </p:spTgt>
+                                        </p:tgtEl>
+                                        <p:attrNameLst>
+                                          <p:attrName>style.visibility</p:attrName>
+                                        </p:attrNameLst>
+                                      </p:cBhvr>
+                                      <p:to>
+                                        <p:strVal val="visible"/>
+                                      </p:to>
+                                    </p:set>
+                                    <p:animEffect transition="in" filter="fade">
+                                      <p:cBhvr>
+                                        <p:cTn id="11" dur="500"/>
+                                        <p:tgtEl>
+                                          <p:spTgt spid="3">
+                                            <p:txEl>
+                                              <p:pRg st="2" end="2"/>
+                                            </p:txEl>
+                                          </p:spTgt>
+                                        </p:tgtEl>
+                                      </p:cBhvr>
+                                    </p:animEffect>
+                                  </p:childTnLst>
+                                </p:cTn>
+                              </p:par>
+                            </p:childTnLst>
+                          </p:cTn>
+                        </p:par>
+                        <p:par>
+                          <p:cTn id="12" fill="hold">
+                            <p:stCondLst>
+                              <p:cond delay="1000"/>
+                            </p:stCondLst>
+                            <p:childTnLst>
+                              <p:par>
+                                <p:cTn id="13" presetID="10" presetClass="entr" presetSubtype="0" fill="hold" grpId="0" nodeType="afterEffect">
+                                  <p:stCondLst>
+                                    <p:cond delay="0"/>
+                                  </p:stCondLst>
+                                  <p:childTnLst>
+                                    <p:set>
+                                      <p:cBhvr>
+                                        <p:cTn id="14" dur="1" fill="hold">
+                                          <p:stCondLst>
+                                            <p:cond delay="0"/>
+                                          </p:stCondLst>
+                                        </p:cTn>
+                                        <p:tgtEl>
+                                          <p:spTgt spid="3">
+                                            <p:txEl>
+                                              <p:pRg st="4" end="4"/>
+                                            </p:txEl>
+                                          </p:spTgt>
+                                        </p:tgtEl>
+                                        <p:attrNameLst>
+                                          <p:attrName>style.visibility</p:attrName>
+                                        </p:attrNameLst>
+                                      </p:cBhvr>
+                                      <p:to>
+                                        <p:strVal val="visible"/>
+                                      </p:to>
+                                    </p:set>
+                                    <p:animEffect transition="in" filter="fade">
+                                      <p:cBhvr>
+                                        <p:cTn id="15" dur="500"/>
+                                        <p:tgtEl>
+                                          <p:spTgt spid="3">
+                                            <p:txEl>
+                                              <p:pRg st="4" end="4"/>
+                                            </p:txEl>
+                                          </p:spTgt>
+                                        </p:tgtEl>
+                                      </p:cBhvr>
+                                    </p:animEffect>
+                                  </p:childTnLst>
+                                </p:cTn>
+                              </p:par>
+                            </p:childTnLst>
+                          </p:cTn>
+                        </p:par>
+                        <p:par>
+                          <p:cTn id="16" fill="hold">
+                            <p:stCondLst>
+                              <p:cond delay="1500"/>
+                            </p:stCondLst>
+                            <p:childTnLst>
+                              <p:par>
+                                <p:cTn id="17" presetID="10" presetClass="entr" presetSubtype="0" fill="hold" grpId="0" nodeType="afterEffect">
+                                  <p:stCondLst>
+                                    <p:cond delay="0"/>
+                                  </p:stCondLst>
+                                  <p:childTnLst>
+                                    <p:set>
+                                      <p:cBhvr>
+                                        <p:cTn id="18" dur="1" fill="hold">
+                                          <p:stCondLst>
+                                            <p:cond delay="0"/>
+                                          </p:stCondLst>
+                                        </p:cTn>
+                                        <p:tgtEl>
+                                          <p:spTgt spid="3">
+                                            <p:txEl>
+                                              <p:pRg st="6" end="6"/>
+                                            </p:txEl>
+                                          </p:spTgt>
+                                        </p:tgtEl>
+                                        <p:attrNameLst>
+                                          <p:attrName>style.visibility</p:attrName>
+                                        </p:attrNameLst>
+                                      </p:cBhvr>
+                                      <p:to>
+                                        <p:strVal val="visible"/>
+                                      </p:to>
+                                    </p:set>
+                                    <p:animEffect transition="in" filter="fade">
+                                      <p:cBhvr>
+                                        <p:cTn id="19" dur="500"/>
+                                        <p:tgtEl>
+                                          <p:spTgt spid="3">
+                                            <p:txEl>
+                                              <p:pRg st="6" end="6"/>
+                                            </p:txEl>
+                                          </p:spTgt>
+                                        </p:tgtEl>
+                                      </p:cBhvr>
+                                    </p:animEffect>
+                                  </p:childTnLst>
+                                </p:cTn>
+                              </p:par>
+                            </p:childTnLst>
+                          </p:cTn>
+                        </p:par>
+                        <p:par>
+                          <p:cTn id="20" fill="hold">
+                            <p:stCondLst>
+                              <p:cond delay="2000"/>
+                            </p:stCondLst>
+                            <p:childTnLst>
+                              <p:par>
+                                <p:cTn id="21" presetID="10" presetClass="entr" presetSubtype="0" fill="hold" grpId="0" nodeType="afterEffect">
+                                  <p:stCondLst>
+                                    <p:cond delay="0"/>
+                                  </p:stCondLst>
+                                  <p:childTnLst>
+                                    <p:set>
+                                      <p:cBhvr>
+                                        <p:cTn id="22" dur="1" fill="hold">
+                                          <p:stCondLst>
+                                            <p:cond delay="0"/>
+                                          </p:stCondLst>
+                                        </p:cTn>
+                                        <p:tgtEl>
+                                          <p:spTgt spid="3">
+                                            <p:txEl>
+                                              <p:pRg st="8" end="8"/>
+                                            </p:txEl>
+                                          </p:spTgt>
+                                        </p:tgtEl>
+                                        <p:attrNameLst>
+                                          <p:attrName>style.visibility</p:attrName>
+                                        </p:attrNameLst>
+                                      </p:cBhvr>
+                                      <p:to>
+                                        <p:strVal val="visible"/>
+                                      </p:to>
+                                    </p:set>
+                                    <p:animEffect transition="in" filter="fade">
+                                      <p:cBhvr>
+                                        <p:cTn id="23" dur="500"/>
+                                        <p:tgtEl>
+                                          <p:spTgt spid="3">
+                                            <p:txEl>
+                                              <p:pRg st="8" end="8"/>
+                                            </p:txEl>
+                                          </p:spTgt>
+                                        </p:tgtEl>
+                                      </p:cBhvr>
+                                    </p:animEffect>
+                                  </p:childTnLst>
+                                </p:cTn>
+                              </p:par>
+                            </p:childTnLst>
+                          </p:cTn>
+                        </p:par>
+                      </p:childTnLst>
+                    </p:cTn>
+                  </p:par>
+                </p:childTnLst>
+              </p:cTn>
+              <p:prevCondLst>
+                <p:cond evt="onPrev" delay="0">
+                  <p:tgtEl>
+                    <p:sldTgt/>
+                  </p:tgtEl>
+                </p:cond>
+              </p:prevCondLst>
+              <p:nextCondLst>
+                <p:cond evt="onNext" delay="0">
+                  <p:tgtEl>
+                    <p:sldTgt/>
+                  </p:tgtEl>
+                </p:cond>
+              </p:nextCondLst>
+            </p:seq>
+          </p:childTnLst>
+        </p:cTn>
       </p:par>
     </p:tnLst>
+    <p:bldLst>
+      <p:bldP spid="3" grpId="0" build="p"/>
+    </p:bldLst>
   </p:timing>
 </p:sld>
 </file>
@@ -3612,29 +4417,6 @@
       </p:grpSpPr>
       <p:sp>
         <p:nvSpPr>
-          <p:cNvPr id="2" name="Título 1"/>
-          <p:cNvSpPr>
-            <a:spLocks noGrp="1"/>
-          </p:cNvSpPr>
-          <p:nvPr>
-            <p:ph type="title"/>
-          </p:nvPr>
-        </p:nvSpPr>
-        <p:spPr/>
-        <p:txBody>
-          <a:bodyPr/>
-          <a:lstStyle/>
-          <a:p>
-            <a:r>
-              <a:rPr lang="pt-PT" dirty="0" smtClean="0"/>
-              <a:t>Contextualização e Motivação</a:t>
-            </a:r>
-            <a:endParaRPr lang="pt-PT" dirty="0"/>
-          </a:p>
-        </p:txBody>
-      </p:sp>
-      <p:sp>
-        <p:nvSpPr>
           <p:cNvPr id="3" name="Marcador de Posição de Conteúdo 2"/>
           <p:cNvSpPr>
             <a:spLocks noGrp="1"/>
@@ -3649,43 +4431,266 @@
           <a:lstStyle/>
           <a:p>
             <a:r>
-              <a:rPr lang="pt-PT" dirty="0" smtClean="0"/>
-              <a:t>Na atualidade o nível de exigência em todos os processos que qualquer Entidade adota no decurso da sua atividade é cada vez maior.</a:t>
-            </a:r>
-          </a:p>
-          <a:p>
-            <a:endParaRPr lang="pt-PT" dirty="0" smtClean="0"/>
-          </a:p>
-          <a:p>
-            <a:r>
-              <a:rPr lang="pt-PT" dirty="0"/>
+              <a:rPr lang="pt-PT" dirty="0" smtClean="0">
+                <a:latin typeface="NewsGotT" pitchFamily="2" charset="0"/>
+              </a:rPr>
+              <a:t>O </a:t>
+            </a:r>
+            <a:r>
+              <a:rPr lang="pt-PT" dirty="0" smtClean="0">
+                <a:latin typeface="NewsGotT" pitchFamily="2" charset="0"/>
+              </a:rPr>
+              <a:t>nível de exigência em todos os processos que qualquer Entidade adota no decurso da sua atividade é cada vez maior.</a:t>
+            </a:r>
+          </a:p>
+          <a:p>
+            <a:endParaRPr lang="pt-PT" dirty="0" smtClean="0">
+              <a:latin typeface="NewsGotT" pitchFamily="2" charset="0"/>
+            </a:endParaRPr>
+          </a:p>
+          <a:p>
+            <a:r>
+              <a:rPr lang="pt-PT" dirty="0">
+                <a:latin typeface="NewsGotT" pitchFamily="2" charset="0"/>
+              </a:rPr>
               <a:t>Esta exigência obriga ao aumento do rigor desses processos e ao aumento </a:t>
             </a:r>
             <a:r>
-              <a:rPr lang="pt-PT" dirty="0" smtClean="0"/>
+              <a:rPr lang="pt-PT" dirty="0" smtClean="0">
+                <a:latin typeface="NewsGotT" pitchFamily="2" charset="0"/>
+              </a:rPr>
               <a:t>do nível </a:t>
             </a:r>
             <a:r>
-              <a:rPr lang="pt-PT" dirty="0"/>
+              <a:rPr lang="pt-PT" dirty="0">
+                <a:latin typeface="NewsGotT" pitchFamily="2" charset="0"/>
+              </a:rPr>
               <a:t>de proteção aplicável a dados e demais informação criada</a:t>
             </a:r>
             <a:r>
-              <a:rPr lang="pt-PT" dirty="0" smtClean="0"/>
+              <a:rPr lang="pt-PT" dirty="0" smtClean="0">
+                <a:latin typeface="NewsGotT" pitchFamily="2" charset="0"/>
+              </a:rPr>
               <a:t>.</a:t>
             </a:r>
           </a:p>
           <a:p>
-            <a:endParaRPr lang="pt-PT" dirty="0"/>
-          </a:p>
-          <a:p>
-            <a:r>
-              <a:rPr lang="pt-PT" dirty="0" smtClean="0"/>
+            <a:endParaRPr lang="pt-PT" dirty="0">
+              <a:latin typeface="NewsGotT" pitchFamily="2" charset="0"/>
+            </a:endParaRPr>
+          </a:p>
+          <a:p>
+            <a:r>
+              <a:rPr lang="pt-PT" dirty="0" smtClean="0">
+                <a:latin typeface="NewsGotT" pitchFamily="2" charset="0"/>
+              </a:rPr>
               <a:t>A necessidade de troca de informação entre entidades tem vindo a aumentar.</a:t>
             </a:r>
-            <a:endParaRPr lang="pt-PT" dirty="0"/>
-          </a:p>
-        </p:txBody>
-      </p:sp>
+            <a:endParaRPr lang="pt-PT" dirty="0">
+              <a:latin typeface="NewsGotT" pitchFamily="2" charset="0"/>
+            </a:endParaRPr>
+          </a:p>
+        </p:txBody>
+      </p:sp>
+      <p:cxnSp>
+        <p:nvCxnSpPr>
+          <p:cNvPr id="4" name="Conexão reta 3"/>
+          <p:cNvCxnSpPr/>
+          <p:nvPr/>
+        </p:nvCxnSpPr>
+        <p:spPr>
+          <a:xfrm>
+            <a:off x="0" y="6348413"/>
+            <a:ext cx="9144000" cy="0"/>
+          </a:xfrm>
+          <a:prstGeom prst="line">
+            <a:avLst/>
+          </a:prstGeom>
+          <a:ln w="34925">
+            <a:solidFill>
+              <a:srgbClr val="A90B1A"/>
+            </a:solidFill>
+          </a:ln>
+        </p:spPr>
+        <p:style>
+          <a:lnRef idx="1">
+            <a:schemeClr val="accent1"/>
+          </a:lnRef>
+          <a:fillRef idx="0">
+            <a:schemeClr val="accent1"/>
+          </a:fillRef>
+          <a:effectRef idx="0">
+            <a:schemeClr val="accent1"/>
+          </a:effectRef>
+          <a:fontRef idx="minor">
+            <a:schemeClr val="tx1"/>
+          </a:fontRef>
+        </p:style>
+      </p:cxnSp>
+      <p:sp>
+        <p:nvSpPr>
+          <p:cNvPr id="5" name="CaixaDeTexto 4"/>
+          <p:cNvSpPr txBox="1"/>
+          <p:nvPr/>
+        </p:nvSpPr>
+        <p:spPr>
+          <a:xfrm>
+            <a:off x="0" y="6457950"/>
+            <a:ext cx="9144000" cy="307777"/>
+          </a:xfrm>
+          <a:prstGeom prst="rect">
+            <a:avLst/>
+          </a:prstGeom>
+          <a:noFill/>
+        </p:spPr>
+        <p:txBody>
+          <a:bodyPr wrap="square" rtlCol="0">
+            <a:spAutoFit/>
+          </a:bodyPr>
+          <a:lstStyle/>
+          <a:p>
+            <a:pPr>
+              <a:tabLst>
+                <a:tab pos="4479925" algn="ctr"/>
+                <a:tab pos="8972550" algn="r"/>
+              </a:tabLst>
+            </a:pPr>
+            <a:r>
+              <a:rPr lang="pt-PT" sz="1400" dirty="0" smtClean="0">
+                <a:latin typeface="NewsGotT" pitchFamily="2" charset="0"/>
+              </a:rPr>
+              <a:t>Miguel Costa	2</a:t>
+            </a:r>
+            <a:endParaRPr lang="pt-PT" sz="1400" dirty="0">
+              <a:latin typeface="NewsGotT" pitchFamily="2" charset="0"/>
+            </a:endParaRPr>
+          </a:p>
+        </p:txBody>
+      </p:sp>
+      <p:sp>
+        <p:nvSpPr>
+          <p:cNvPr id="7" name="Título 1"/>
+          <p:cNvSpPr txBox="1">
+            <a:spLocks/>
+          </p:cNvSpPr>
+          <p:nvPr/>
+        </p:nvSpPr>
+        <p:spPr>
+          <a:xfrm>
+            <a:off x="0" y="0"/>
+            <a:ext cx="9144000" cy="1325563"/>
+          </a:xfrm>
+          <a:prstGeom prst="rect">
+            <a:avLst/>
+          </a:prstGeom>
+          <a:solidFill>
+            <a:srgbClr val="9E0000"/>
+          </a:solidFill>
+          <a:ln>
+            <a:noFill/>
+          </a:ln>
+        </p:spPr>
+        <p:txBody>
+          <a:bodyPr vert="horz" lIns="91440" tIns="45720" rIns="91440" bIns="45720" rtlCol="0" anchor="ctr">
+            <a:normAutofit/>
+          </a:bodyPr>
+          <a:lstStyle>
+            <a:lvl1pPr algn="l" defTabSz="685800" rtl="0" eaLnBrk="1" latinLnBrk="0" hangingPunct="1">
+              <a:lnSpc>
+                <a:spcPct val="90000"/>
+              </a:lnSpc>
+              <a:spcBef>
+                <a:spcPct val="0"/>
+              </a:spcBef>
+              <a:buNone/>
+              <a:defRPr sz="3300" kern="1200">
+                <a:solidFill>
+                  <a:schemeClr val="tx1"/>
+                </a:solidFill>
+                <a:latin typeface="+mj-lt"/>
+                <a:ea typeface="+mj-ea"/>
+                <a:cs typeface="+mj-cs"/>
+              </a:defRPr>
+            </a:lvl1pPr>
+          </a:lstStyle>
+          <a:p>
+            <a:pPr>
+              <a:tabLst>
+                <a:tab pos="628650" algn="l"/>
+              </a:tabLst>
+            </a:pPr>
+            <a:r>
+              <a:rPr lang="pt-PT" dirty="0">
+                <a:solidFill>
+                  <a:schemeClr val="bg1"/>
+                </a:solidFill>
+                <a:latin typeface="NewsGotT" pitchFamily="2" charset="0"/>
+              </a:rPr>
+              <a:t>	Contextualização e Motivação</a:t>
+            </a:r>
+          </a:p>
+        </p:txBody>
+      </p:sp>
+      <p:pic>
+        <p:nvPicPr>
+          <p:cNvPr id="11" name="Picture 5"/>
+          <p:cNvPicPr>
+            <a:picLocks noChangeAspect="1"/>
+          </p:cNvPicPr>
+          <p:nvPr/>
+        </p:nvPicPr>
+        <p:blipFill>
+          <a:blip r:embed="rId2">
+            <a:extLst>
+              <a:ext uri="{28A0092B-C50C-407E-A947-70E740481C1C}">
+                <a14:useLocalDpi xmlns:a14="http://schemas.microsoft.com/office/drawing/2010/main" val="0"/>
+              </a:ext>
+            </a:extLst>
+          </a:blip>
+          <a:stretch>
+            <a:fillRect/>
+          </a:stretch>
+        </p:blipFill>
+        <p:spPr>
+          <a:xfrm>
+            <a:off x="8655050" y="6369048"/>
+            <a:ext cx="488950" cy="488950"/>
+          </a:xfrm>
+          <a:prstGeom prst="rect">
+            <a:avLst/>
+          </a:prstGeom>
+        </p:spPr>
+      </p:pic>
+      <p:pic>
+        <p:nvPicPr>
+          <p:cNvPr id="12" name="Picture 6"/>
+          <p:cNvPicPr>
+            <a:picLocks noChangeAspect="1"/>
+          </p:cNvPicPr>
+          <p:nvPr/>
+        </p:nvPicPr>
+        <p:blipFill>
+          <a:blip r:embed="rId3">
+            <a:extLst>
+              <a:ext uri="{28A0092B-C50C-407E-A947-70E740481C1C}">
+                <a14:useLocalDpi xmlns:a14="http://schemas.microsoft.com/office/drawing/2010/main" val="0"/>
+              </a:ext>
+            </a:extLst>
+          </a:blip>
+          <a:stretch>
+            <a:fillRect/>
+          </a:stretch>
+        </p:blipFill>
+        <p:spPr>
+          <a:xfrm>
+            <a:off x="8175783" y="6369048"/>
+            <a:ext cx="479267" cy="488950"/>
+          </a:xfrm>
+          <a:prstGeom prst="rect">
+            <a:avLst/>
+          </a:prstGeom>
+        </p:spPr>
+      </p:pic>
     </p:spTree>
     <p:extLst>
       <p:ext uri="{BB962C8B-B14F-4D97-AF65-F5344CB8AC3E}">
@@ -3699,9 +4704,203 @@
   <p:timing>
     <p:tnLst>
       <p:par>
-        <p:cTn id="1" dur="indefinite" restart="never" nodeType="tmRoot"/>
+        <p:cTn id="1" dur="indefinite" restart="never" nodeType="tmRoot">
+          <p:childTnLst>
+            <p:seq concurrent="1" nextAc="seek">
+              <p:cTn id="2" dur="indefinite" nodeType="mainSeq">
+                <p:childTnLst>
+                  <p:par>
+                    <p:cTn id="3" fill="hold">
+                      <p:stCondLst>
+                        <p:cond delay="indefinite"/>
+                        <p:cond evt="onBegin" delay="0">
+                          <p:tn val="2"/>
+                        </p:cond>
+                      </p:stCondLst>
+                      <p:childTnLst>
+                        <p:par>
+                          <p:cTn id="4" fill="hold">
+                            <p:stCondLst>
+                              <p:cond delay="0"/>
+                            </p:stCondLst>
+                            <p:childTnLst>
+                              <p:par>
+                                <p:cTn id="5" presetID="10" presetClass="entr" presetSubtype="0" fill="hold" grpId="0" nodeType="afterEffect">
+                                  <p:stCondLst>
+                                    <p:cond delay="0"/>
+                                  </p:stCondLst>
+                                  <p:childTnLst>
+                                    <p:set>
+                                      <p:cBhvr>
+                                        <p:cTn id="6" dur="1" fill="hold">
+                                          <p:stCondLst>
+                                            <p:cond delay="0"/>
+                                          </p:stCondLst>
+                                        </p:cTn>
+                                        <p:tgtEl>
+                                          <p:spTgt spid="3">
+                                            <p:txEl>
+                                              <p:pRg st="0" end="0"/>
+                                            </p:txEl>
+                                          </p:spTgt>
+                                        </p:tgtEl>
+                                        <p:attrNameLst>
+                                          <p:attrName>style.visibility</p:attrName>
+                                        </p:attrNameLst>
+                                      </p:cBhvr>
+                                      <p:to>
+                                        <p:strVal val="visible"/>
+                                      </p:to>
+                                    </p:set>
+                                    <p:animEffect transition="in" filter="fade">
+                                      <p:cBhvr>
+                                        <p:cTn id="7" dur="500"/>
+                                        <p:tgtEl>
+                                          <p:spTgt spid="3">
+                                            <p:txEl>
+                                              <p:pRg st="0" end="0"/>
+                                            </p:txEl>
+                                          </p:spTgt>
+                                        </p:tgtEl>
+                                      </p:cBhvr>
+                                    </p:animEffect>
+                                  </p:childTnLst>
+                                </p:cTn>
+                              </p:par>
+                            </p:childTnLst>
+                          </p:cTn>
+                        </p:par>
+                        <p:par>
+                          <p:cTn id="8" fill="hold">
+                            <p:stCondLst>
+                              <p:cond delay="500"/>
+                            </p:stCondLst>
+                            <p:childTnLst>
+                              <p:par>
+                                <p:cTn id="9" presetID="10" presetClass="entr" presetSubtype="0" fill="hold" grpId="0" nodeType="afterEffect">
+                                  <p:stCondLst>
+                                    <p:cond delay="0"/>
+                                  </p:stCondLst>
+                                  <p:childTnLst>
+                                    <p:set>
+                                      <p:cBhvr>
+                                        <p:cTn id="10" dur="1" fill="hold">
+                                          <p:stCondLst>
+                                            <p:cond delay="0"/>
+                                          </p:stCondLst>
+                                        </p:cTn>
+                                        <p:tgtEl>
+                                          <p:spTgt spid="3">
+                                            <p:txEl>
+                                              <p:pRg st="2" end="2"/>
+                                            </p:txEl>
+                                          </p:spTgt>
+                                        </p:tgtEl>
+                                        <p:attrNameLst>
+                                          <p:attrName>style.visibility</p:attrName>
+                                        </p:attrNameLst>
+                                      </p:cBhvr>
+                                      <p:to>
+                                        <p:strVal val="visible"/>
+                                      </p:to>
+                                    </p:set>
+                                    <p:animEffect transition="in" filter="fade">
+                                      <p:cBhvr>
+                                        <p:cTn id="11" dur="500"/>
+                                        <p:tgtEl>
+                                          <p:spTgt spid="3">
+                                            <p:txEl>
+                                              <p:pRg st="2" end="2"/>
+                                            </p:txEl>
+                                          </p:spTgt>
+                                        </p:tgtEl>
+                                      </p:cBhvr>
+                                    </p:animEffect>
+                                  </p:childTnLst>
+                                </p:cTn>
+                              </p:par>
+                            </p:childTnLst>
+                          </p:cTn>
+                        </p:par>
+                        <p:par>
+                          <p:cTn id="12" fill="hold">
+                            <p:stCondLst>
+                              <p:cond delay="1000"/>
+                            </p:stCondLst>
+                            <p:childTnLst>
+                              <p:par>
+                                <p:cTn id="13" presetID="10" presetClass="entr" presetSubtype="0" fill="hold" grpId="0" nodeType="afterEffect">
+                                  <p:stCondLst>
+                                    <p:cond delay="0"/>
+                                  </p:stCondLst>
+                                  <p:childTnLst>
+                                    <p:set>
+                                      <p:cBhvr>
+                                        <p:cTn id="14" dur="1" fill="hold">
+                                          <p:stCondLst>
+                                            <p:cond delay="0"/>
+                                          </p:stCondLst>
+                                        </p:cTn>
+                                        <p:tgtEl>
+                                          <p:spTgt spid="3">
+                                            <p:txEl>
+                                              <p:pRg st="4" end="4"/>
+                                            </p:txEl>
+                                          </p:spTgt>
+                                        </p:tgtEl>
+                                        <p:attrNameLst>
+                                          <p:attrName>style.visibility</p:attrName>
+                                        </p:attrNameLst>
+                                      </p:cBhvr>
+                                      <p:to>
+                                        <p:strVal val="visible"/>
+                                      </p:to>
+                                    </p:set>
+                                    <p:animEffect transition="in" filter="fade">
+                                      <p:cBhvr>
+                                        <p:cTn id="15" dur="500"/>
+                                        <p:tgtEl>
+                                          <p:spTgt spid="3">
+                                            <p:txEl>
+                                              <p:pRg st="4" end="4"/>
+                                            </p:txEl>
+                                          </p:spTgt>
+                                        </p:tgtEl>
+                                      </p:cBhvr>
+                                    </p:animEffect>
+                                  </p:childTnLst>
+                                </p:cTn>
+                              </p:par>
+                            </p:childTnLst>
+                          </p:cTn>
+                        </p:par>
+                      </p:childTnLst>
+                    </p:cTn>
+                  </p:par>
+                </p:childTnLst>
+              </p:cTn>
+              <p:prevCondLst>
+                <p:cond evt="onPrev" delay="0">
+                  <p:tgtEl>
+                    <p:sldTgt/>
+                  </p:tgtEl>
+                </p:cond>
+              </p:prevCondLst>
+              <p:nextCondLst>
+                <p:cond evt="onNext" delay="0">
+                  <p:tgtEl>
+                    <p:sldTgt/>
+                  </p:tgtEl>
+                </p:cond>
+              </p:nextCondLst>
+            </p:seq>
+          </p:childTnLst>
+        </p:cTn>
       </p:par>
     </p:tnLst>
+    <p:bldLst>
+      <p:bldP spid="3" grpId="0" build="p"/>
+    </p:bldLst>
   </p:timing>
 </p:sld>
 </file>
@@ -3725,40 +4924,6 @@
       </p:grpSpPr>
       <p:sp>
         <p:nvSpPr>
-          <p:cNvPr id="2" name="Título 1"/>
-          <p:cNvSpPr>
-            <a:spLocks noGrp="1"/>
-          </p:cNvSpPr>
-          <p:nvPr>
-            <p:ph type="title"/>
-          </p:nvPr>
-        </p:nvSpPr>
-        <p:spPr/>
-        <p:txBody>
-          <a:bodyPr/>
-          <a:lstStyle/>
-          <a:p>
-            <a:r>
-              <a:rPr lang="pt-PT" dirty="0" smtClean="0"/>
-              <a:t>Enquadramento na </a:t>
-            </a:r>
-            <a:r>
-              <a:rPr lang="pt-PT" dirty="0" err="1" smtClean="0"/>
-              <a:t>Inelcis</a:t>
-            </a:r>
-            <a:r>
-              <a:rPr lang="pt-PT" dirty="0" smtClean="0"/>
-              <a:t/>
-            </a:r>
-            <a:br>
-              <a:rPr lang="pt-PT" dirty="0" smtClean="0"/>
-            </a:br>
-            <a:endParaRPr lang="pt-PT" dirty="0"/>
-          </a:p>
-        </p:txBody>
-      </p:sp>
-      <p:sp>
-        <p:nvSpPr>
           <p:cNvPr id="3" name="Marcador de Posição de Conteúdo 2"/>
           <p:cNvSpPr>
             <a:spLocks noGrp="1"/>
@@ -3775,15 +4940,21 @@
           <a:lstStyle/>
           <a:p>
             <a:r>
-              <a:rPr lang="pt-PT" dirty="0" smtClean="0"/>
+              <a:rPr lang="pt-PT" dirty="0" smtClean="0">
+                <a:latin typeface="NewsGotT" pitchFamily="2" charset="0"/>
+              </a:rPr>
               <a:t>A </a:t>
             </a:r>
             <a:r>
-              <a:rPr lang="pt-PT" dirty="0" err="1" smtClean="0"/>
+              <a:rPr lang="pt-PT" dirty="0" err="1" smtClean="0">
+                <a:latin typeface="NewsGotT" pitchFamily="2" charset="0"/>
+              </a:rPr>
               <a:t>Inelcis</a:t>
             </a:r>
             <a:r>
-              <a:rPr lang="pt-PT" dirty="0" smtClean="0"/>
+              <a:rPr lang="pt-PT" dirty="0" smtClean="0">
+                <a:latin typeface="NewsGotT" pitchFamily="2" charset="0"/>
+              </a:rPr>
               <a:t> tem focado a sua atividade no desenvolvimento, implementação, configuração e manutenção de sistemas informáticos para gestão laboratorial (LIMS).</a:t>
             </a:r>
           </a:p>
@@ -3791,35 +4962,265 @@
             <a:pPr marL="0" indent="0">
               <a:buNone/>
             </a:pPr>
-            <a:endParaRPr lang="pt-PT" dirty="0"/>
-          </a:p>
-          <a:p>
-            <a:r>
-              <a:rPr lang="pt-PT" dirty="0" smtClean="0"/>
+            <a:endParaRPr lang="pt-PT" dirty="0">
+              <a:latin typeface="NewsGotT" pitchFamily="2" charset="0"/>
+            </a:endParaRPr>
+          </a:p>
+          <a:p>
+            <a:r>
+              <a:rPr lang="pt-PT" dirty="0" smtClean="0">
+                <a:latin typeface="NewsGotT" pitchFamily="2" charset="0"/>
+              </a:rPr>
               <a:t>De todo o contacto que tem havido entre a </a:t>
             </a:r>
             <a:r>
-              <a:rPr lang="pt-PT" dirty="0" err="1" smtClean="0"/>
+              <a:rPr lang="pt-PT" dirty="0" err="1" smtClean="0">
+                <a:latin typeface="NewsGotT" pitchFamily="2" charset="0"/>
+              </a:rPr>
               <a:t>Inelcis</a:t>
             </a:r>
             <a:r>
-              <a:rPr lang="pt-PT" dirty="0" smtClean="0"/>
+              <a:rPr lang="pt-PT" dirty="0" smtClean="0">
+                <a:latin typeface="NewsGotT" pitchFamily="2" charset="0"/>
+              </a:rPr>
               <a:t> e os laboratórios com os quais trabalha, tem-se revelado importante encontrar soluções para facilitar a comunicação entre os vários laboratórios.</a:t>
             </a:r>
-            <a:endParaRPr lang="pt-PT" dirty="0"/>
-          </a:p>
-          <a:p>
-            <a:endParaRPr lang="pt-PT" dirty="0" smtClean="0"/>
-          </a:p>
-          <a:p>
-            <a:r>
-              <a:rPr lang="pt-PT" dirty="0" smtClean="0"/>
+            <a:endParaRPr lang="pt-PT" dirty="0">
+              <a:latin typeface="NewsGotT" pitchFamily="2" charset="0"/>
+            </a:endParaRPr>
+          </a:p>
+          <a:p>
+            <a:endParaRPr lang="pt-PT" dirty="0" smtClean="0">
+              <a:latin typeface="NewsGotT" pitchFamily="2" charset="0"/>
+            </a:endParaRPr>
+          </a:p>
+          <a:p>
+            <a:r>
+              <a:rPr lang="pt-PT" dirty="0" smtClean="0">
+                <a:latin typeface="NewsGotT" pitchFamily="2" charset="0"/>
+              </a:rPr>
               <a:t>É muito comum um laboratório subcontratar outro para a realização de determinados parâmetros. </a:t>
             </a:r>
-            <a:endParaRPr lang="pt-PT" dirty="0"/>
-          </a:p>
-        </p:txBody>
-      </p:sp>
+            <a:endParaRPr lang="pt-PT" dirty="0">
+              <a:latin typeface="NewsGotT" pitchFamily="2" charset="0"/>
+            </a:endParaRPr>
+          </a:p>
+        </p:txBody>
+      </p:sp>
+      <p:cxnSp>
+        <p:nvCxnSpPr>
+          <p:cNvPr id="4" name="Conexão reta 3"/>
+          <p:cNvCxnSpPr/>
+          <p:nvPr/>
+        </p:nvCxnSpPr>
+        <p:spPr>
+          <a:xfrm>
+            <a:off x="0" y="6348413"/>
+            <a:ext cx="9144000" cy="0"/>
+          </a:xfrm>
+          <a:prstGeom prst="line">
+            <a:avLst/>
+          </a:prstGeom>
+          <a:ln w="34925">
+            <a:solidFill>
+              <a:srgbClr val="A90B1A"/>
+            </a:solidFill>
+          </a:ln>
+        </p:spPr>
+        <p:style>
+          <a:lnRef idx="1">
+            <a:schemeClr val="accent1"/>
+          </a:lnRef>
+          <a:fillRef idx="0">
+            <a:schemeClr val="accent1"/>
+          </a:fillRef>
+          <a:effectRef idx="0">
+            <a:schemeClr val="accent1"/>
+          </a:effectRef>
+          <a:fontRef idx="minor">
+            <a:schemeClr val="tx1"/>
+          </a:fontRef>
+        </p:style>
+      </p:cxnSp>
+      <p:sp>
+        <p:nvSpPr>
+          <p:cNvPr id="5" name="CaixaDeTexto 4"/>
+          <p:cNvSpPr txBox="1"/>
+          <p:nvPr/>
+        </p:nvSpPr>
+        <p:spPr>
+          <a:xfrm>
+            <a:off x="0" y="6457950"/>
+            <a:ext cx="9144000" cy="307777"/>
+          </a:xfrm>
+          <a:prstGeom prst="rect">
+            <a:avLst/>
+          </a:prstGeom>
+          <a:noFill/>
+        </p:spPr>
+        <p:txBody>
+          <a:bodyPr wrap="square" rtlCol="0">
+            <a:spAutoFit/>
+          </a:bodyPr>
+          <a:lstStyle/>
+          <a:p>
+            <a:pPr>
+              <a:tabLst>
+                <a:tab pos="4479925" algn="ctr"/>
+                <a:tab pos="8972550" algn="r"/>
+              </a:tabLst>
+            </a:pPr>
+            <a:r>
+              <a:rPr lang="pt-PT" sz="1400" dirty="0" smtClean="0">
+                <a:latin typeface="NewsGotT" pitchFamily="2" charset="0"/>
+              </a:rPr>
+              <a:t>Miguel Costa	3</a:t>
+            </a:r>
+            <a:endParaRPr lang="pt-PT" sz="1400" dirty="0">
+              <a:latin typeface="NewsGotT" pitchFamily="2" charset="0"/>
+            </a:endParaRPr>
+          </a:p>
+        </p:txBody>
+      </p:sp>
+      <p:sp>
+        <p:nvSpPr>
+          <p:cNvPr id="6" name="Título 1"/>
+          <p:cNvSpPr txBox="1">
+            <a:spLocks/>
+          </p:cNvSpPr>
+          <p:nvPr/>
+        </p:nvSpPr>
+        <p:spPr>
+          <a:xfrm>
+            <a:off x="0" y="0"/>
+            <a:ext cx="9144000" cy="1325563"/>
+          </a:xfrm>
+          <a:prstGeom prst="rect">
+            <a:avLst/>
+          </a:prstGeom>
+          <a:solidFill>
+            <a:srgbClr val="9E0000"/>
+          </a:solidFill>
+          <a:ln>
+            <a:noFill/>
+          </a:ln>
+        </p:spPr>
+        <p:txBody>
+          <a:bodyPr vert="horz" lIns="91440" tIns="45720" rIns="91440" bIns="45720" rtlCol="0" anchor="ctr">
+            <a:normAutofit/>
+          </a:bodyPr>
+          <a:lstStyle>
+            <a:lvl1pPr algn="l" defTabSz="685800" rtl="0" eaLnBrk="1" latinLnBrk="0" hangingPunct="1">
+              <a:lnSpc>
+                <a:spcPct val="90000"/>
+              </a:lnSpc>
+              <a:spcBef>
+                <a:spcPct val="0"/>
+              </a:spcBef>
+              <a:buNone/>
+              <a:defRPr sz="3300" kern="1200">
+                <a:solidFill>
+                  <a:schemeClr val="tx1"/>
+                </a:solidFill>
+                <a:latin typeface="+mj-lt"/>
+                <a:ea typeface="+mj-ea"/>
+                <a:cs typeface="+mj-cs"/>
+              </a:defRPr>
+            </a:lvl1pPr>
+          </a:lstStyle>
+          <a:p>
+            <a:pPr>
+              <a:tabLst>
+                <a:tab pos="628650" algn="l"/>
+              </a:tabLst>
+            </a:pPr>
+            <a:r>
+              <a:rPr lang="pt-PT" dirty="0">
+                <a:solidFill>
+                  <a:schemeClr val="bg1"/>
+                </a:solidFill>
+                <a:latin typeface="NewsGotT" pitchFamily="2" charset="0"/>
+              </a:rPr>
+              <a:t>	Enquadramento na </a:t>
+            </a:r>
+            <a:r>
+              <a:rPr lang="pt-PT" dirty="0" err="1">
+                <a:solidFill>
+                  <a:schemeClr val="bg1"/>
+                </a:solidFill>
+                <a:latin typeface="NewsGotT" pitchFamily="2" charset="0"/>
+              </a:rPr>
+              <a:t>Inelcis</a:t>
+            </a:r>
+            <a:endParaRPr lang="pt-PT" dirty="0">
+              <a:solidFill>
+                <a:schemeClr val="bg1"/>
+              </a:solidFill>
+              <a:latin typeface="NewsGotT" pitchFamily="2" charset="0"/>
+            </a:endParaRPr>
+          </a:p>
+        </p:txBody>
+      </p:sp>
+      <p:pic>
+        <p:nvPicPr>
+          <p:cNvPr id="10" name="Picture 5"/>
+          <p:cNvPicPr>
+            <a:picLocks noChangeAspect="1"/>
+          </p:cNvPicPr>
+          <p:nvPr/>
+        </p:nvPicPr>
+        <p:blipFill>
+          <a:blip r:embed="rId2">
+            <a:extLst>
+              <a:ext uri="{28A0092B-C50C-407E-A947-70E740481C1C}">
+                <a14:useLocalDpi xmlns:a14="http://schemas.microsoft.com/office/drawing/2010/main" val="0"/>
+              </a:ext>
+            </a:extLst>
+          </a:blip>
+          <a:stretch>
+            <a:fillRect/>
+          </a:stretch>
+        </p:blipFill>
+        <p:spPr>
+          <a:xfrm>
+            <a:off x="8655050" y="6369048"/>
+            <a:ext cx="488950" cy="488950"/>
+          </a:xfrm>
+          <a:prstGeom prst="rect">
+            <a:avLst/>
+          </a:prstGeom>
+        </p:spPr>
+      </p:pic>
+      <p:pic>
+        <p:nvPicPr>
+          <p:cNvPr id="11" name="Picture 6"/>
+          <p:cNvPicPr>
+            <a:picLocks noChangeAspect="1"/>
+          </p:cNvPicPr>
+          <p:nvPr/>
+        </p:nvPicPr>
+        <p:blipFill>
+          <a:blip r:embed="rId3">
+            <a:extLst>
+              <a:ext uri="{28A0092B-C50C-407E-A947-70E740481C1C}">
+                <a14:useLocalDpi xmlns:a14="http://schemas.microsoft.com/office/drawing/2010/main" val="0"/>
+              </a:ext>
+            </a:extLst>
+          </a:blip>
+          <a:stretch>
+            <a:fillRect/>
+          </a:stretch>
+        </p:blipFill>
+        <p:spPr>
+          <a:xfrm>
+            <a:off x="8175783" y="6369048"/>
+            <a:ext cx="479267" cy="488950"/>
+          </a:xfrm>
+          <a:prstGeom prst="rect">
+            <a:avLst/>
+          </a:prstGeom>
+        </p:spPr>
+      </p:pic>
     </p:spTree>
     <p:extLst>
       <p:ext uri="{BB962C8B-B14F-4D97-AF65-F5344CB8AC3E}">
@@ -3833,9 +5234,203 @@
   <p:timing>
     <p:tnLst>
       <p:par>
-        <p:cTn id="1" dur="indefinite" restart="never" nodeType="tmRoot"/>
+        <p:cTn id="1" dur="indefinite" restart="never" nodeType="tmRoot">
+          <p:childTnLst>
+            <p:seq concurrent="1" nextAc="seek">
+              <p:cTn id="2" dur="indefinite" nodeType="mainSeq">
+                <p:childTnLst>
+                  <p:par>
+                    <p:cTn id="3" fill="hold">
+                      <p:stCondLst>
+                        <p:cond delay="indefinite"/>
+                        <p:cond evt="onBegin" delay="0">
+                          <p:tn val="2"/>
+                        </p:cond>
+                      </p:stCondLst>
+                      <p:childTnLst>
+                        <p:par>
+                          <p:cTn id="4" fill="hold">
+                            <p:stCondLst>
+                              <p:cond delay="0"/>
+                            </p:stCondLst>
+                            <p:childTnLst>
+                              <p:par>
+                                <p:cTn id="5" presetID="10" presetClass="entr" presetSubtype="0" fill="hold" grpId="0" nodeType="afterEffect">
+                                  <p:stCondLst>
+                                    <p:cond delay="0"/>
+                                  </p:stCondLst>
+                                  <p:childTnLst>
+                                    <p:set>
+                                      <p:cBhvr>
+                                        <p:cTn id="6" dur="1" fill="hold">
+                                          <p:stCondLst>
+                                            <p:cond delay="0"/>
+                                          </p:stCondLst>
+                                        </p:cTn>
+                                        <p:tgtEl>
+                                          <p:spTgt spid="3">
+                                            <p:txEl>
+                                              <p:pRg st="0" end="0"/>
+                                            </p:txEl>
+                                          </p:spTgt>
+                                        </p:tgtEl>
+                                        <p:attrNameLst>
+                                          <p:attrName>style.visibility</p:attrName>
+                                        </p:attrNameLst>
+                                      </p:cBhvr>
+                                      <p:to>
+                                        <p:strVal val="visible"/>
+                                      </p:to>
+                                    </p:set>
+                                    <p:animEffect transition="in" filter="fade">
+                                      <p:cBhvr>
+                                        <p:cTn id="7" dur="500"/>
+                                        <p:tgtEl>
+                                          <p:spTgt spid="3">
+                                            <p:txEl>
+                                              <p:pRg st="0" end="0"/>
+                                            </p:txEl>
+                                          </p:spTgt>
+                                        </p:tgtEl>
+                                      </p:cBhvr>
+                                    </p:animEffect>
+                                  </p:childTnLst>
+                                </p:cTn>
+                              </p:par>
+                            </p:childTnLst>
+                          </p:cTn>
+                        </p:par>
+                        <p:par>
+                          <p:cTn id="8" fill="hold">
+                            <p:stCondLst>
+                              <p:cond delay="500"/>
+                            </p:stCondLst>
+                            <p:childTnLst>
+                              <p:par>
+                                <p:cTn id="9" presetID="10" presetClass="entr" presetSubtype="0" fill="hold" grpId="0" nodeType="afterEffect">
+                                  <p:stCondLst>
+                                    <p:cond delay="0"/>
+                                  </p:stCondLst>
+                                  <p:childTnLst>
+                                    <p:set>
+                                      <p:cBhvr>
+                                        <p:cTn id="10" dur="1" fill="hold">
+                                          <p:stCondLst>
+                                            <p:cond delay="0"/>
+                                          </p:stCondLst>
+                                        </p:cTn>
+                                        <p:tgtEl>
+                                          <p:spTgt spid="3">
+                                            <p:txEl>
+                                              <p:pRg st="2" end="2"/>
+                                            </p:txEl>
+                                          </p:spTgt>
+                                        </p:tgtEl>
+                                        <p:attrNameLst>
+                                          <p:attrName>style.visibility</p:attrName>
+                                        </p:attrNameLst>
+                                      </p:cBhvr>
+                                      <p:to>
+                                        <p:strVal val="visible"/>
+                                      </p:to>
+                                    </p:set>
+                                    <p:animEffect transition="in" filter="fade">
+                                      <p:cBhvr>
+                                        <p:cTn id="11" dur="500"/>
+                                        <p:tgtEl>
+                                          <p:spTgt spid="3">
+                                            <p:txEl>
+                                              <p:pRg st="2" end="2"/>
+                                            </p:txEl>
+                                          </p:spTgt>
+                                        </p:tgtEl>
+                                      </p:cBhvr>
+                                    </p:animEffect>
+                                  </p:childTnLst>
+                                </p:cTn>
+                              </p:par>
+                            </p:childTnLst>
+                          </p:cTn>
+                        </p:par>
+                        <p:par>
+                          <p:cTn id="12" fill="hold">
+                            <p:stCondLst>
+                              <p:cond delay="1000"/>
+                            </p:stCondLst>
+                            <p:childTnLst>
+                              <p:par>
+                                <p:cTn id="13" presetID="10" presetClass="entr" presetSubtype="0" fill="hold" grpId="0" nodeType="afterEffect">
+                                  <p:stCondLst>
+                                    <p:cond delay="0"/>
+                                  </p:stCondLst>
+                                  <p:childTnLst>
+                                    <p:set>
+                                      <p:cBhvr>
+                                        <p:cTn id="14" dur="1" fill="hold">
+                                          <p:stCondLst>
+                                            <p:cond delay="0"/>
+                                          </p:stCondLst>
+                                        </p:cTn>
+                                        <p:tgtEl>
+                                          <p:spTgt spid="3">
+                                            <p:txEl>
+                                              <p:pRg st="4" end="4"/>
+                                            </p:txEl>
+                                          </p:spTgt>
+                                        </p:tgtEl>
+                                        <p:attrNameLst>
+                                          <p:attrName>style.visibility</p:attrName>
+                                        </p:attrNameLst>
+                                      </p:cBhvr>
+                                      <p:to>
+                                        <p:strVal val="visible"/>
+                                      </p:to>
+                                    </p:set>
+                                    <p:animEffect transition="in" filter="fade">
+                                      <p:cBhvr>
+                                        <p:cTn id="15" dur="500"/>
+                                        <p:tgtEl>
+                                          <p:spTgt spid="3">
+                                            <p:txEl>
+                                              <p:pRg st="4" end="4"/>
+                                            </p:txEl>
+                                          </p:spTgt>
+                                        </p:tgtEl>
+                                      </p:cBhvr>
+                                    </p:animEffect>
+                                  </p:childTnLst>
+                                </p:cTn>
+                              </p:par>
+                            </p:childTnLst>
+                          </p:cTn>
+                        </p:par>
+                      </p:childTnLst>
+                    </p:cTn>
+                  </p:par>
+                </p:childTnLst>
+              </p:cTn>
+              <p:prevCondLst>
+                <p:cond evt="onPrev" delay="0">
+                  <p:tgtEl>
+                    <p:sldTgt/>
+                  </p:tgtEl>
+                </p:cond>
+              </p:prevCondLst>
+              <p:nextCondLst>
+                <p:cond evt="onNext" delay="0">
+                  <p:tgtEl>
+                    <p:sldTgt/>
+                  </p:tgtEl>
+                </p:cond>
+              </p:nextCondLst>
+            </p:seq>
+          </p:childTnLst>
+        </p:cTn>
       </p:par>
     </p:tnLst>
+    <p:bldLst>
+      <p:bldP spid="3" grpId="0" build="p"/>
+    </p:bldLst>
   </p:timing>
 </p:sld>
 </file>
@@ -3859,29 +5454,6 @@
       </p:grpSpPr>
       <p:sp>
         <p:nvSpPr>
-          <p:cNvPr id="2" name="Título 1"/>
-          <p:cNvSpPr>
-            <a:spLocks noGrp="1"/>
-          </p:cNvSpPr>
-          <p:nvPr>
-            <p:ph type="title"/>
-          </p:nvPr>
-        </p:nvSpPr>
-        <p:spPr/>
-        <p:txBody>
-          <a:bodyPr/>
-          <a:lstStyle/>
-          <a:p>
-            <a:r>
-              <a:rPr lang="pt-PT" dirty="0" smtClean="0"/>
-              <a:t>Objetivos</a:t>
-            </a:r>
-            <a:endParaRPr lang="pt-PT" dirty="0"/>
-          </a:p>
-        </p:txBody>
-      </p:sp>
-      <p:sp>
-        <p:nvSpPr>
           <p:cNvPr id="3" name="Marcador de Posição de Conteúdo 2"/>
           <p:cNvSpPr>
             <a:spLocks noGrp="1"/>
@@ -3896,62 +5468,305 @@
           <a:lstStyle/>
           <a:p>
             <a:r>
-              <a:rPr lang="pt-PT" dirty="0"/>
+              <a:rPr lang="pt-PT" dirty="0">
+                <a:latin typeface="NewsGotT" pitchFamily="2" charset="0"/>
+              </a:rPr>
               <a:t>Discriminação e eliminação de erros na transmissão de informação</a:t>
             </a:r>
             <a:r>
-              <a:rPr lang="pt-PT" dirty="0" smtClean="0"/>
+              <a:rPr lang="pt-PT" dirty="0" smtClean="0">
+                <a:latin typeface="NewsGotT" pitchFamily="2" charset="0"/>
+              </a:rPr>
               <a:t>;</a:t>
             </a:r>
           </a:p>
           <a:p>
-            <a:r>
-              <a:rPr lang="pt-PT" dirty="0"/>
+            <a:endParaRPr lang="pt-PT" dirty="0" smtClean="0">
+              <a:latin typeface="NewsGotT" pitchFamily="2" charset="0"/>
+            </a:endParaRPr>
+          </a:p>
+          <a:p>
+            <a:r>
+              <a:rPr lang="pt-PT" dirty="0">
+                <a:latin typeface="NewsGotT" pitchFamily="2" charset="0"/>
+              </a:rPr>
               <a:t>Facilitar a troca de informação entre entidades</a:t>
             </a:r>
             <a:r>
-              <a:rPr lang="pt-PT" dirty="0" smtClean="0"/>
+              <a:rPr lang="pt-PT" dirty="0" smtClean="0">
+                <a:latin typeface="NewsGotT" pitchFamily="2" charset="0"/>
+              </a:rPr>
               <a:t>;</a:t>
             </a:r>
           </a:p>
           <a:p>
-            <a:r>
-              <a:rPr lang="pt-PT" dirty="0"/>
+            <a:endParaRPr lang="pt-PT" dirty="0" smtClean="0">
+              <a:latin typeface="NewsGotT" pitchFamily="2" charset="0"/>
+            </a:endParaRPr>
+          </a:p>
+          <a:p>
+            <a:r>
+              <a:rPr lang="pt-PT" dirty="0">
+                <a:latin typeface="NewsGotT" pitchFamily="2" charset="0"/>
+              </a:rPr>
               <a:t>Facilitar as rotinas das entidades</a:t>
             </a:r>
             <a:r>
-              <a:rPr lang="pt-PT" dirty="0" smtClean="0"/>
+              <a:rPr lang="pt-PT" dirty="0" smtClean="0">
+                <a:latin typeface="NewsGotT" pitchFamily="2" charset="0"/>
+              </a:rPr>
               <a:t>;</a:t>
             </a:r>
           </a:p>
           <a:p>
-            <a:r>
-              <a:rPr lang="pt-PT" dirty="0"/>
-              <a:t>Contribuir para a otimização da rotina inerente aos processos das entidades</a:t>
-            </a:r>
-            <a:r>
-              <a:rPr lang="pt-PT" dirty="0" smtClean="0"/>
+            <a:endParaRPr lang="pt-PT" dirty="0" smtClean="0">
+              <a:latin typeface="NewsGotT" pitchFamily="2" charset="0"/>
+            </a:endParaRPr>
+          </a:p>
+          <a:p>
+            <a:r>
+              <a:rPr lang="pt-PT" dirty="0">
+                <a:latin typeface="NewsGotT" pitchFamily="2" charset="0"/>
+              </a:rPr>
+              <a:t>Garantir a segurança e integridade da </a:t>
+            </a:r>
+            <a:r>
+              <a:rPr lang="pt-PT" dirty="0" smtClean="0">
+                <a:latin typeface="NewsGotT" pitchFamily="2" charset="0"/>
+              </a:rPr>
+              <a:t>informação</a:t>
+            </a:r>
+            <a:r>
+              <a:rPr lang="pt-PT" dirty="0">
+                <a:latin typeface="NewsGotT" pitchFamily="2" charset="0"/>
+              </a:rPr>
               <a:t>;</a:t>
             </a:r>
-          </a:p>
-          <a:p>
-            <a:r>
-              <a:rPr lang="pt-PT" dirty="0"/>
-              <a:t>Garantir a segurança e integridade da informação</a:t>
-            </a:r>
-            <a:r>
-              <a:rPr lang="pt-PT" dirty="0" smtClean="0"/>
-              <a:t>.</a:t>
-            </a:r>
+            <a:endParaRPr lang="pt-PT" dirty="0" smtClean="0">
+              <a:latin typeface="NewsGotT" pitchFamily="2" charset="0"/>
+            </a:endParaRPr>
+          </a:p>
+          <a:p>
+            <a:endParaRPr lang="pt-PT" dirty="0">
+              <a:latin typeface="NewsGotT" pitchFamily="2" charset="0"/>
+            </a:endParaRPr>
+          </a:p>
+          <a:p>
+            <a:r>
+              <a:rPr lang="pt-PT" dirty="0" smtClean="0">
+                <a:latin typeface="NewsGotT" pitchFamily="2" charset="0"/>
+              </a:rPr>
+              <a:t>Reduzir custo e tempo de disponibilização de resultados.</a:t>
+            </a:r>
+            <a:endParaRPr lang="pt-PT" dirty="0" smtClean="0">
+              <a:latin typeface="NewsGotT" pitchFamily="2" charset="0"/>
+            </a:endParaRPr>
           </a:p>
           <a:p>
             <a:pPr marL="0" indent="0">
               <a:buNone/>
             </a:pPr>
-            <a:endParaRPr lang="pt-PT" dirty="0"/>
-          </a:p>
-        </p:txBody>
-      </p:sp>
+            <a:endParaRPr lang="pt-PT" dirty="0">
+              <a:latin typeface="NewsGotT" pitchFamily="2" charset="0"/>
+            </a:endParaRPr>
+          </a:p>
+        </p:txBody>
+      </p:sp>
+      <p:cxnSp>
+        <p:nvCxnSpPr>
+          <p:cNvPr id="4" name="Conexão reta 3"/>
+          <p:cNvCxnSpPr/>
+          <p:nvPr/>
+        </p:nvCxnSpPr>
+        <p:spPr>
+          <a:xfrm>
+            <a:off x="0" y="6348413"/>
+            <a:ext cx="9144000" cy="0"/>
+          </a:xfrm>
+          <a:prstGeom prst="line">
+            <a:avLst/>
+          </a:prstGeom>
+          <a:ln w="34925">
+            <a:solidFill>
+              <a:srgbClr val="A90B1A"/>
+            </a:solidFill>
+          </a:ln>
+        </p:spPr>
+        <p:style>
+          <a:lnRef idx="1">
+            <a:schemeClr val="accent1"/>
+          </a:lnRef>
+          <a:fillRef idx="0">
+            <a:schemeClr val="accent1"/>
+          </a:fillRef>
+          <a:effectRef idx="0">
+            <a:schemeClr val="accent1"/>
+          </a:effectRef>
+          <a:fontRef idx="minor">
+            <a:schemeClr val="tx1"/>
+          </a:fontRef>
+        </p:style>
+      </p:cxnSp>
+      <p:sp>
+        <p:nvSpPr>
+          <p:cNvPr id="5" name="CaixaDeTexto 4"/>
+          <p:cNvSpPr txBox="1"/>
+          <p:nvPr/>
+        </p:nvSpPr>
+        <p:spPr>
+          <a:xfrm>
+            <a:off x="0" y="6457950"/>
+            <a:ext cx="9144000" cy="307777"/>
+          </a:xfrm>
+          <a:prstGeom prst="rect">
+            <a:avLst/>
+          </a:prstGeom>
+          <a:noFill/>
+        </p:spPr>
+        <p:txBody>
+          <a:bodyPr wrap="square" rtlCol="0">
+            <a:spAutoFit/>
+          </a:bodyPr>
+          <a:lstStyle/>
+          <a:p>
+            <a:pPr>
+              <a:tabLst>
+                <a:tab pos="4479925" algn="ctr"/>
+                <a:tab pos="8972550" algn="r"/>
+              </a:tabLst>
+            </a:pPr>
+            <a:r>
+              <a:rPr lang="pt-PT" sz="1400" dirty="0" smtClean="0"/>
+              <a:t>Miguel Costa	4</a:t>
+            </a:r>
+            <a:endParaRPr lang="pt-PT" sz="1400" dirty="0"/>
+          </a:p>
+        </p:txBody>
+      </p:sp>
+      <p:sp>
+        <p:nvSpPr>
+          <p:cNvPr id="6" name="Título 1"/>
+          <p:cNvSpPr txBox="1">
+            <a:spLocks/>
+          </p:cNvSpPr>
+          <p:nvPr/>
+        </p:nvSpPr>
+        <p:spPr>
+          <a:xfrm>
+            <a:off x="0" y="0"/>
+            <a:ext cx="9144000" cy="1325563"/>
+          </a:xfrm>
+          <a:prstGeom prst="rect">
+            <a:avLst/>
+          </a:prstGeom>
+          <a:solidFill>
+            <a:srgbClr val="9E0000"/>
+          </a:solidFill>
+          <a:ln>
+            <a:noFill/>
+          </a:ln>
+        </p:spPr>
+        <p:txBody>
+          <a:bodyPr vert="horz" lIns="91440" tIns="45720" rIns="91440" bIns="45720" rtlCol="0" anchor="ctr">
+            <a:normAutofit/>
+          </a:bodyPr>
+          <a:lstStyle>
+            <a:lvl1pPr algn="l" defTabSz="685800" rtl="0" eaLnBrk="1" latinLnBrk="0" hangingPunct="1">
+              <a:lnSpc>
+                <a:spcPct val="90000"/>
+              </a:lnSpc>
+              <a:spcBef>
+                <a:spcPct val="0"/>
+              </a:spcBef>
+              <a:buNone/>
+              <a:defRPr sz="3300" kern="1200">
+                <a:solidFill>
+                  <a:schemeClr val="tx1"/>
+                </a:solidFill>
+                <a:latin typeface="+mj-lt"/>
+                <a:ea typeface="+mj-ea"/>
+                <a:cs typeface="+mj-cs"/>
+              </a:defRPr>
+            </a:lvl1pPr>
+          </a:lstStyle>
+          <a:p>
+            <a:pPr>
+              <a:tabLst>
+                <a:tab pos="628650" algn="l"/>
+              </a:tabLst>
+            </a:pPr>
+            <a:r>
+              <a:rPr lang="pt-PT" dirty="0">
+                <a:solidFill>
+                  <a:schemeClr val="bg1"/>
+                </a:solidFill>
+                <a:latin typeface="NewsGotT" pitchFamily="2" charset="0"/>
+              </a:rPr>
+              <a:t>	Objetivos</a:t>
+            </a:r>
+          </a:p>
+        </p:txBody>
+      </p:sp>
+      <p:pic>
+        <p:nvPicPr>
+          <p:cNvPr id="10" name="Picture 5"/>
+          <p:cNvPicPr>
+            <a:picLocks noChangeAspect="1"/>
+          </p:cNvPicPr>
+          <p:nvPr/>
+        </p:nvPicPr>
+        <p:blipFill>
+          <a:blip r:embed="rId2">
+            <a:extLst>
+              <a:ext uri="{28A0092B-C50C-407E-A947-70E740481C1C}">
+                <a14:useLocalDpi xmlns:a14="http://schemas.microsoft.com/office/drawing/2010/main" val="0"/>
+              </a:ext>
+            </a:extLst>
+          </a:blip>
+          <a:stretch>
+            <a:fillRect/>
+          </a:stretch>
+        </p:blipFill>
+        <p:spPr>
+          <a:xfrm>
+            <a:off x="8655050" y="6369048"/>
+            <a:ext cx="488950" cy="488950"/>
+          </a:xfrm>
+          <a:prstGeom prst="rect">
+            <a:avLst/>
+          </a:prstGeom>
+        </p:spPr>
+      </p:pic>
+      <p:pic>
+        <p:nvPicPr>
+          <p:cNvPr id="11" name="Picture 6"/>
+          <p:cNvPicPr>
+            <a:picLocks noChangeAspect="1"/>
+          </p:cNvPicPr>
+          <p:nvPr/>
+        </p:nvPicPr>
+        <p:blipFill>
+          <a:blip r:embed="rId3">
+            <a:extLst>
+              <a:ext uri="{28A0092B-C50C-407E-A947-70E740481C1C}">
+                <a14:useLocalDpi xmlns:a14="http://schemas.microsoft.com/office/drawing/2010/main" val="0"/>
+              </a:ext>
+            </a:extLst>
+          </a:blip>
+          <a:stretch>
+            <a:fillRect/>
+          </a:stretch>
+        </p:blipFill>
+        <p:spPr>
+          <a:xfrm>
+            <a:off x="8175783" y="6369048"/>
+            <a:ext cx="479267" cy="488950"/>
+          </a:xfrm>
+          <a:prstGeom prst="rect">
+            <a:avLst/>
+          </a:prstGeom>
+        </p:spPr>
+      </p:pic>
     </p:spTree>
     <p:extLst>
       <p:ext uri="{BB962C8B-B14F-4D97-AF65-F5344CB8AC3E}">
@@ -3965,9 +5780,307 @@
   <p:timing>
     <p:tnLst>
       <p:par>
-        <p:cTn id="1" dur="indefinite" restart="never" nodeType="tmRoot"/>
+        <p:cTn id="1" dur="indefinite" restart="never" nodeType="tmRoot">
+          <p:childTnLst>
+            <p:seq concurrent="1" nextAc="seek">
+              <p:cTn id="2" dur="indefinite" nodeType="mainSeq">
+                <p:childTnLst>
+                  <p:par>
+                    <p:cTn id="3" fill="hold">
+                      <p:stCondLst>
+                        <p:cond delay="indefinite"/>
+                        <p:cond evt="onBegin" delay="0">
+                          <p:tn val="2"/>
+                        </p:cond>
+                      </p:stCondLst>
+                      <p:childTnLst>
+                        <p:par>
+                          <p:cTn id="4" fill="hold">
+                            <p:stCondLst>
+                              <p:cond delay="0"/>
+                            </p:stCondLst>
+                            <p:childTnLst>
+                              <p:par>
+                                <p:cTn id="5" presetID="10" presetClass="entr" presetSubtype="0" fill="hold" grpId="0" nodeType="afterEffect">
+                                  <p:stCondLst>
+                                    <p:cond delay="0"/>
+                                  </p:stCondLst>
+                                  <p:childTnLst>
+                                    <p:set>
+                                      <p:cBhvr>
+                                        <p:cTn id="6" dur="1" fill="hold">
+                                          <p:stCondLst>
+                                            <p:cond delay="0"/>
+                                          </p:stCondLst>
+                                        </p:cTn>
+                                        <p:tgtEl>
+                                          <p:spTgt spid="3">
+                                            <p:txEl>
+                                              <p:pRg st="0" end="0"/>
+                                            </p:txEl>
+                                          </p:spTgt>
+                                        </p:tgtEl>
+                                        <p:attrNameLst>
+                                          <p:attrName>style.visibility</p:attrName>
+                                        </p:attrNameLst>
+                                      </p:cBhvr>
+                                      <p:to>
+                                        <p:strVal val="visible"/>
+                                      </p:to>
+                                    </p:set>
+                                    <p:animEffect transition="in" filter="fade">
+                                      <p:cBhvr>
+                                        <p:cTn id="7" dur="500"/>
+                                        <p:tgtEl>
+                                          <p:spTgt spid="3">
+                                            <p:txEl>
+                                              <p:pRg st="0" end="0"/>
+                                            </p:txEl>
+                                          </p:spTgt>
+                                        </p:tgtEl>
+                                      </p:cBhvr>
+                                    </p:animEffect>
+                                  </p:childTnLst>
+                                </p:cTn>
+                              </p:par>
+                            </p:childTnLst>
+                          </p:cTn>
+                        </p:par>
+                        <p:par>
+                          <p:cTn id="8" fill="hold">
+                            <p:stCondLst>
+                              <p:cond delay="500"/>
+                            </p:stCondLst>
+                            <p:childTnLst>
+                              <p:par>
+                                <p:cTn id="9" presetID="10" presetClass="entr" presetSubtype="0" fill="hold" grpId="0" nodeType="afterEffect">
+                                  <p:stCondLst>
+                                    <p:cond delay="0"/>
+                                  </p:stCondLst>
+                                  <p:childTnLst>
+                                    <p:set>
+                                      <p:cBhvr>
+                                        <p:cTn id="10" dur="1" fill="hold">
+                                          <p:stCondLst>
+                                            <p:cond delay="0"/>
+                                          </p:stCondLst>
+                                        </p:cTn>
+                                        <p:tgtEl>
+                                          <p:spTgt spid="3">
+                                            <p:txEl>
+                                              <p:pRg st="2" end="2"/>
+                                            </p:txEl>
+                                          </p:spTgt>
+                                        </p:tgtEl>
+                                        <p:attrNameLst>
+                                          <p:attrName>style.visibility</p:attrName>
+                                        </p:attrNameLst>
+                                      </p:cBhvr>
+                                      <p:to>
+                                        <p:strVal val="visible"/>
+                                      </p:to>
+                                    </p:set>
+                                    <p:animEffect transition="in" filter="fade">
+                                      <p:cBhvr>
+                                        <p:cTn id="11" dur="500"/>
+                                        <p:tgtEl>
+                                          <p:spTgt spid="3">
+                                            <p:txEl>
+                                              <p:pRg st="2" end="2"/>
+                                            </p:txEl>
+                                          </p:spTgt>
+                                        </p:tgtEl>
+                                      </p:cBhvr>
+                                    </p:animEffect>
+                                  </p:childTnLst>
+                                </p:cTn>
+                              </p:par>
+                            </p:childTnLst>
+                          </p:cTn>
+                        </p:par>
+                        <p:par>
+                          <p:cTn id="12" fill="hold">
+                            <p:stCondLst>
+                              <p:cond delay="1000"/>
+                            </p:stCondLst>
+                            <p:childTnLst>
+                              <p:par>
+                                <p:cTn id="13" presetID="10" presetClass="entr" presetSubtype="0" fill="hold" grpId="0" nodeType="afterEffect">
+                                  <p:stCondLst>
+                                    <p:cond delay="0"/>
+                                  </p:stCondLst>
+                                  <p:childTnLst>
+                                    <p:set>
+                                      <p:cBhvr>
+                                        <p:cTn id="14" dur="1" fill="hold">
+                                          <p:stCondLst>
+                                            <p:cond delay="0"/>
+                                          </p:stCondLst>
+                                        </p:cTn>
+                                        <p:tgtEl>
+                                          <p:spTgt spid="3">
+                                            <p:txEl>
+                                              <p:pRg st="4" end="4"/>
+                                            </p:txEl>
+                                          </p:spTgt>
+                                        </p:tgtEl>
+                                        <p:attrNameLst>
+                                          <p:attrName>style.visibility</p:attrName>
+                                        </p:attrNameLst>
+                                      </p:cBhvr>
+                                      <p:to>
+                                        <p:strVal val="visible"/>
+                                      </p:to>
+                                    </p:set>
+                                    <p:animEffect transition="in" filter="fade">
+                                      <p:cBhvr>
+                                        <p:cTn id="15" dur="500"/>
+                                        <p:tgtEl>
+                                          <p:spTgt spid="3">
+                                            <p:txEl>
+                                              <p:pRg st="4" end="4"/>
+                                            </p:txEl>
+                                          </p:spTgt>
+                                        </p:tgtEl>
+                                      </p:cBhvr>
+                                    </p:animEffect>
+                                  </p:childTnLst>
+                                </p:cTn>
+                              </p:par>
+                            </p:childTnLst>
+                          </p:cTn>
+                        </p:par>
+                        <p:par>
+                          <p:cTn id="16" fill="hold">
+                            <p:stCondLst>
+                              <p:cond delay="1500"/>
+                            </p:stCondLst>
+                            <p:childTnLst>
+                              <p:par>
+                                <p:cTn id="17" presetID="10" presetClass="entr" presetSubtype="0" fill="hold" grpId="0" nodeType="afterEffect">
+                                  <p:stCondLst>
+                                    <p:cond delay="0"/>
+                                  </p:stCondLst>
+                                  <p:childTnLst>
+                                    <p:set>
+                                      <p:cBhvr>
+                                        <p:cTn id="18" dur="1" fill="hold">
+                                          <p:stCondLst>
+                                            <p:cond delay="0"/>
+                                          </p:stCondLst>
+                                        </p:cTn>
+                                        <p:tgtEl>
+                                          <p:spTgt spid="3">
+                                            <p:txEl>
+                                              <p:pRg st="6" end="6"/>
+                                            </p:txEl>
+                                          </p:spTgt>
+                                        </p:tgtEl>
+                                        <p:attrNameLst>
+                                          <p:attrName>style.visibility</p:attrName>
+                                        </p:attrNameLst>
+                                      </p:cBhvr>
+                                      <p:to>
+                                        <p:strVal val="visible"/>
+                                      </p:to>
+                                    </p:set>
+                                    <p:animEffect transition="in" filter="fade">
+                                      <p:cBhvr>
+                                        <p:cTn id="19" dur="500"/>
+                                        <p:tgtEl>
+                                          <p:spTgt spid="3">
+                                            <p:txEl>
+                                              <p:pRg st="6" end="6"/>
+                                            </p:txEl>
+                                          </p:spTgt>
+                                        </p:tgtEl>
+                                      </p:cBhvr>
+                                    </p:animEffect>
+                                  </p:childTnLst>
+                                </p:cTn>
+                              </p:par>
+                            </p:childTnLst>
+                          </p:cTn>
+                        </p:par>
+                        <p:par>
+                          <p:cTn id="20" fill="hold">
+                            <p:stCondLst>
+                              <p:cond delay="2000"/>
+                            </p:stCondLst>
+                            <p:childTnLst>
+                              <p:par>
+                                <p:cTn id="21" presetID="10" presetClass="entr" presetSubtype="0" fill="hold" grpId="0" nodeType="afterEffect">
+                                  <p:stCondLst>
+                                    <p:cond delay="0"/>
+                                  </p:stCondLst>
+                                  <p:childTnLst>
+                                    <p:set>
+                                      <p:cBhvr>
+                                        <p:cTn id="22" dur="1" fill="hold">
+                                          <p:stCondLst>
+                                            <p:cond delay="0"/>
+                                          </p:stCondLst>
+                                        </p:cTn>
+                                        <p:tgtEl>
+                                          <p:spTgt spid="3">
+                                            <p:txEl>
+                                              <p:pRg st="8" end="8"/>
+                                            </p:txEl>
+                                          </p:spTgt>
+                                        </p:tgtEl>
+                                        <p:attrNameLst>
+                                          <p:attrName>style.visibility</p:attrName>
+                                        </p:attrNameLst>
+                                      </p:cBhvr>
+                                      <p:to>
+                                        <p:strVal val="visible"/>
+                                      </p:to>
+                                    </p:set>
+                                    <p:animEffect transition="in" filter="fade">
+                                      <p:cBhvr>
+                                        <p:cTn id="23" dur="500"/>
+                                        <p:tgtEl>
+                                          <p:spTgt spid="3">
+                                            <p:txEl>
+                                              <p:pRg st="8" end="8"/>
+                                            </p:txEl>
+                                          </p:spTgt>
+                                        </p:tgtEl>
+                                      </p:cBhvr>
+                                    </p:animEffect>
+                                  </p:childTnLst>
+                                </p:cTn>
+                              </p:par>
+                            </p:childTnLst>
+                          </p:cTn>
+                        </p:par>
+                      </p:childTnLst>
+                    </p:cTn>
+                  </p:par>
+                </p:childTnLst>
+              </p:cTn>
+              <p:prevCondLst>
+                <p:cond evt="onPrev" delay="0">
+                  <p:tgtEl>
+                    <p:sldTgt/>
+                  </p:tgtEl>
+                </p:cond>
+              </p:prevCondLst>
+              <p:nextCondLst>
+                <p:cond evt="onNext" delay="0">
+                  <p:tgtEl>
+                    <p:sldTgt/>
+                  </p:tgtEl>
+                </p:cond>
+              </p:nextCondLst>
+            </p:seq>
+          </p:childTnLst>
+        </p:cTn>
       </p:par>
     </p:tnLst>
+    <p:bldLst>
+      <p:bldP spid="3" grpId="0" build="p"/>
+    </p:bldLst>
   </p:timing>
 </p:sld>
 </file>
@@ -3991,29 +6104,6 @@
       </p:grpSpPr>
       <p:sp>
         <p:nvSpPr>
-          <p:cNvPr id="2" name="Título 1"/>
-          <p:cNvSpPr>
-            <a:spLocks noGrp="1"/>
-          </p:cNvSpPr>
-          <p:nvPr>
-            <p:ph type="title"/>
-          </p:nvPr>
-        </p:nvSpPr>
-        <p:spPr/>
-        <p:txBody>
-          <a:bodyPr/>
-          <a:lstStyle/>
-          <a:p>
-            <a:r>
-              <a:rPr lang="pt-PT" dirty="0" smtClean="0"/>
-              <a:t>Objetivos</a:t>
-            </a:r>
-            <a:endParaRPr lang="pt-PT" dirty="0"/>
-          </a:p>
-        </p:txBody>
-      </p:sp>
-      <p:sp>
-        <p:nvSpPr>
           <p:cNvPr id="3" name="Marcador de Posição de Conteúdo 2"/>
           <p:cNvSpPr>
             <a:spLocks noGrp="1"/>
@@ -4025,127 +6115,416 @@
         <p:spPr/>
         <p:txBody>
           <a:bodyPr>
+            <a:normAutofit fontScale="85000" lnSpcReduction="10000"/>
+          </a:bodyPr>
+          <a:lstStyle/>
+          <a:p>
+            <a:pPr>
+              <a:lnSpc>
+                <a:spcPct val="150000"/>
+              </a:lnSpc>
+            </a:pPr>
+            <a:r>
+              <a:rPr lang="pt-PT" dirty="0" smtClean="0">
+                <a:latin typeface="NewsGotT" pitchFamily="2" charset="0"/>
+              </a:rPr>
+              <a:t>Identificar </a:t>
+            </a:r>
+            <a:r>
+              <a:rPr lang="pt-PT" dirty="0">
+                <a:latin typeface="NewsGotT" pitchFamily="2" charset="0"/>
+              </a:rPr>
+              <a:t>uma área de </a:t>
+            </a:r>
+            <a:r>
+              <a:rPr lang="pt-PT" dirty="0" smtClean="0">
+                <a:latin typeface="NewsGotT" pitchFamily="2" charset="0"/>
+              </a:rPr>
+              <a:t>atividade</a:t>
+            </a:r>
+          </a:p>
+          <a:p>
+            <a:pPr>
+              <a:lnSpc>
+                <a:spcPct val="150000"/>
+              </a:lnSpc>
+            </a:pPr>
+            <a:r>
+              <a:rPr lang="pt-PT" dirty="0" smtClean="0">
+                <a:latin typeface="NewsGotT" pitchFamily="2" charset="0"/>
+              </a:rPr>
+              <a:t>Análise </a:t>
+            </a:r>
+            <a:r>
+              <a:rPr lang="pt-PT" dirty="0">
+                <a:latin typeface="NewsGotT" pitchFamily="2" charset="0"/>
+              </a:rPr>
+              <a:t>de diferentes protocolos e formatos passíveis de serem utilizados para troca de informação;</a:t>
+            </a:r>
+          </a:p>
+          <a:p>
+            <a:pPr>
+              <a:lnSpc>
+                <a:spcPct val="150000"/>
+              </a:lnSpc>
+            </a:pPr>
+            <a:r>
+              <a:rPr lang="pt-PT" dirty="0" smtClean="0">
+                <a:latin typeface="NewsGotT" pitchFamily="2" charset="0"/>
+              </a:rPr>
+              <a:t>Normalização </a:t>
+            </a:r>
+            <a:r>
+              <a:rPr lang="pt-PT" dirty="0">
+                <a:latin typeface="NewsGotT" pitchFamily="2" charset="0"/>
+              </a:rPr>
+              <a:t>e definição de </a:t>
+            </a:r>
+            <a:r>
+              <a:rPr lang="pt-PT" dirty="0" err="1">
+                <a:latin typeface="NewsGotT" pitchFamily="2" charset="0"/>
+              </a:rPr>
+              <a:t>Schemas</a:t>
+            </a:r>
+            <a:r>
+              <a:rPr lang="pt-PT" dirty="0">
+                <a:latin typeface="NewsGotT" pitchFamily="2" charset="0"/>
+              </a:rPr>
+              <a:t> </a:t>
+            </a:r>
+            <a:r>
+              <a:rPr lang="pt-PT" dirty="0" smtClean="0">
+                <a:latin typeface="NewsGotT" pitchFamily="2" charset="0"/>
+              </a:rPr>
+              <a:t>enquadrado </a:t>
+            </a:r>
+            <a:r>
+              <a:rPr lang="pt-PT" dirty="0">
+                <a:latin typeface="NewsGotT" pitchFamily="2" charset="0"/>
+              </a:rPr>
+              <a:t>com </a:t>
+            </a:r>
+            <a:r>
+              <a:rPr lang="pt-PT" dirty="0" smtClean="0">
+                <a:latin typeface="NewsGotT" pitchFamily="2" charset="0"/>
+              </a:rPr>
+              <a:t>a área </a:t>
+            </a:r>
+            <a:r>
+              <a:rPr lang="pt-PT" dirty="0">
+                <a:latin typeface="NewsGotT" pitchFamily="2" charset="0"/>
+              </a:rPr>
+              <a:t>de atividade </a:t>
+            </a:r>
+            <a:r>
+              <a:rPr lang="pt-PT" dirty="0" smtClean="0">
+                <a:latin typeface="NewsGotT" pitchFamily="2" charset="0"/>
+              </a:rPr>
+              <a:t>identificada.</a:t>
+            </a:r>
+          </a:p>
+          <a:p>
+            <a:pPr>
+              <a:lnSpc>
+                <a:spcPct val="150000"/>
+              </a:lnSpc>
+            </a:pPr>
+            <a:r>
+              <a:rPr lang="pt-PT" dirty="0" smtClean="0">
+                <a:latin typeface="NewsGotT" pitchFamily="2" charset="0"/>
+              </a:rPr>
+              <a:t>Identificação </a:t>
+            </a:r>
+            <a:r>
+              <a:rPr lang="pt-PT" dirty="0">
+                <a:latin typeface="NewsGotT" pitchFamily="2" charset="0"/>
+              </a:rPr>
+              <a:t>e aplicação de mecanismos de segurança para proteção de </a:t>
+            </a:r>
+            <a:r>
+              <a:rPr lang="pt-PT" dirty="0" smtClean="0">
+                <a:latin typeface="NewsGotT" pitchFamily="2" charset="0"/>
+              </a:rPr>
+              <a:t>dados.</a:t>
+            </a:r>
+          </a:p>
+          <a:p>
+            <a:pPr>
+              <a:lnSpc>
+                <a:spcPct val="150000"/>
+              </a:lnSpc>
+            </a:pPr>
+            <a:r>
+              <a:rPr lang="pt-PT" dirty="0" smtClean="0">
+                <a:latin typeface="NewsGotT" pitchFamily="2" charset="0"/>
+              </a:rPr>
+              <a:t>Definição </a:t>
+            </a:r>
+            <a:r>
+              <a:rPr lang="pt-PT" dirty="0">
+                <a:latin typeface="NewsGotT" pitchFamily="2" charset="0"/>
+              </a:rPr>
+              <a:t>de Interface para </a:t>
+            </a:r>
+            <a:r>
+              <a:rPr lang="pt-PT" dirty="0" smtClean="0">
+                <a:latin typeface="NewsGotT" pitchFamily="2" charset="0"/>
+              </a:rPr>
+              <a:t>permitir que </a:t>
+            </a:r>
+            <a:r>
+              <a:rPr lang="pt-PT" dirty="0">
+                <a:latin typeface="NewsGotT" pitchFamily="2" charset="0"/>
+              </a:rPr>
+              <a:t>diferentes sistemas </a:t>
+            </a:r>
+            <a:r>
+              <a:rPr lang="pt-PT" dirty="0" smtClean="0">
+                <a:latin typeface="NewsGotT" pitchFamily="2" charset="0"/>
+              </a:rPr>
+              <a:t>comuniquem </a:t>
+            </a:r>
+            <a:r>
+              <a:rPr lang="pt-PT" dirty="0">
+                <a:latin typeface="NewsGotT" pitchFamily="2" charset="0"/>
+              </a:rPr>
+              <a:t>entre </a:t>
+            </a:r>
+            <a:r>
+              <a:rPr lang="pt-PT" dirty="0" smtClean="0">
+                <a:latin typeface="NewsGotT" pitchFamily="2" charset="0"/>
+              </a:rPr>
+              <a:t>si utilizando </a:t>
+            </a:r>
+            <a:r>
+              <a:rPr lang="pt-PT" dirty="0">
+                <a:latin typeface="NewsGotT" pitchFamily="2" charset="0"/>
+              </a:rPr>
+              <a:t>o mesmo formato.</a:t>
+            </a:r>
+          </a:p>
+          <a:p>
+            <a:pPr>
+              <a:lnSpc>
+                <a:spcPct val="150000"/>
+              </a:lnSpc>
+            </a:pPr>
+            <a:r>
+              <a:rPr lang="pt-PT" dirty="0" smtClean="0">
+                <a:latin typeface="NewsGotT" pitchFamily="2" charset="0"/>
+              </a:rPr>
+              <a:t>Dimensionamento </a:t>
+            </a:r>
+            <a:r>
+              <a:rPr lang="pt-PT" dirty="0">
+                <a:latin typeface="NewsGotT" pitchFamily="2" charset="0"/>
+              </a:rPr>
+              <a:t>de um repositório central para registo das trocas de informação entre </a:t>
+            </a:r>
+            <a:r>
+              <a:rPr lang="pt-PT" dirty="0" smtClean="0">
+                <a:latin typeface="NewsGotT" pitchFamily="2" charset="0"/>
+              </a:rPr>
+              <a:t>diferentes entidades.</a:t>
+            </a:r>
+          </a:p>
+        </p:txBody>
+      </p:sp>
+      <p:cxnSp>
+        <p:nvCxnSpPr>
+          <p:cNvPr id="4" name="Conexão reta 3"/>
+          <p:cNvCxnSpPr/>
+          <p:nvPr/>
+        </p:nvCxnSpPr>
+        <p:spPr>
+          <a:xfrm>
+            <a:off x="0" y="6348413"/>
+            <a:ext cx="9144000" cy="0"/>
+          </a:xfrm>
+          <a:prstGeom prst="line">
+            <a:avLst/>
+          </a:prstGeom>
+          <a:ln w="34925">
+            <a:solidFill>
+              <a:srgbClr val="A90B1A"/>
+            </a:solidFill>
+          </a:ln>
+        </p:spPr>
+        <p:style>
+          <a:lnRef idx="1">
+            <a:schemeClr val="accent1"/>
+          </a:lnRef>
+          <a:fillRef idx="0">
+            <a:schemeClr val="accent1"/>
+          </a:fillRef>
+          <a:effectRef idx="0">
+            <a:schemeClr val="accent1"/>
+          </a:effectRef>
+          <a:fontRef idx="minor">
+            <a:schemeClr val="tx1"/>
+          </a:fontRef>
+        </p:style>
+      </p:cxnSp>
+      <p:sp>
+        <p:nvSpPr>
+          <p:cNvPr id="5" name="CaixaDeTexto 4"/>
+          <p:cNvSpPr txBox="1"/>
+          <p:nvPr/>
+        </p:nvSpPr>
+        <p:spPr>
+          <a:xfrm>
+            <a:off x="0" y="6457950"/>
+            <a:ext cx="9144000" cy="307777"/>
+          </a:xfrm>
+          <a:prstGeom prst="rect">
+            <a:avLst/>
+          </a:prstGeom>
+          <a:noFill/>
+        </p:spPr>
+        <p:txBody>
+          <a:bodyPr wrap="square" rtlCol="0">
+            <a:spAutoFit/>
+          </a:bodyPr>
+          <a:lstStyle/>
+          <a:p>
+            <a:pPr>
+              <a:tabLst>
+                <a:tab pos="4479925" algn="ctr"/>
+                <a:tab pos="8972550" algn="r"/>
+              </a:tabLst>
+            </a:pPr>
+            <a:r>
+              <a:rPr lang="pt-PT" sz="1400" dirty="0" smtClean="0"/>
+              <a:t>Miguel Costa	5</a:t>
+            </a:r>
+            <a:endParaRPr lang="pt-PT" sz="1400" dirty="0"/>
+          </a:p>
+        </p:txBody>
+      </p:sp>
+      <p:sp>
+        <p:nvSpPr>
+          <p:cNvPr id="7" name="Título 1"/>
+          <p:cNvSpPr txBox="1">
+            <a:spLocks/>
+          </p:cNvSpPr>
+          <p:nvPr/>
+        </p:nvSpPr>
+        <p:spPr>
+          <a:xfrm>
+            <a:off x="0" y="0"/>
+            <a:ext cx="9144000" cy="1325563"/>
+          </a:xfrm>
+          <a:prstGeom prst="rect">
+            <a:avLst/>
+          </a:prstGeom>
+          <a:solidFill>
+            <a:srgbClr val="9E0000"/>
+          </a:solidFill>
+          <a:ln>
+            <a:noFill/>
+          </a:ln>
+        </p:spPr>
+        <p:txBody>
+          <a:bodyPr vert="horz" lIns="91440" tIns="45720" rIns="91440" bIns="45720" rtlCol="0" anchor="ctr">
             <a:normAutofit/>
           </a:bodyPr>
-          <a:lstStyle/>
-          <a:p>
-            <a:r>
-              <a:rPr lang="pt-PT" dirty="0" smtClean="0"/>
-              <a:t>Identificar </a:t>
-            </a:r>
-            <a:r>
-              <a:rPr lang="pt-PT" dirty="0"/>
-              <a:t>uma área de </a:t>
-            </a:r>
-            <a:r>
-              <a:rPr lang="pt-PT" dirty="0" smtClean="0"/>
-              <a:t>atividade</a:t>
-            </a:r>
-          </a:p>
-          <a:p>
-            <a:r>
-              <a:rPr lang="pt-PT" dirty="0" smtClean="0"/>
-              <a:t>Análise </a:t>
-            </a:r>
-            <a:r>
-              <a:rPr lang="pt-PT" dirty="0"/>
-              <a:t>de diferentes protocolos e formatos passíveis de serem utilizados para troca de informação;</a:t>
-            </a:r>
-          </a:p>
-          <a:p>
-            <a:r>
-              <a:rPr lang="pt-PT" dirty="0" smtClean="0"/>
-              <a:t>Normalização </a:t>
-            </a:r>
-            <a:r>
-              <a:rPr lang="pt-PT" dirty="0"/>
-              <a:t>e definição de </a:t>
-            </a:r>
-            <a:r>
-              <a:rPr lang="pt-PT" dirty="0" err="1"/>
-              <a:t>Schemas</a:t>
-            </a:r>
-            <a:r>
-              <a:rPr lang="pt-PT" dirty="0"/>
-              <a:t> </a:t>
-            </a:r>
-            <a:r>
-              <a:rPr lang="pt-PT" dirty="0" smtClean="0"/>
-              <a:t>enquadrado </a:t>
-            </a:r>
-            <a:r>
-              <a:rPr lang="pt-PT" dirty="0"/>
-              <a:t>com </a:t>
-            </a:r>
-            <a:r>
-              <a:rPr lang="pt-PT" dirty="0" smtClean="0"/>
-              <a:t>a área </a:t>
-            </a:r>
-            <a:r>
-              <a:rPr lang="pt-PT" dirty="0"/>
-              <a:t>de atividade </a:t>
-            </a:r>
-            <a:r>
-              <a:rPr lang="pt-PT" dirty="0" smtClean="0"/>
-              <a:t>identificada.</a:t>
-            </a:r>
-          </a:p>
-          <a:p>
-            <a:r>
-              <a:rPr lang="pt-PT" dirty="0" smtClean="0"/>
-              <a:t>Identificação </a:t>
-            </a:r>
-            <a:r>
-              <a:rPr lang="pt-PT" dirty="0"/>
-              <a:t>e aplicação de mecanismos de segurança para proteção de </a:t>
-            </a:r>
-            <a:r>
-              <a:rPr lang="pt-PT" dirty="0" smtClean="0"/>
-              <a:t>dados.</a:t>
-            </a:r>
-          </a:p>
-          <a:p>
-            <a:r>
-              <a:rPr lang="pt-PT" dirty="0" smtClean="0"/>
-              <a:t>Definição </a:t>
-            </a:r>
-            <a:r>
-              <a:rPr lang="pt-PT" dirty="0"/>
-              <a:t>de Interface para garantir que diferentes sistemas </a:t>
-            </a:r>
-            <a:r>
-              <a:rPr lang="pt-PT" dirty="0" smtClean="0"/>
-              <a:t>comuniquem </a:t>
-            </a:r>
-            <a:r>
-              <a:rPr lang="pt-PT" dirty="0"/>
-              <a:t>entre </a:t>
-            </a:r>
-            <a:r>
-              <a:rPr lang="pt-PT" dirty="0" smtClean="0"/>
-              <a:t>si utilizando </a:t>
-            </a:r>
-            <a:r>
-              <a:rPr lang="pt-PT" dirty="0"/>
-              <a:t>o mesmo formato.</a:t>
-            </a:r>
-          </a:p>
-          <a:p>
-            <a:r>
-              <a:rPr lang="pt-PT" dirty="0" smtClean="0"/>
-              <a:t>Dimensionamento </a:t>
-            </a:r>
-            <a:r>
-              <a:rPr lang="pt-PT" dirty="0"/>
-              <a:t>de um repositório central para registo das trocas de informação entre </a:t>
-            </a:r>
-            <a:r>
-              <a:rPr lang="pt-PT" dirty="0" smtClean="0"/>
-              <a:t>diferentes entidades.</a:t>
-            </a:r>
-          </a:p>
-        </p:txBody>
-      </p:sp>
+          <a:lstStyle>
+            <a:lvl1pPr algn="l" defTabSz="685800" rtl="0" eaLnBrk="1" latinLnBrk="0" hangingPunct="1">
+              <a:lnSpc>
+                <a:spcPct val="90000"/>
+              </a:lnSpc>
+              <a:spcBef>
+                <a:spcPct val="0"/>
+              </a:spcBef>
+              <a:buNone/>
+              <a:defRPr sz="3300" kern="1200">
+                <a:solidFill>
+                  <a:schemeClr val="tx1"/>
+                </a:solidFill>
+                <a:latin typeface="+mj-lt"/>
+                <a:ea typeface="+mj-ea"/>
+                <a:cs typeface="+mj-cs"/>
+              </a:defRPr>
+            </a:lvl1pPr>
+          </a:lstStyle>
+          <a:p>
+            <a:pPr>
+              <a:tabLst>
+                <a:tab pos="628650" algn="l"/>
+              </a:tabLst>
+            </a:pPr>
+            <a:r>
+              <a:rPr lang="pt-PT" dirty="0">
+                <a:solidFill>
+                  <a:schemeClr val="bg1"/>
+                </a:solidFill>
+                <a:latin typeface="NewsGotT" pitchFamily="2" charset="0"/>
+              </a:rPr>
+              <a:t>	Objetivos</a:t>
+            </a:r>
+          </a:p>
+        </p:txBody>
+      </p:sp>
+      <p:pic>
+        <p:nvPicPr>
+          <p:cNvPr id="10" name="Picture 5"/>
+          <p:cNvPicPr>
+            <a:picLocks noChangeAspect="1"/>
+          </p:cNvPicPr>
+          <p:nvPr/>
+        </p:nvPicPr>
+        <p:blipFill>
+          <a:blip r:embed="rId2">
+            <a:extLst>
+              <a:ext uri="{28A0092B-C50C-407E-A947-70E740481C1C}">
+                <a14:useLocalDpi xmlns:a14="http://schemas.microsoft.com/office/drawing/2010/main" val="0"/>
+              </a:ext>
+            </a:extLst>
+          </a:blip>
+          <a:stretch>
+            <a:fillRect/>
+          </a:stretch>
+        </p:blipFill>
+        <p:spPr>
+          <a:xfrm>
+            <a:off x="8655050" y="6369048"/>
+            <a:ext cx="488950" cy="488950"/>
+          </a:xfrm>
+          <a:prstGeom prst="rect">
+            <a:avLst/>
+          </a:prstGeom>
+        </p:spPr>
+      </p:pic>
+      <p:pic>
+        <p:nvPicPr>
+          <p:cNvPr id="11" name="Picture 6"/>
+          <p:cNvPicPr>
+            <a:picLocks noChangeAspect="1"/>
+          </p:cNvPicPr>
+          <p:nvPr/>
+        </p:nvPicPr>
+        <p:blipFill>
+          <a:blip r:embed="rId3">
+            <a:extLst>
+              <a:ext uri="{28A0092B-C50C-407E-A947-70E740481C1C}">
+                <a14:useLocalDpi xmlns:a14="http://schemas.microsoft.com/office/drawing/2010/main" val="0"/>
+              </a:ext>
+            </a:extLst>
+          </a:blip>
+          <a:stretch>
+            <a:fillRect/>
+          </a:stretch>
+        </p:blipFill>
+        <p:spPr>
+          <a:xfrm>
+            <a:off x="8175783" y="6369048"/>
+            <a:ext cx="479267" cy="488950"/>
+          </a:xfrm>
+          <a:prstGeom prst="rect">
+            <a:avLst/>
+          </a:prstGeom>
+        </p:spPr>
+      </p:pic>
     </p:spTree>
     <p:extLst>
       <p:ext uri="{BB962C8B-B14F-4D97-AF65-F5344CB8AC3E}">
@@ -4159,9 +6538,359 @@
   <p:timing>
     <p:tnLst>
       <p:par>
-        <p:cTn id="1" dur="indefinite" restart="never" nodeType="tmRoot"/>
+        <p:cTn id="1" dur="indefinite" restart="never" nodeType="tmRoot">
+          <p:childTnLst>
+            <p:seq concurrent="1" nextAc="seek">
+              <p:cTn id="2" dur="indefinite" nodeType="mainSeq">
+                <p:childTnLst>
+                  <p:par>
+                    <p:cTn id="3" fill="hold">
+                      <p:stCondLst>
+                        <p:cond delay="indefinite"/>
+                        <p:cond evt="onBegin" delay="0">
+                          <p:tn val="2"/>
+                        </p:cond>
+                      </p:stCondLst>
+                      <p:childTnLst>
+                        <p:par>
+                          <p:cTn id="4" fill="hold">
+                            <p:stCondLst>
+                              <p:cond delay="0"/>
+                            </p:stCondLst>
+                            <p:childTnLst>
+                              <p:par>
+                                <p:cTn id="5" presetID="10" presetClass="entr" presetSubtype="0" fill="hold" grpId="0" nodeType="afterEffect">
+                                  <p:stCondLst>
+                                    <p:cond delay="0"/>
+                                  </p:stCondLst>
+                                  <p:childTnLst>
+                                    <p:set>
+                                      <p:cBhvr>
+                                        <p:cTn id="6" dur="1" fill="hold">
+                                          <p:stCondLst>
+                                            <p:cond delay="0"/>
+                                          </p:stCondLst>
+                                        </p:cTn>
+                                        <p:tgtEl>
+                                          <p:spTgt spid="3">
+                                            <p:txEl>
+                                              <p:pRg st="0" end="0"/>
+                                            </p:txEl>
+                                          </p:spTgt>
+                                        </p:tgtEl>
+                                        <p:attrNameLst>
+                                          <p:attrName>style.visibility</p:attrName>
+                                        </p:attrNameLst>
+                                      </p:cBhvr>
+                                      <p:to>
+                                        <p:strVal val="visible"/>
+                                      </p:to>
+                                    </p:set>
+                                    <p:animEffect transition="in" filter="fade">
+                                      <p:cBhvr>
+                                        <p:cTn id="7" dur="500"/>
+                                        <p:tgtEl>
+                                          <p:spTgt spid="3">
+                                            <p:txEl>
+                                              <p:pRg st="0" end="0"/>
+                                            </p:txEl>
+                                          </p:spTgt>
+                                        </p:tgtEl>
+                                      </p:cBhvr>
+                                    </p:animEffect>
+                                  </p:childTnLst>
+                                </p:cTn>
+                              </p:par>
+                            </p:childTnLst>
+                          </p:cTn>
+                        </p:par>
+                        <p:par>
+                          <p:cTn id="8" fill="hold">
+                            <p:stCondLst>
+                              <p:cond delay="500"/>
+                            </p:stCondLst>
+                            <p:childTnLst>
+                              <p:par>
+                                <p:cTn id="9" presetID="10" presetClass="entr" presetSubtype="0" fill="hold" grpId="0" nodeType="afterEffect">
+                                  <p:stCondLst>
+                                    <p:cond delay="0"/>
+                                  </p:stCondLst>
+                                  <p:childTnLst>
+                                    <p:set>
+                                      <p:cBhvr>
+                                        <p:cTn id="10" dur="1" fill="hold">
+                                          <p:stCondLst>
+                                            <p:cond delay="0"/>
+                                          </p:stCondLst>
+                                        </p:cTn>
+                                        <p:tgtEl>
+                                          <p:spTgt spid="3">
+                                            <p:txEl>
+                                              <p:pRg st="1" end="1"/>
+                                            </p:txEl>
+                                          </p:spTgt>
+                                        </p:tgtEl>
+                                        <p:attrNameLst>
+                                          <p:attrName>style.visibility</p:attrName>
+                                        </p:attrNameLst>
+                                      </p:cBhvr>
+                                      <p:to>
+                                        <p:strVal val="visible"/>
+                                      </p:to>
+                                    </p:set>
+                                    <p:animEffect transition="in" filter="fade">
+                                      <p:cBhvr>
+                                        <p:cTn id="11" dur="500"/>
+                                        <p:tgtEl>
+                                          <p:spTgt spid="3">
+                                            <p:txEl>
+                                              <p:pRg st="1" end="1"/>
+                                            </p:txEl>
+                                          </p:spTgt>
+                                        </p:tgtEl>
+                                      </p:cBhvr>
+                                    </p:animEffect>
+                                  </p:childTnLst>
+                                </p:cTn>
+                              </p:par>
+                            </p:childTnLst>
+                          </p:cTn>
+                        </p:par>
+                        <p:par>
+                          <p:cTn id="12" fill="hold">
+                            <p:stCondLst>
+                              <p:cond delay="1000"/>
+                            </p:stCondLst>
+                            <p:childTnLst>
+                              <p:par>
+                                <p:cTn id="13" presetID="10" presetClass="entr" presetSubtype="0" fill="hold" grpId="0" nodeType="afterEffect">
+                                  <p:stCondLst>
+                                    <p:cond delay="0"/>
+                                  </p:stCondLst>
+                                  <p:childTnLst>
+                                    <p:set>
+                                      <p:cBhvr>
+                                        <p:cTn id="14" dur="1" fill="hold">
+                                          <p:stCondLst>
+                                            <p:cond delay="0"/>
+                                          </p:stCondLst>
+                                        </p:cTn>
+                                        <p:tgtEl>
+                                          <p:spTgt spid="3">
+                                            <p:txEl>
+                                              <p:pRg st="2" end="2"/>
+                                            </p:txEl>
+                                          </p:spTgt>
+                                        </p:tgtEl>
+                                        <p:attrNameLst>
+                                          <p:attrName>style.visibility</p:attrName>
+                                        </p:attrNameLst>
+                                      </p:cBhvr>
+                                      <p:to>
+                                        <p:strVal val="visible"/>
+                                      </p:to>
+                                    </p:set>
+                                    <p:animEffect transition="in" filter="fade">
+                                      <p:cBhvr>
+                                        <p:cTn id="15" dur="500"/>
+                                        <p:tgtEl>
+                                          <p:spTgt spid="3">
+                                            <p:txEl>
+                                              <p:pRg st="2" end="2"/>
+                                            </p:txEl>
+                                          </p:spTgt>
+                                        </p:tgtEl>
+                                      </p:cBhvr>
+                                    </p:animEffect>
+                                  </p:childTnLst>
+                                </p:cTn>
+                              </p:par>
+                            </p:childTnLst>
+                          </p:cTn>
+                        </p:par>
+                        <p:par>
+                          <p:cTn id="16" fill="hold">
+                            <p:stCondLst>
+                              <p:cond delay="1500"/>
+                            </p:stCondLst>
+                            <p:childTnLst>
+                              <p:par>
+                                <p:cTn id="17" presetID="10" presetClass="entr" presetSubtype="0" fill="hold" grpId="0" nodeType="afterEffect">
+                                  <p:stCondLst>
+                                    <p:cond delay="0"/>
+                                  </p:stCondLst>
+                                  <p:childTnLst>
+                                    <p:set>
+                                      <p:cBhvr>
+                                        <p:cTn id="18" dur="1" fill="hold">
+                                          <p:stCondLst>
+                                            <p:cond delay="0"/>
+                                          </p:stCondLst>
+                                        </p:cTn>
+                                        <p:tgtEl>
+                                          <p:spTgt spid="3">
+                                            <p:txEl>
+                                              <p:pRg st="3" end="3"/>
+                                            </p:txEl>
+                                          </p:spTgt>
+                                        </p:tgtEl>
+                                        <p:attrNameLst>
+                                          <p:attrName>style.visibility</p:attrName>
+                                        </p:attrNameLst>
+                                      </p:cBhvr>
+                                      <p:to>
+                                        <p:strVal val="visible"/>
+                                      </p:to>
+                                    </p:set>
+                                    <p:animEffect transition="in" filter="fade">
+                                      <p:cBhvr>
+                                        <p:cTn id="19" dur="500"/>
+                                        <p:tgtEl>
+                                          <p:spTgt spid="3">
+                                            <p:txEl>
+                                              <p:pRg st="3" end="3"/>
+                                            </p:txEl>
+                                          </p:spTgt>
+                                        </p:tgtEl>
+                                      </p:cBhvr>
+                                    </p:animEffect>
+                                  </p:childTnLst>
+                                </p:cTn>
+                              </p:par>
+                            </p:childTnLst>
+                          </p:cTn>
+                        </p:par>
+                        <p:par>
+                          <p:cTn id="20" fill="hold">
+                            <p:stCondLst>
+                              <p:cond delay="2000"/>
+                            </p:stCondLst>
+                            <p:childTnLst>
+                              <p:par>
+                                <p:cTn id="21" presetID="10" presetClass="entr" presetSubtype="0" fill="hold" grpId="0" nodeType="afterEffect">
+                                  <p:stCondLst>
+                                    <p:cond delay="0"/>
+                                  </p:stCondLst>
+                                  <p:childTnLst>
+                                    <p:set>
+                                      <p:cBhvr>
+                                        <p:cTn id="22" dur="1" fill="hold">
+                                          <p:stCondLst>
+                                            <p:cond delay="0"/>
+                                          </p:stCondLst>
+                                        </p:cTn>
+                                        <p:tgtEl>
+                                          <p:spTgt spid="3">
+                                            <p:txEl>
+                                              <p:pRg st="4" end="4"/>
+                                            </p:txEl>
+                                          </p:spTgt>
+                                        </p:tgtEl>
+                                        <p:attrNameLst>
+                                          <p:attrName>style.visibility</p:attrName>
+                                        </p:attrNameLst>
+                                      </p:cBhvr>
+                                      <p:to>
+                                        <p:strVal val="visible"/>
+                                      </p:to>
+                                    </p:set>
+                                    <p:animEffect transition="in" filter="fade">
+                                      <p:cBhvr>
+                                        <p:cTn id="23" dur="500"/>
+                                        <p:tgtEl>
+                                          <p:spTgt spid="3">
+                                            <p:txEl>
+                                              <p:pRg st="4" end="4"/>
+                                            </p:txEl>
+                                          </p:spTgt>
+                                        </p:tgtEl>
+                                      </p:cBhvr>
+                                    </p:animEffect>
+                                  </p:childTnLst>
+                                </p:cTn>
+                              </p:par>
+                            </p:childTnLst>
+                          </p:cTn>
+                        </p:par>
+                        <p:par>
+                          <p:cTn id="24" fill="hold">
+                            <p:stCondLst>
+                              <p:cond delay="2500"/>
+                            </p:stCondLst>
+                            <p:childTnLst>
+                              <p:par>
+                                <p:cTn id="25" presetID="10" presetClass="entr" presetSubtype="0" fill="hold" grpId="0" nodeType="afterEffect">
+                                  <p:stCondLst>
+                                    <p:cond delay="0"/>
+                                  </p:stCondLst>
+                                  <p:childTnLst>
+                                    <p:set>
+                                      <p:cBhvr>
+                                        <p:cTn id="26" dur="1" fill="hold">
+                                          <p:stCondLst>
+                                            <p:cond delay="0"/>
+                                          </p:stCondLst>
+                                        </p:cTn>
+                                        <p:tgtEl>
+                                          <p:spTgt spid="3">
+                                            <p:txEl>
+                                              <p:pRg st="5" end="5"/>
+                                            </p:txEl>
+                                          </p:spTgt>
+                                        </p:tgtEl>
+                                        <p:attrNameLst>
+                                          <p:attrName>style.visibility</p:attrName>
+                                        </p:attrNameLst>
+                                      </p:cBhvr>
+                                      <p:to>
+                                        <p:strVal val="visible"/>
+                                      </p:to>
+                                    </p:set>
+                                    <p:animEffect transition="in" filter="fade">
+                                      <p:cBhvr>
+                                        <p:cTn id="27" dur="500"/>
+                                        <p:tgtEl>
+                                          <p:spTgt spid="3">
+                                            <p:txEl>
+                                              <p:pRg st="5" end="5"/>
+                                            </p:txEl>
+                                          </p:spTgt>
+                                        </p:tgtEl>
+                                      </p:cBhvr>
+                                    </p:animEffect>
+                                  </p:childTnLst>
+                                </p:cTn>
+                              </p:par>
+                            </p:childTnLst>
+                          </p:cTn>
+                        </p:par>
+                      </p:childTnLst>
+                    </p:cTn>
+                  </p:par>
+                </p:childTnLst>
+              </p:cTn>
+              <p:prevCondLst>
+                <p:cond evt="onPrev" delay="0">
+                  <p:tgtEl>
+                    <p:sldTgt/>
+                  </p:tgtEl>
+                </p:cond>
+              </p:prevCondLst>
+              <p:nextCondLst>
+                <p:cond evt="onNext" delay="0">
+                  <p:tgtEl>
+                    <p:sldTgt/>
+                  </p:tgtEl>
+                </p:cond>
+              </p:nextCondLst>
+            </p:seq>
+          </p:childTnLst>
+        </p:cTn>
       </p:par>
     </p:tnLst>
+    <p:bldLst>
+      <p:bldP spid="3" grpId="0" build="p"/>
+    </p:bldLst>
   </p:timing>
 </p:sld>
 </file>
@@ -4185,29 +6914,6 @@
       </p:grpSpPr>
       <p:sp>
         <p:nvSpPr>
-          <p:cNvPr id="2" name="Título 1"/>
-          <p:cNvSpPr>
-            <a:spLocks noGrp="1"/>
-          </p:cNvSpPr>
-          <p:nvPr>
-            <p:ph type="title"/>
-          </p:nvPr>
-        </p:nvSpPr>
-        <p:spPr/>
-        <p:txBody>
-          <a:bodyPr/>
-          <a:lstStyle/>
-          <a:p>
-            <a:r>
-              <a:rPr lang="pt-PT" dirty="0" smtClean="0"/>
-              <a:t>Estado de arte</a:t>
-            </a:r>
-            <a:endParaRPr lang="pt-PT" dirty="0"/>
-          </a:p>
-        </p:txBody>
-      </p:sp>
-      <p:sp>
-        <p:nvSpPr>
           <p:cNvPr id="3" name="Marcador de Posição de Conteúdo 2"/>
           <p:cNvSpPr>
             <a:spLocks noGrp="1"/>
@@ -4222,31 +6928,256 @@
           <a:lstStyle/>
           <a:p>
             <a:r>
-              <a:rPr lang="pt-PT" dirty="0" smtClean="0"/>
-              <a:t>Identificação do caso de aplicação: troca de requisições entre laboratórios;</a:t>
-            </a:r>
-          </a:p>
-          <a:p>
-            <a:endParaRPr lang="pt-PT" dirty="0" smtClean="0"/>
-          </a:p>
-          <a:p>
-            <a:r>
-              <a:rPr lang="pt-PT" dirty="0" smtClean="0"/>
-              <a:t>Identificação da informação necessária para transferir;</a:t>
-            </a:r>
-          </a:p>
-          <a:p>
-            <a:endParaRPr lang="pt-PT" dirty="0" smtClean="0"/>
-          </a:p>
-          <a:p>
-            <a:r>
-              <a:rPr lang="pt-PT" dirty="0" smtClean="0"/>
+              <a:rPr lang="pt-PT" dirty="0" smtClean="0">
+                <a:latin typeface="NewsGotT" pitchFamily="2" charset="0"/>
+              </a:rPr>
+              <a:t>Identificação do caso de aplicação: troca de requisições entre </a:t>
+            </a:r>
+            <a:r>
+              <a:rPr lang="pt-PT" dirty="0" smtClean="0">
+                <a:latin typeface="NewsGotT" pitchFamily="2" charset="0"/>
+              </a:rPr>
+              <a:t>laboratórios</a:t>
+            </a:r>
+            <a:endParaRPr lang="pt-PT" dirty="0" smtClean="0">
+              <a:latin typeface="NewsGotT" pitchFamily="2" charset="0"/>
+            </a:endParaRPr>
+          </a:p>
+          <a:p>
+            <a:endParaRPr lang="pt-PT" dirty="0" smtClean="0">
+              <a:latin typeface="NewsGotT" pitchFamily="2" charset="0"/>
+            </a:endParaRPr>
+          </a:p>
+          <a:p>
+            <a:r>
+              <a:rPr lang="pt-PT" dirty="0" smtClean="0">
+                <a:latin typeface="NewsGotT" pitchFamily="2" charset="0"/>
+              </a:rPr>
+              <a:t>Identificação da informação necessária para </a:t>
+            </a:r>
+            <a:r>
+              <a:rPr lang="pt-PT" dirty="0" smtClean="0">
+                <a:latin typeface="NewsGotT" pitchFamily="2" charset="0"/>
+              </a:rPr>
+              <a:t>transferir</a:t>
+            </a:r>
+            <a:endParaRPr lang="pt-PT" dirty="0" smtClean="0">
+              <a:latin typeface="NewsGotT" pitchFamily="2" charset="0"/>
+            </a:endParaRPr>
+          </a:p>
+          <a:p>
+            <a:endParaRPr lang="pt-PT" dirty="0" smtClean="0">
+              <a:latin typeface="NewsGotT" pitchFamily="2" charset="0"/>
+            </a:endParaRPr>
+          </a:p>
+          <a:p>
+            <a:r>
+              <a:rPr lang="pt-PT" dirty="0" smtClean="0">
+                <a:latin typeface="NewsGotT" pitchFamily="2" charset="0"/>
+              </a:rPr>
               <a:t>Fluxo da comunicação entre os sistemas de cada entidade.</a:t>
             </a:r>
-            <a:endParaRPr lang="pt-PT" dirty="0"/>
-          </a:p>
-        </p:txBody>
-      </p:sp>
+            <a:endParaRPr lang="pt-PT" dirty="0">
+              <a:latin typeface="NewsGotT" pitchFamily="2" charset="0"/>
+            </a:endParaRPr>
+          </a:p>
+        </p:txBody>
+      </p:sp>
+      <p:cxnSp>
+        <p:nvCxnSpPr>
+          <p:cNvPr id="4" name="Conexão reta 3"/>
+          <p:cNvCxnSpPr/>
+          <p:nvPr/>
+        </p:nvCxnSpPr>
+        <p:spPr>
+          <a:xfrm>
+            <a:off x="0" y="6348413"/>
+            <a:ext cx="9144000" cy="0"/>
+          </a:xfrm>
+          <a:prstGeom prst="line">
+            <a:avLst/>
+          </a:prstGeom>
+          <a:ln w="34925">
+            <a:solidFill>
+              <a:srgbClr val="A90B1A"/>
+            </a:solidFill>
+          </a:ln>
+        </p:spPr>
+        <p:style>
+          <a:lnRef idx="1">
+            <a:schemeClr val="accent1"/>
+          </a:lnRef>
+          <a:fillRef idx="0">
+            <a:schemeClr val="accent1"/>
+          </a:fillRef>
+          <a:effectRef idx="0">
+            <a:schemeClr val="accent1"/>
+          </a:effectRef>
+          <a:fontRef idx="minor">
+            <a:schemeClr val="tx1"/>
+          </a:fontRef>
+        </p:style>
+      </p:cxnSp>
+      <p:sp>
+        <p:nvSpPr>
+          <p:cNvPr id="5" name="CaixaDeTexto 4"/>
+          <p:cNvSpPr txBox="1"/>
+          <p:nvPr/>
+        </p:nvSpPr>
+        <p:spPr>
+          <a:xfrm>
+            <a:off x="0" y="6457950"/>
+            <a:ext cx="9144000" cy="307777"/>
+          </a:xfrm>
+          <a:prstGeom prst="rect">
+            <a:avLst/>
+          </a:prstGeom>
+          <a:noFill/>
+        </p:spPr>
+        <p:txBody>
+          <a:bodyPr wrap="square" rtlCol="0">
+            <a:spAutoFit/>
+          </a:bodyPr>
+          <a:lstStyle/>
+          <a:p>
+            <a:pPr>
+              <a:tabLst>
+                <a:tab pos="4479925" algn="ctr"/>
+                <a:tab pos="8972550" algn="r"/>
+              </a:tabLst>
+            </a:pPr>
+            <a:r>
+              <a:rPr lang="pt-PT" sz="1400" dirty="0" smtClean="0"/>
+              <a:t>Miguel Costa	6</a:t>
+            </a:r>
+            <a:endParaRPr lang="pt-PT" sz="1400" dirty="0"/>
+          </a:p>
+        </p:txBody>
+      </p:sp>
+      <p:sp>
+        <p:nvSpPr>
+          <p:cNvPr id="6" name="Título 1"/>
+          <p:cNvSpPr txBox="1">
+            <a:spLocks/>
+          </p:cNvSpPr>
+          <p:nvPr/>
+        </p:nvSpPr>
+        <p:spPr>
+          <a:xfrm>
+            <a:off x="0" y="0"/>
+            <a:ext cx="9144000" cy="1325563"/>
+          </a:xfrm>
+          <a:prstGeom prst="rect">
+            <a:avLst/>
+          </a:prstGeom>
+          <a:solidFill>
+            <a:srgbClr val="9E0000"/>
+          </a:solidFill>
+          <a:ln>
+            <a:noFill/>
+          </a:ln>
+        </p:spPr>
+        <p:txBody>
+          <a:bodyPr vert="horz" lIns="91440" tIns="45720" rIns="91440" bIns="45720" rtlCol="0" anchor="ctr">
+            <a:normAutofit/>
+          </a:bodyPr>
+          <a:lstStyle>
+            <a:lvl1pPr algn="l" defTabSz="685800" rtl="0" eaLnBrk="1" latinLnBrk="0" hangingPunct="1">
+              <a:lnSpc>
+                <a:spcPct val="90000"/>
+              </a:lnSpc>
+              <a:spcBef>
+                <a:spcPct val="0"/>
+              </a:spcBef>
+              <a:buNone/>
+              <a:defRPr sz="3300" kern="1200">
+                <a:solidFill>
+                  <a:schemeClr val="tx1"/>
+                </a:solidFill>
+                <a:latin typeface="+mj-lt"/>
+                <a:ea typeface="+mj-ea"/>
+                <a:cs typeface="+mj-cs"/>
+              </a:defRPr>
+            </a:lvl1pPr>
+          </a:lstStyle>
+          <a:p>
+            <a:pPr>
+              <a:tabLst>
+                <a:tab pos="628650" algn="l"/>
+              </a:tabLst>
+            </a:pPr>
+            <a:r>
+              <a:rPr lang="pt-PT" dirty="0">
+                <a:solidFill>
+                  <a:schemeClr val="bg1"/>
+                </a:solidFill>
+                <a:latin typeface="NewsGotT" pitchFamily="2" charset="0"/>
+              </a:rPr>
+              <a:t>	Estado de arte</a:t>
+            </a:r>
+          </a:p>
+        </p:txBody>
+      </p:sp>
+      <p:pic>
+        <p:nvPicPr>
+          <p:cNvPr id="10" name="Picture 5"/>
+          <p:cNvPicPr>
+            <a:picLocks noChangeAspect="1"/>
+          </p:cNvPicPr>
+          <p:nvPr/>
+        </p:nvPicPr>
+        <p:blipFill>
+          <a:blip r:embed="rId2">
+            <a:extLst>
+              <a:ext uri="{28A0092B-C50C-407E-A947-70E740481C1C}">
+                <a14:useLocalDpi xmlns:a14="http://schemas.microsoft.com/office/drawing/2010/main" val="0"/>
+              </a:ext>
+            </a:extLst>
+          </a:blip>
+          <a:stretch>
+            <a:fillRect/>
+          </a:stretch>
+        </p:blipFill>
+        <p:spPr>
+          <a:xfrm>
+            <a:off x="8655050" y="6369048"/>
+            <a:ext cx="488950" cy="488950"/>
+          </a:xfrm>
+          <a:prstGeom prst="rect">
+            <a:avLst/>
+          </a:prstGeom>
+        </p:spPr>
+      </p:pic>
+      <p:pic>
+        <p:nvPicPr>
+          <p:cNvPr id="11" name="Picture 6"/>
+          <p:cNvPicPr>
+            <a:picLocks noChangeAspect="1"/>
+          </p:cNvPicPr>
+          <p:nvPr/>
+        </p:nvPicPr>
+        <p:blipFill>
+          <a:blip r:embed="rId3">
+            <a:extLst>
+              <a:ext uri="{28A0092B-C50C-407E-A947-70E740481C1C}">
+                <a14:useLocalDpi xmlns:a14="http://schemas.microsoft.com/office/drawing/2010/main" val="0"/>
+              </a:ext>
+            </a:extLst>
+          </a:blip>
+          <a:stretch>
+            <a:fillRect/>
+          </a:stretch>
+        </p:blipFill>
+        <p:spPr>
+          <a:xfrm>
+            <a:off x="8175783" y="6369048"/>
+            <a:ext cx="479267" cy="488950"/>
+          </a:xfrm>
+          <a:prstGeom prst="rect">
+            <a:avLst/>
+          </a:prstGeom>
+        </p:spPr>
+      </p:pic>
     </p:spTree>
     <p:extLst>
       <p:ext uri="{BB962C8B-B14F-4D97-AF65-F5344CB8AC3E}">
@@ -4260,9 +7191,203 @@
   <p:timing>
     <p:tnLst>
       <p:par>
-        <p:cTn id="1" dur="indefinite" restart="never" nodeType="tmRoot"/>
+        <p:cTn id="1" dur="indefinite" restart="never" nodeType="tmRoot">
+          <p:childTnLst>
+            <p:seq concurrent="1" nextAc="seek">
+              <p:cTn id="2" dur="indefinite" nodeType="mainSeq">
+                <p:childTnLst>
+                  <p:par>
+                    <p:cTn id="3" fill="hold">
+                      <p:stCondLst>
+                        <p:cond delay="indefinite"/>
+                        <p:cond evt="onBegin" delay="0">
+                          <p:tn val="2"/>
+                        </p:cond>
+                      </p:stCondLst>
+                      <p:childTnLst>
+                        <p:par>
+                          <p:cTn id="4" fill="hold">
+                            <p:stCondLst>
+                              <p:cond delay="0"/>
+                            </p:stCondLst>
+                            <p:childTnLst>
+                              <p:par>
+                                <p:cTn id="5" presetID="10" presetClass="entr" presetSubtype="0" fill="hold" grpId="0" nodeType="afterEffect">
+                                  <p:stCondLst>
+                                    <p:cond delay="0"/>
+                                  </p:stCondLst>
+                                  <p:childTnLst>
+                                    <p:set>
+                                      <p:cBhvr>
+                                        <p:cTn id="6" dur="1" fill="hold">
+                                          <p:stCondLst>
+                                            <p:cond delay="0"/>
+                                          </p:stCondLst>
+                                        </p:cTn>
+                                        <p:tgtEl>
+                                          <p:spTgt spid="3">
+                                            <p:txEl>
+                                              <p:pRg st="0" end="0"/>
+                                            </p:txEl>
+                                          </p:spTgt>
+                                        </p:tgtEl>
+                                        <p:attrNameLst>
+                                          <p:attrName>style.visibility</p:attrName>
+                                        </p:attrNameLst>
+                                      </p:cBhvr>
+                                      <p:to>
+                                        <p:strVal val="visible"/>
+                                      </p:to>
+                                    </p:set>
+                                    <p:animEffect transition="in" filter="fade">
+                                      <p:cBhvr>
+                                        <p:cTn id="7" dur="500"/>
+                                        <p:tgtEl>
+                                          <p:spTgt spid="3">
+                                            <p:txEl>
+                                              <p:pRg st="0" end="0"/>
+                                            </p:txEl>
+                                          </p:spTgt>
+                                        </p:tgtEl>
+                                      </p:cBhvr>
+                                    </p:animEffect>
+                                  </p:childTnLst>
+                                </p:cTn>
+                              </p:par>
+                            </p:childTnLst>
+                          </p:cTn>
+                        </p:par>
+                        <p:par>
+                          <p:cTn id="8" fill="hold">
+                            <p:stCondLst>
+                              <p:cond delay="500"/>
+                            </p:stCondLst>
+                            <p:childTnLst>
+                              <p:par>
+                                <p:cTn id="9" presetID="10" presetClass="entr" presetSubtype="0" fill="hold" grpId="0" nodeType="afterEffect">
+                                  <p:stCondLst>
+                                    <p:cond delay="0"/>
+                                  </p:stCondLst>
+                                  <p:childTnLst>
+                                    <p:set>
+                                      <p:cBhvr>
+                                        <p:cTn id="10" dur="1" fill="hold">
+                                          <p:stCondLst>
+                                            <p:cond delay="0"/>
+                                          </p:stCondLst>
+                                        </p:cTn>
+                                        <p:tgtEl>
+                                          <p:spTgt spid="3">
+                                            <p:txEl>
+                                              <p:pRg st="2" end="2"/>
+                                            </p:txEl>
+                                          </p:spTgt>
+                                        </p:tgtEl>
+                                        <p:attrNameLst>
+                                          <p:attrName>style.visibility</p:attrName>
+                                        </p:attrNameLst>
+                                      </p:cBhvr>
+                                      <p:to>
+                                        <p:strVal val="visible"/>
+                                      </p:to>
+                                    </p:set>
+                                    <p:animEffect transition="in" filter="fade">
+                                      <p:cBhvr>
+                                        <p:cTn id="11" dur="500"/>
+                                        <p:tgtEl>
+                                          <p:spTgt spid="3">
+                                            <p:txEl>
+                                              <p:pRg st="2" end="2"/>
+                                            </p:txEl>
+                                          </p:spTgt>
+                                        </p:tgtEl>
+                                      </p:cBhvr>
+                                    </p:animEffect>
+                                  </p:childTnLst>
+                                </p:cTn>
+                              </p:par>
+                            </p:childTnLst>
+                          </p:cTn>
+                        </p:par>
+                        <p:par>
+                          <p:cTn id="12" fill="hold">
+                            <p:stCondLst>
+                              <p:cond delay="1000"/>
+                            </p:stCondLst>
+                            <p:childTnLst>
+                              <p:par>
+                                <p:cTn id="13" presetID="10" presetClass="entr" presetSubtype="0" fill="hold" grpId="0" nodeType="afterEffect">
+                                  <p:stCondLst>
+                                    <p:cond delay="0"/>
+                                  </p:stCondLst>
+                                  <p:childTnLst>
+                                    <p:set>
+                                      <p:cBhvr>
+                                        <p:cTn id="14" dur="1" fill="hold">
+                                          <p:stCondLst>
+                                            <p:cond delay="0"/>
+                                          </p:stCondLst>
+                                        </p:cTn>
+                                        <p:tgtEl>
+                                          <p:spTgt spid="3">
+                                            <p:txEl>
+                                              <p:pRg st="4" end="4"/>
+                                            </p:txEl>
+                                          </p:spTgt>
+                                        </p:tgtEl>
+                                        <p:attrNameLst>
+                                          <p:attrName>style.visibility</p:attrName>
+                                        </p:attrNameLst>
+                                      </p:cBhvr>
+                                      <p:to>
+                                        <p:strVal val="visible"/>
+                                      </p:to>
+                                    </p:set>
+                                    <p:animEffect transition="in" filter="fade">
+                                      <p:cBhvr>
+                                        <p:cTn id="15" dur="500"/>
+                                        <p:tgtEl>
+                                          <p:spTgt spid="3">
+                                            <p:txEl>
+                                              <p:pRg st="4" end="4"/>
+                                            </p:txEl>
+                                          </p:spTgt>
+                                        </p:tgtEl>
+                                      </p:cBhvr>
+                                    </p:animEffect>
+                                  </p:childTnLst>
+                                </p:cTn>
+                              </p:par>
+                            </p:childTnLst>
+                          </p:cTn>
+                        </p:par>
+                      </p:childTnLst>
+                    </p:cTn>
+                  </p:par>
+                </p:childTnLst>
+              </p:cTn>
+              <p:prevCondLst>
+                <p:cond evt="onPrev" delay="0">
+                  <p:tgtEl>
+                    <p:sldTgt/>
+                  </p:tgtEl>
+                </p:cond>
+              </p:prevCondLst>
+              <p:nextCondLst>
+                <p:cond evt="onNext" delay="0">
+                  <p:tgtEl>
+                    <p:sldTgt/>
+                  </p:tgtEl>
+                </p:cond>
+              </p:nextCondLst>
+            </p:seq>
+          </p:childTnLst>
+        </p:cTn>
       </p:par>
     </p:tnLst>
+    <p:bldLst>
+      <p:bldP spid="3" grpId="0" build="p"/>
+    </p:bldLst>
   </p:timing>
 </p:sld>
 </file>
@@ -4286,29 +7411,6 @@
       </p:grpSpPr>
       <p:sp>
         <p:nvSpPr>
-          <p:cNvPr id="2" name="Título 1"/>
-          <p:cNvSpPr>
-            <a:spLocks noGrp="1"/>
-          </p:cNvSpPr>
-          <p:nvPr>
-            <p:ph type="title"/>
-          </p:nvPr>
-        </p:nvSpPr>
-        <p:spPr/>
-        <p:txBody>
-          <a:bodyPr/>
-          <a:lstStyle/>
-          <a:p>
-            <a:r>
-              <a:rPr lang="pt-PT" dirty="0" smtClean="0"/>
-              <a:t>Conclusão</a:t>
-            </a:r>
-            <a:endParaRPr lang="pt-PT" dirty="0"/>
-          </a:p>
-        </p:txBody>
-      </p:sp>
-      <p:sp>
-        <p:nvSpPr>
           <p:cNvPr id="3" name="Marcador de Posição de Conteúdo 2"/>
           <p:cNvSpPr>
             <a:spLocks noGrp="1"/>
@@ -4322,10 +7424,251 @@
           <a:bodyPr/>
           <a:lstStyle/>
           <a:p>
-            <a:endParaRPr lang="pt-PT" dirty="0"/>
-          </a:p>
-        </p:txBody>
-      </p:sp>
+            <a:r>
+              <a:rPr lang="pt-PT" dirty="0" smtClean="0">
+                <a:latin typeface="NewsGotT" pitchFamily="2" charset="0"/>
+              </a:rPr>
+              <a:t>Existe espaço no mundo laboratorial para todo uma panóplia de soluções que assentem sobre a interoperabilidade;</a:t>
+            </a:r>
+          </a:p>
+          <a:p>
+            <a:endParaRPr lang="pt-PT" dirty="0">
+              <a:latin typeface="NewsGotT" pitchFamily="2" charset="0"/>
+            </a:endParaRPr>
+          </a:p>
+          <a:p>
+            <a:r>
+              <a:rPr lang="pt-PT" dirty="0" smtClean="0">
+                <a:latin typeface="NewsGotT" pitchFamily="2" charset="0"/>
+              </a:rPr>
+              <a:t>O processo de identificação da informação que é necessário transmitir é minucioso</a:t>
+            </a:r>
+            <a:r>
+              <a:rPr lang="pt-PT" dirty="0" smtClean="0">
+                <a:latin typeface="NewsGotT" pitchFamily="2" charset="0"/>
+              </a:rPr>
+              <a:t>;</a:t>
+            </a:r>
+          </a:p>
+          <a:p>
+            <a:endParaRPr lang="pt-PT" dirty="0">
+              <a:latin typeface="NewsGotT" pitchFamily="2" charset="0"/>
+            </a:endParaRPr>
+          </a:p>
+          <a:p>
+            <a:r>
+              <a:rPr lang="pt-PT" dirty="0" smtClean="0">
+                <a:latin typeface="NewsGotT" pitchFamily="2" charset="0"/>
+              </a:rPr>
+              <a:t>É muito importante garantir a proteção dos dados.</a:t>
+            </a:r>
+            <a:endParaRPr lang="pt-PT" dirty="0">
+              <a:latin typeface="NewsGotT" pitchFamily="2" charset="0"/>
+            </a:endParaRPr>
+          </a:p>
+        </p:txBody>
+      </p:sp>
+      <p:cxnSp>
+        <p:nvCxnSpPr>
+          <p:cNvPr id="4" name="Conexão reta 3"/>
+          <p:cNvCxnSpPr/>
+          <p:nvPr/>
+        </p:nvCxnSpPr>
+        <p:spPr>
+          <a:xfrm>
+            <a:off x="0" y="6348413"/>
+            <a:ext cx="9144000" cy="0"/>
+          </a:xfrm>
+          <a:prstGeom prst="line">
+            <a:avLst/>
+          </a:prstGeom>
+          <a:ln w="34925">
+            <a:solidFill>
+              <a:srgbClr val="A90B1A"/>
+            </a:solidFill>
+          </a:ln>
+        </p:spPr>
+        <p:style>
+          <a:lnRef idx="1">
+            <a:schemeClr val="accent1"/>
+          </a:lnRef>
+          <a:fillRef idx="0">
+            <a:schemeClr val="accent1"/>
+          </a:fillRef>
+          <a:effectRef idx="0">
+            <a:schemeClr val="accent1"/>
+          </a:effectRef>
+          <a:fontRef idx="minor">
+            <a:schemeClr val="tx1"/>
+          </a:fontRef>
+        </p:style>
+      </p:cxnSp>
+      <p:sp>
+        <p:nvSpPr>
+          <p:cNvPr id="5" name="CaixaDeTexto 4"/>
+          <p:cNvSpPr txBox="1"/>
+          <p:nvPr/>
+        </p:nvSpPr>
+        <p:spPr>
+          <a:xfrm>
+            <a:off x="0" y="6457950"/>
+            <a:ext cx="9144000" cy="307777"/>
+          </a:xfrm>
+          <a:prstGeom prst="rect">
+            <a:avLst/>
+          </a:prstGeom>
+          <a:noFill/>
+        </p:spPr>
+        <p:txBody>
+          <a:bodyPr wrap="square" rtlCol="0">
+            <a:spAutoFit/>
+          </a:bodyPr>
+          <a:lstStyle/>
+          <a:p>
+            <a:pPr>
+              <a:tabLst>
+                <a:tab pos="4479925" algn="ctr"/>
+                <a:tab pos="8972550" algn="r"/>
+              </a:tabLst>
+            </a:pPr>
+            <a:r>
+              <a:rPr lang="pt-PT" sz="1400" dirty="0" smtClean="0"/>
+              <a:t>Miguel Costa	7</a:t>
+            </a:r>
+            <a:endParaRPr lang="pt-PT" sz="1400" dirty="0"/>
+          </a:p>
+        </p:txBody>
+      </p:sp>
+      <p:sp>
+        <p:nvSpPr>
+          <p:cNvPr id="7" name="Título 1"/>
+          <p:cNvSpPr txBox="1">
+            <a:spLocks/>
+          </p:cNvSpPr>
+          <p:nvPr/>
+        </p:nvSpPr>
+        <p:spPr>
+          <a:xfrm>
+            <a:off x="0" y="0"/>
+            <a:ext cx="9144000" cy="1325563"/>
+          </a:xfrm>
+          <a:prstGeom prst="rect">
+            <a:avLst/>
+          </a:prstGeom>
+          <a:solidFill>
+            <a:srgbClr val="9E0000"/>
+          </a:solidFill>
+          <a:ln>
+            <a:noFill/>
+          </a:ln>
+        </p:spPr>
+        <p:txBody>
+          <a:bodyPr vert="horz" lIns="91440" tIns="45720" rIns="91440" bIns="45720" rtlCol="0" anchor="ctr">
+            <a:normAutofit/>
+          </a:bodyPr>
+          <a:lstStyle>
+            <a:lvl1pPr algn="l" defTabSz="685800" rtl="0" eaLnBrk="1" latinLnBrk="0" hangingPunct="1">
+              <a:lnSpc>
+                <a:spcPct val="90000"/>
+              </a:lnSpc>
+              <a:spcBef>
+                <a:spcPct val="0"/>
+              </a:spcBef>
+              <a:buNone/>
+              <a:defRPr sz="3300" kern="1200">
+                <a:solidFill>
+                  <a:schemeClr val="tx1"/>
+                </a:solidFill>
+                <a:latin typeface="+mj-lt"/>
+                <a:ea typeface="+mj-ea"/>
+                <a:cs typeface="+mj-cs"/>
+              </a:defRPr>
+            </a:lvl1pPr>
+          </a:lstStyle>
+          <a:p>
+            <a:pPr>
+              <a:tabLst>
+                <a:tab pos="628650" algn="l"/>
+              </a:tabLst>
+            </a:pPr>
+            <a:r>
+              <a:rPr lang="pt-PT" dirty="0" smtClean="0">
+                <a:solidFill>
+                  <a:schemeClr val="bg1"/>
+                </a:solidFill>
+                <a:latin typeface="NewsGotT" pitchFamily="2" charset="0"/>
+              </a:rPr>
+              <a:t>	Conclusão</a:t>
+            </a:r>
+            <a:endParaRPr lang="pt-PT" dirty="0">
+              <a:solidFill>
+                <a:schemeClr val="bg1"/>
+              </a:solidFill>
+              <a:latin typeface="NewsGotT" pitchFamily="2" charset="0"/>
+            </a:endParaRPr>
+          </a:p>
+        </p:txBody>
+      </p:sp>
+      <p:pic>
+        <p:nvPicPr>
+          <p:cNvPr id="10" name="Picture 5"/>
+          <p:cNvPicPr>
+            <a:picLocks noChangeAspect="1"/>
+          </p:cNvPicPr>
+          <p:nvPr/>
+        </p:nvPicPr>
+        <p:blipFill>
+          <a:blip r:embed="rId2">
+            <a:extLst>
+              <a:ext uri="{28A0092B-C50C-407E-A947-70E740481C1C}">
+                <a14:useLocalDpi xmlns:a14="http://schemas.microsoft.com/office/drawing/2010/main" val="0"/>
+              </a:ext>
+            </a:extLst>
+          </a:blip>
+          <a:stretch>
+            <a:fillRect/>
+          </a:stretch>
+        </p:blipFill>
+        <p:spPr>
+          <a:xfrm>
+            <a:off x="8655050" y="6369048"/>
+            <a:ext cx="488950" cy="488950"/>
+          </a:xfrm>
+          <a:prstGeom prst="rect">
+            <a:avLst/>
+          </a:prstGeom>
+        </p:spPr>
+      </p:pic>
+      <p:pic>
+        <p:nvPicPr>
+          <p:cNvPr id="11" name="Picture 6"/>
+          <p:cNvPicPr>
+            <a:picLocks noChangeAspect="1"/>
+          </p:cNvPicPr>
+          <p:nvPr/>
+        </p:nvPicPr>
+        <p:blipFill>
+          <a:blip r:embed="rId3">
+            <a:extLst>
+              <a:ext uri="{28A0092B-C50C-407E-A947-70E740481C1C}">
+                <a14:useLocalDpi xmlns:a14="http://schemas.microsoft.com/office/drawing/2010/main" val="0"/>
+              </a:ext>
+            </a:extLst>
+          </a:blip>
+          <a:stretch>
+            <a:fillRect/>
+          </a:stretch>
+        </p:blipFill>
+        <p:spPr>
+          <a:xfrm>
+            <a:off x="8175783" y="6369048"/>
+            <a:ext cx="479267" cy="488950"/>
+          </a:xfrm>
+          <a:prstGeom prst="rect">
+            <a:avLst/>
+          </a:prstGeom>
+        </p:spPr>
+      </p:pic>
     </p:spTree>
     <p:extLst>
       <p:ext uri="{BB962C8B-B14F-4D97-AF65-F5344CB8AC3E}">
@@ -4339,9 +7682,185 @@
   <p:timing>
     <p:tnLst>
       <p:par>
-        <p:cTn id="1" dur="indefinite" restart="never" nodeType="tmRoot"/>
+        <p:cTn id="1" dur="indefinite" restart="never" nodeType="tmRoot">
+          <p:childTnLst>
+            <p:seq concurrent="1" nextAc="seek">
+              <p:cTn id="2" dur="indefinite" nodeType="mainSeq">
+                <p:childTnLst>
+                  <p:par>
+                    <p:cTn id="3" fill="hold">
+                      <p:stCondLst>
+                        <p:cond delay="indefinite"/>
+                        <p:cond evt="onBegin" delay="0">
+                          <p:tn val="2"/>
+                        </p:cond>
+                      </p:stCondLst>
+                      <p:childTnLst>
+                        <p:par>
+                          <p:cTn id="4" fill="hold">
+                            <p:stCondLst>
+                              <p:cond delay="0"/>
+                            </p:stCondLst>
+                            <p:childTnLst>
+                              <p:par>
+                                <p:cTn id="5" presetID="10" presetClass="entr" presetSubtype="0" fill="hold" grpId="0" nodeType="withEffect">
+                                  <p:stCondLst>
+                                    <p:cond delay="0"/>
+                                  </p:stCondLst>
+                                  <p:childTnLst>
+                                    <p:set>
+                                      <p:cBhvr>
+                                        <p:cTn id="6" dur="1" fill="hold">
+                                          <p:stCondLst>
+                                            <p:cond delay="0"/>
+                                          </p:stCondLst>
+                                        </p:cTn>
+                                        <p:tgtEl>
+                                          <p:spTgt spid="3">
+                                            <p:txEl>
+                                              <p:pRg st="0" end="0"/>
+                                            </p:txEl>
+                                          </p:spTgt>
+                                        </p:tgtEl>
+                                        <p:attrNameLst>
+                                          <p:attrName>style.visibility</p:attrName>
+                                        </p:attrNameLst>
+                                      </p:cBhvr>
+                                      <p:to>
+                                        <p:strVal val="visible"/>
+                                      </p:to>
+                                    </p:set>
+                                    <p:animEffect transition="in" filter="fade">
+                                      <p:cBhvr>
+                                        <p:cTn id="7" dur="500"/>
+                                        <p:tgtEl>
+                                          <p:spTgt spid="3">
+                                            <p:txEl>
+                                              <p:pRg st="0" end="0"/>
+                                            </p:txEl>
+                                          </p:spTgt>
+                                        </p:tgtEl>
+                                      </p:cBhvr>
+                                    </p:animEffect>
+                                  </p:childTnLst>
+                                </p:cTn>
+                              </p:par>
+                              <p:par>
+                                <p:cTn id="8" presetID="10" presetClass="entr" presetSubtype="0" fill="hold" grpId="0" nodeType="withEffect">
+                                  <p:stCondLst>
+                                    <p:cond delay="0"/>
+                                  </p:stCondLst>
+                                  <p:childTnLst>
+                                    <p:set>
+                                      <p:cBhvr>
+                                        <p:cTn id="9" dur="1" fill="hold">
+                                          <p:stCondLst>
+                                            <p:cond delay="0"/>
+                                          </p:stCondLst>
+                                        </p:cTn>
+                                        <p:tgtEl>
+                                          <p:spTgt spid="3">
+                                            <p:txEl>
+                                              <p:pRg st="2" end="2"/>
+                                            </p:txEl>
+                                          </p:spTgt>
+                                        </p:tgtEl>
+                                        <p:attrNameLst>
+                                          <p:attrName>style.visibility</p:attrName>
+                                        </p:attrNameLst>
+                                      </p:cBhvr>
+                                      <p:to>
+                                        <p:strVal val="visible"/>
+                                      </p:to>
+                                    </p:set>
+                                    <p:animEffect transition="in" filter="fade">
+                                      <p:cBhvr>
+                                        <p:cTn id="10" dur="500"/>
+                                        <p:tgtEl>
+                                          <p:spTgt spid="3">
+                                            <p:txEl>
+                                              <p:pRg st="2" end="2"/>
+                                            </p:txEl>
+                                          </p:spTgt>
+                                        </p:tgtEl>
+                                      </p:cBhvr>
+                                    </p:animEffect>
+                                  </p:childTnLst>
+                                </p:cTn>
+                              </p:par>
+                              <p:par>
+                                <p:cTn id="11" presetID="10" presetClass="entr" presetSubtype="0" fill="hold" grpId="0" nodeType="withEffect">
+                                  <p:stCondLst>
+                                    <p:cond delay="0"/>
+                                  </p:stCondLst>
+                                  <p:childTnLst>
+                                    <p:set>
+                                      <p:cBhvr>
+                                        <p:cTn id="12" dur="1" fill="hold">
+                                          <p:stCondLst>
+                                            <p:cond delay="0"/>
+                                          </p:stCondLst>
+                                        </p:cTn>
+                                        <p:tgtEl>
+                                          <p:spTgt spid="3">
+                                            <p:txEl>
+                                              <p:pRg st="4" end="4"/>
+                                            </p:txEl>
+                                          </p:spTgt>
+                                        </p:tgtEl>
+                                        <p:attrNameLst>
+                                          <p:attrName>style.visibility</p:attrName>
+                                        </p:attrNameLst>
+                                      </p:cBhvr>
+                                      <p:to>
+                                        <p:strVal val="visible"/>
+                                      </p:to>
+                                    </p:set>
+                                    <p:animEffect transition="in" filter="fade">
+                                      <p:cBhvr>
+                                        <p:cTn id="13" dur="500"/>
+                                        <p:tgtEl>
+                                          <p:spTgt spid="3">
+                                            <p:txEl>
+                                              <p:pRg st="4" end="4"/>
+                                            </p:txEl>
+                                          </p:spTgt>
+                                        </p:tgtEl>
+                                      </p:cBhvr>
+                                    </p:animEffect>
+                                  </p:childTnLst>
+                                </p:cTn>
+                              </p:par>
+                            </p:childTnLst>
+                          </p:cTn>
+                        </p:par>
+                      </p:childTnLst>
+                    </p:cTn>
+                  </p:par>
+                </p:childTnLst>
+              </p:cTn>
+              <p:prevCondLst>
+                <p:cond evt="onPrev" delay="0">
+                  <p:tgtEl>
+                    <p:sldTgt/>
+                  </p:tgtEl>
+                </p:cond>
+              </p:prevCondLst>
+              <p:nextCondLst>
+                <p:cond evt="onNext" delay="0">
+                  <p:tgtEl>
+                    <p:sldTgt/>
+                  </p:tgtEl>
+                </p:cond>
+              </p:nextCondLst>
+            </p:seq>
+          </p:childTnLst>
+        </p:cTn>
       </p:par>
     </p:tnLst>
+    <p:bldLst>
+      <p:bldP spid="3" grpId="0" build="p"/>
+    </p:bldLst>
   </p:timing>
 </p:sld>
 </file>
@@ -4398,7 +7917,7 @@
         </p:nvSpPr>
         <p:spPr>
           <a:xfrm>
-            <a:off x="5107305" y="4417004"/>
+            <a:off x="5930265" y="4417004"/>
             <a:ext cx="3074670" cy="1038542"/>
           </a:xfrm>
         </p:spPr>
@@ -4491,304 +8010,13 @@
       </p:pic>
       <p:sp>
         <p:nvSpPr>
-          <p:cNvPr id="7" name="Subtitle 2"/>
-          <p:cNvSpPr txBox="1">
-            <a:spLocks/>
-          </p:cNvSpPr>
-          <p:nvPr/>
-        </p:nvSpPr>
-        <p:spPr>
-          <a:xfrm>
-            <a:off x="1671870" y="0"/>
-            <a:ext cx="5567130" cy="962025"/>
-          </a:xfrm>
-          <a:prstGeom prst="rect">
-            <a:avLst/>
-          </a:prstGeom>
-        </p:spPr>
-        <p:txBody>
-          <a:bodyPr vert="horz" lIns="91440" tIns="45720" rIns="91440" bIns="45720" rtlCol="0" anchor="ctr">
-            <a:normAutofit/>
-          </a:bodyPr>
-          <a:lstStyle>
-            <a:lvl1pPr marL="0" indent="0" algn="l" defTabSz="685800" rtl="0" eaLnBrk="1" latinLnBrk="0" hangingPunct="1">
-              <a:lnSpc>
-                <a:spcPct val="95000"/>
-              </a:lnSpc>
-              <a:spcBef>
-                <a:spcPts val="1050"/>
-              </a:spcBef>
-              <a:spcAft>
-                <a:spcPts val="150"/>
-              </a:spcAft>
-              <a:buClr>
-                <a:schemeClr val="accent1"/>
-              </a:buClr>
-              <a:buSzPct val="80000"/>
-              <a:buFont typeface="Arial" pitchFamily="34" charset="0"/>
-              <a:buNone/>
-              <a:defRPr sz="1650" kern="1200" spc="8" baseline="0">
-                <a:solidFill>
-                  <a:schemeClr val="tx1">
-                    <a:lumMod val="75000"/>
-                  </a:schemeClr>
-                </a:solidFill>
-                <a:latin typeface="Open Sans" panose="020B0606030504020204" pitchFamily="34" charset="0"/>
-                <a:ea typeface="Open Sans" panose="020B0606030504020204" pitchFamily="34" charset="0"/>
-                <a:cs typeface="Open Sans" panose="020B0606030504020204" pitchFamily="34" charset="0"/>
-              </a:defRPr>
-            </a:lvl1pPr>
-            <a:lvl2pPr marL="342900" indent="0" algn="ctr" defTabSz="685800" rtl="0" eaLnBrk="1" latinLnBrk="0" hangingPunct="1">
-              <a:lnSpc>
-                <a:spcPct val="90000"/>
-              </a:lnSpc>
-              <a:spcBef>
-                <a:spcPts val="225"/>
-              </a:spcBef>
-              <a:spcAft>
-                <a:spcPts val="225"/>
-              </a:spcAft>
-              <a:buClr>
-                <a:schemeClr val="accent1"/>
-              </a:buClr>
-              <a:buFont typeface="Wingdings 2" pitchFamily="18" charset="2"/>
-              <a:buNone/>
-              <a:defRPr sz="1650" kern="1200">
-                <a:solidFill>
-                  <a:schemeClr val="tx1">
-                    <a:lumMod val="85000"/>
-                    <a:lumOff val="15000"/>
-                  </a:schemeClr>
-                </a:solidFill>
-                <a:latin typeface="Open Sans" panose="020B0606030504020204" pitchFamily="34" charset="0"/>
-                <a:ea typeface="Open Sans" panose="020B0606030504020204" pitchFamily="34" charset="0"/>
-                <a:cs typeface="Open Sans" panose="020B0606030504020204" pitchFamily="34" charset="0"/>
-              </a:defRPr>
-            </a:lvl2pPr>
-            <a:lvl3pPr marL="685800" indent="0" algn="ctr" defTabSz="685800" rtl="0" eaLnBrk="1" latinLnBrk="0" hangingPunct="1">
-              <a:lnSpc>
-                <a:spcPct val="90000"/>
-              </a:lnSpc>
-              <a:spcBef>
-                <a:spcPts val="225"/>
-              </a:spcBef>
-              <a:spcAft>
-                <a:spcPts val="225"/>
-              </a:spcAft>
-              <a:buClr>
-                <a:schemeClr val="accent1"/>
-              </a:buClr>
-              <a:buFont typeface="Wingdings 2" pitchFamily="18" charset="2"/>
-              <a:buNone/>
-              <a:defRPr sz="1650" kern="1200">
-                <a:solidFill>
-                  <a:schemeClr val="tx1">
-                    <a:lumMod val="85000"/>
-                    <a:lumOff val="15000"/>
-                  </a:schemeClr>
-                </a:solidFill>
-                <a:latin typeface="Open Sans" panose="020B0606030504020204" pitchFamily="34" charset="0"/>
-                <a:ea typeface="Open Sans" panose="020B0606030504020204" pitchFamily="34" charset="0"/>
-                <a:cs typeface="Open Sans" panose="020B0606030504020204" pitchFamily="34" charset="0"/>
-              </a:defRPr>
-            </a:lvl3pPr>
-            <a:lvl4pPr marL="1028700" indent="0" algn="ctr" defTabSz="685800" rtl="0" eaLnBrk="1" latinLnBrk="0" hangingPunct="1">
-              <a:lnSpc>
-                <a:spcPct val="90000"/>
-              </a:lnSpc>
-              <a:spcBef>
-                <a:spcPts val="225"/>
-              </a:spcBef>
-              <a:spcAft>
-                <a:spcPts val="225"/>
-              </a:spcAft>
-              <a:buClr>
-                <a:schemeClr val="accent1"/>
-              </a:buClr>
-              <a:buFont typeface="Wingdings 2" pitchFamily="18" charset="2"/>
-              <a:buNone/>
-              <a:defRPr sz="1500" kern="1200">
-                <a:solidFill>
-                  <a:schemeClr val="tx1">
-                    <a:lumMod val="85000"/>
-                    <a:lumOff val="15000"/>
-                  </a:schemeClr>
-                </a:solidFill>
-                <a:latin typeface="Open Sans" panose="020B0606030504020204" pitchFamily="34" charset="0"/>
-                <a:ea typeface="Open Sans" panose="020B0606030504020204" pitchFamily="34" charset="0"/>
-                <a:cs typeface="Open Sans" panose="020B0606030504020204" pitchFamily="34" charset="0"/>
-              </a:defRPr>
-            </a:lvl4pPr>
-            <a:lvl5pPr marL="1371600" indent="0" algn="ctr" defTabSz="685800" rtl="0" eaLnBrk="1" latinLnBrk="0" hangingPunct="1">
-              <a:lnSpc>
-                <a:spcPct val="90000"/>
-              </a:lnSpc>
-              <a:spcBef>
-                <a:spcPts val="225"/>
-              </a:spcBef>
-              <a:spcAft>
-                <a:spcPts val="225"/>
-              </a:spcAft>
-              <a:buClr>
-                <a:schemeClr val="accent1"/>
-              </a:buClr>
-              <a:buFont typeface="Wingdings 2" pitchFamily="18" charset="2"/>
-              <a:buNone/>
-              <a:defRPr sz="1500" kern="1200">
-                <a:solidFill>
-                  <a:schemeClr val="tx1">
-                    <a:lumMod val="85000"/>
-                    <a:lumOff val="15000"/>
-                  </a:schemeClr>
-                </a:solidFill>
-                <a:latin typeface="Open Sans" panose="020B0606030504020204" pitchFamily="34" charset="0"/>
-                <a:ea typeface="Open Sans" panose="020B0606030504020204" pitchFamily="34" charset="0"/>
-                <a:cs typeface="Open Sans" panose="020B0606030504020204" pitchFamily="34" charset="0"/>
-              </a:defRPr>
-            </a:lvl5pPr>
-            <a:lvl6pPr marL="1714500" indent="0" algn="ctr" defTabSz="685800" rtl="0" eaLnBrk="1" latinLnBrk="0" hangingPunct="1">
-              <a:lnSpc>
-                <a:spcPct val="90000"/>
-              </a:lnSpc>
-              <a:spcBef>
-                <a:spcPts val="225"/>
-              </a:spcBef>
-              <a:spcAft>
-                <a:spcPts val="225"/>
-              </a:spcAft>
-              <a:buClr>
-                <a:schemeClr val="accent1"/>
-              </a:buClr>
-              <a:buFont typeface="Wingdings 2" pitchFamily="18" charset="2"/>
-              <a:buNone/>
-              <a:defRPr sz="1500" kern="1200">
-                <a:solidFill>
-                  <a:schemeClr val="tx1">
-                    <a:lumMod val="85000"/>
-                    <a:lumOff val="15000"/>
-                  </a:schemeClr>
-                </a:solidFill>
-                <a:latin typeface="+mn-lt"/>
-                <a:ea typeface="+mn-ea"/>
-                <a:cs typeface="+mn-cs"/>
-              </a:defRPr>
-            </a:lvl6pPr>
-            <a:lvl7pPr marL="2057400" indent="0" algn="ctr" defTabSz="685800" rtl="0" eaLnBrk="1" latinLnBrk="0" hangingPunct="1">
-              <a:lnSpc>
-                <a:spcPct val="90000"/>
-              </a:lnSpc>
-              <a:spcBef>
-                <a:spcPts val="225"/>
-              </a:spcBef>
-              <a:spcAft>
-                <a:spcPts val="225"/>
-              </a:spcAft>
-              <a:buClr>
-                <a:schemeClr val="accent1"/>
-              </a:buClr>
-              <a:buFont typeface="Wingdings 2" pitchFamily="18" charset="2"/>
-              <a:buNone/>
-              <a:defRPr sz="1500" kern="1200">
-                <a:solidFill>
-                  <a:schemeClr val="tx1">
-                    <a:lumMod val="85000"/>
-                    <a:lumOff val="15000"/>
-                  </a:schemeClr>
-                </a:solidFill>
-                <a:latin typeface="+mn-lt"/>
-                <a:ea typeface="+mn-ea"/>
-                <a:cs typeface="+mn-cs"/>
-              </a:defRPr>
-            </a:lvl7pPr>
-            <a:lvl8pPr marL="2400300" indent="0" algn="ctr" defTabSz="685800" rtl="0" eaLnBrk="1" latinLnBrk="0" hangingPunct="1">
-              <a:lnSpc>
-                <a:spcPct val="90000"/>
-              </a:lnSpc>
-              <a:spcBef>
-                <a:spcPts val="225"/>
-              </a:spcBef>
-              <a:spcAft>
-                <a:spcPts val="225"/>
-              </a:spcAft>
-              <a:buClr>
-                <a:schemeClr val="accent1"/>
-              </a:buClr>
-              <a:buFont typeface="Wingdings 2" pitchFamily="18" charset="2"/>
-              <a:buNone/>
-              <a:defRPr sz="1500" kern="1200">
-                <a:solidFill>
-                  <a:schemeClr val="tx1">
-                    <a:lumMod val="85000"/>
-                    <a:lumOff val="15000"/>
-                  </a:schemeClr>
-                </a:solidFill>
-                <a:latin typeface="+mn-lt"/>
-                <a:ea typeface="+mn-ea"/>
-                <a:cs typeface="+mn-cs"/>
-              </a:defRPr>
-            </a:lvl8pPr>
-            <a:lvl9pPr marL="2743200" indent="0" algn="ctr" defTabSz="685800" rtl="0" eaLnBrk="1" latinLnBrk="0" hangingPunct="1">
-              <a:lnSpc>
-                <a:spcPct val="90000"/>
-              </a:lnSpc>
-              <a:spcBef>
-                <a:spcPts val="225"/>
-              </a:spcBef>
-              <a:spcAft>
-                <a:spcPts val="225"/>
-              </a:spcAft>
-              <a:buClr>
-                <a:schemeClr val="accent1"/>
-              </a:buClr>
-              <a:buFont typeface="Wingdings 2" pitchFamily="18" charset="2"/>
-              <a:buNone/>
-              <a:defRPr sz="1500" kern="1200">
-                <a:solidFill>
-                  <a:schemeClr val="tx1">
-                    <a:lumMod val="85000"/>
-                    <a:lumOff val="15000"/>
-                  </a:schemeClr>
-                </a:solidFill>
-                <a:latin typeface="+mn-lt"/>
-                <a:ea typeface="+mn-ea"/>
-                <a:cs typeface="+mn-cs"/>
-              </a:defRPr>
-            </a:lvl9pPr>
-          </a:lstStyle>
-          <a:p>
-            <a:pPr algn="r">
-              <a:lnSpc>
-                <a:spcPct val="100000"/>
-              </a:lnSpc>
-            </a:pPr>
-            <a:r>
-              <a:rPr lang="pt-PT" sz="1400" b="1" dirty="0" smtClean="0"/>
-              <a:t>Universidade do Minho</a:t>
-            </a:r>
-          </a:p>
-          <a:p>
-            <a:pPr algn="r">
-              <a:lnSpc>
-                <a:spcPct val="100000"/>
-              </a:lnSpc>
-            </a:pPr>
-            <a:r>
-              <a:rPr lang="pt-PT" sz="1400" b="1" dirty="0" smtClean="0"/>
-              <a:t>Escola de Engenharia</a:t>
-            </a:r>
-            <a:endParaRPr lang="en-US" sz="1400" b="1" dirty="0"/>
-          </a:p>
-        </p:txBody>
-      </p:sp>
-      <p:sp>
-        <p:nvSpPr>
           <p:cNvPr id="8" name="Retângulo 7"/>
           <p:cNvSpPr/>
           <p:nvPr/>
         </p:nvSpPr>
         <p:spPr>
           <a:xfrm>
-            <a:off x="2937608" y="4410132"/>
+            <a:off x="3760568" y="4410132"/>
             <a:ext cx="2169697" cy="1045414"/>
           </a:xfrm>
           <a:prstGeom prst="rect">
@@ -4853,10 +8081,104 @@
           </a:p>
         </p:txBody>
       </p:sp>
+      <p:sp>
+        <p:nvSpPr>
+          <p:cNvPr id="6" name="CaixaDeTexto 5"/>
+          <p:cNvSpPr txBox="1"/>
+          <p:nvPr/>
+        </p:nvSpPr>
+        <p:spPr>
+          <a:xfrm>
+            <a:off x="3261360" y="111680"/>
+            <a:ext cx="3977640" cy="738664"/>
+          </a:xfrm>
+          <a:prstGeom prst="rect">
+            <a:avLst/>
+          </a:prstGeom>
+          <a:noFill/>
+        </p:spPr>
+        <p:txBody>
+          <a:bodyPr wrap="square" rtlCol="0">
+            <a:spAutoFit/>
+          </a:bodyPr>
+          <a:lstStyle/>
+          <a:p>
+            <a:pPr algn="r"/>
+            <a:r>
+              <a:rPr lang="pt-PT" sz="1400" b="1" dirty="0" smtClean="0">
+                <a:latin typeface="NewsGotT" pitchFamily="2" charset="0"/>
+              </a:rPr>
+              <a:t>Universidade do Minho</a:t>
+            </a:r>
+          </a:p>
+          <a:p>
+            <a:pPr algn="r"/>
+            <a:r>
+              <a:rPr lang="pt-PT" sz="1400" b="1" dirty="0" smtClean="0">
+                <a:latin typeface="NewsGotT" pitchFamily="2" charset="0"/>
+              </a:rPr>
+              <a:t>Escola de Engenharia</a:t>
+            </a:r>
+          </a:p>
+          <a:p>
+            <a:pPr algn="r"/>
+            <a:r>
+              <a:rPr lang="pt-PT" sz="1400" b="1" dirty="0" smtClean="0">
+                <a:latin typeface="NewsGotT" pitchFamily="2" charset="0"/>
+              </a:rPr>
+              <a:t>Mestrado em Engenharia Informática</a:t>
+            </a:r>
+            <a:endParaRPr lang="pt-PT" sz="1400" b="1" dirty="0">
+              <a:latin typeface="NewsGotT" pitchFamily="2" charset="0"/>
+            </a:endParaRPr>
+          </a:p>
+        </p:txBody>
+      </p:sp>
+      <p:pic>
+        <p:nvPicPr>
+          <p:cNvPr id="1026" name="Picture 2" descr="http://www.inlab-lims.pt/Imagens/InelcisSlogan.png"/>
+          <p:cNvPicPr>
+            <a:picLocks noChangeAspect="1" noChangeArrowheads="1"/>
+          </p:cNvPicPr>
+          <p:nvPr/>
+        </p:nvPicPr>
+        <p:blipFill>
+          <a:blip r:embed="rId4">
+            <a:extLst>
+              <a:ext uri="{28A0092B-C50C-407E-A947-70E740481C1C}">
+                <a14:useLocalDpi xmlns:a14="http://schemas.microsoft.com/office/drawing/2010/main" val="0"/>
+              </a:ext>
+            </a:extLst>
+          </a:blip>
+          <a:srcRect/>
+          <a:stretch>
+            <a:fillRect/>
+          </a:stretch>
+        </p:blipFill>
+        <p:spPr bwMode="auto">
+          <a:xfrm>
+            <a:off x="45818" y="6087302"/>
+            <a:ext cx="3010535" cy="770698"/>
+          </a:xfrm>
+          <a:prstGeom prst="rect">
+            <a:avLst/>
+          </a:prstGeom>
+          <a:noFill/>
+          <a:extLst>
+            <a:ext uri="{909E8E84-426E-40DD-AFC4-6F175D3DCCD1}">
+              <a14:hiddenFill xmlns:a14="http://schemas.microsoft.com/office/drawing/2010/main">
+                <a:solidFill>
+                  <a:srgbClr val="FFFFFF"/>
+                </a:solidFill>
+              </a14:hiddenFill>
+            </a:ext>
+          </a:extLst>
+        </p:spPr>
+      </p:pic>
     </p:spTree>
     <p:extLst>
       <p:ext uri="{BB962C8B-B14F-4D97-AF65-F5344CB8AC3E}">
-        <p14:creationId xmlns:p14="http://schemas.microsoft.com/office/powerpoint/2010/main" val="1783921482"/>
+        <p14:creationId xmlns:p14="http://schemas.microsoft.com/office/powerpoint/2010/main" val="3690584391"/>
       </p:ext>
     </p:extLst>
   </p:cSld>
@@ -5132,4 +8454,265 @@
     </a:ext>
   </a:extLst>
 </a:theme>
+</file>
+
+<file path=ppt/theme/theme2.xml><?xml version="1.0" encoding="utf-8"?>
+<a:theme xmlns:a="http://schemas.openxmlformats.org/drawingml/2006/main" name="Tema do Office">
+  <a:themeElements>
+    <a:clrScheme name="Office">
+      <a:dk1>
+        <a:sysClr val="windowText" lastClr="000000"/>
+      </a:dk1>
+      <a:lt1>
+        <a:sysClr val="window" lastClr="FFFFFF"/>
+      </a:lt1>
+      <a:dk2>
+        <a:srgbClr val="44546A"/>
+      </a:dk2>
+      <a:lt2>
+        <a:srgbClr val="E7E6E6"/>
+      </a:lt2>
+      <a:accent1>
+        <a:srgbClr val="5B9BD5"/>
+      </a:accent1>
+      <a:accent2>
+        <a:srgbClr val="ED7D31"/>
+      </a:accent2>
+      <a:accent3>
+        <a:srgbClr val="A5A5A5"/>
+      </a:accent3>
+      <a:accent4>
+        <a:srgbClr val="FFC000"/>
+      </a:accent4>
+      <a:accent5>
+        <a:srgbClr val="4472C4"/>
+      </a:accent5>
+      <a:accent6>
+        <a:srgbClr val="70AD47"/>
+      </a:accent6>
+      <a:hlink>
+        <a:srgbClr val="0563C1"/>
+      </a:hlink>
+      <a:folHlink>
+        <a:srgbClr val="954F72"/>
+      </a:folHlink>
+    </a:clrScheme>
+    <a:fontScheme name="Office">
+      <a:majorFont>
+        <a:latin typeface="Calibri Light" panose="020F0302020204030204"/>
+        <a:ea typeface=""/>
+        <a:cs typeface=""/>
+        <a:font script="Jpan" typeface="ＭＳ Ｐゴシック"/>
+        <a:font script="Hang" typeface="맑은 고딕"/>
+        <a:font script="Hans" typeface="宋体"/>
+        <a:font script="Hant" typeface="新細明體"/>
+        <a:font script="Arab" typeface="Times New Roman"/>
+        <a:font script="Hebr" typeface="Times New Roman"/>
+        <a:font script="Thai" typeface="Angsana New"/>
+        <a:font script="Ethi" typeface="Nyala"/>
+        <a:font script="Beng" typeface="Vrinda"/>
+        <a:font script="Gujr" typeface="Shruti"/>
+        <a:font script="Khmr" typeface="MoolBoran"/>
+        <a:font script="Knda" typeface="Tunga"/>
+        <a:font script="Guru" typeface="Raavi"/>
+        <a:font script="Cans" typeface="Euphemia"/>
+        <a:font script="Cher" typeface="Plantagenet Cherokee"/>
+        <a:font script="Yiii" typeface="Microsoft Yi Baiti"/>
+        <a:font script="Tibt" typeface="Microsoft Himalaya"/>
+        <a:font script="Thaa" typeface="MV Boli"/>
+        <a:font script="Deva" typeface="Mangal"/>
+        <a:font script="Telu" typeface="Gautami"/>
+        <a:font script="Taml" typeface="Latha"/>
+        <a:font script="Syrc" typeface="Estrangelo Edessa"/>
+        <a:font script="Orya" typeface="Kalinga"/>
+        <a:font script="Mlym" typeface="Kartika"/>
+        <a:font script="Laoo" typeface="DokChampa"/>
+        <a:font script="Sinh" typeface="Iskoola Pota"/>
+        <a:font script="Mong" typeface="Mongolian Baiti"/>
+        <a:font script="Viet" typeface="Times New Roman"/>
+        <a:font script="Uigh" typeface="Microsoft Uighur"/>
+        <a:font script="Geor" typeface="Sylfaen"/>
+      </a:majorFont>
+      <a:minorFont>
+        <a:latin typeface="Calibri" panose="020F0502020204030204"/>
+        <a:ea typeface=""/>
+        <a:cs typeface=""/>
+        <a:font script="Jpan" typeface="ＭＳ Ｐゴシック"/>
+        <a:font script="Hang" typeface="맑은 고딕"/>
+        <a:font script="Hans" typeface="宋体"/>
+        <a:font script="Hant" typeface="新細明體"/>
+        <a:font script="Arab" typeface="Arial"/>
+        <a:font script="Hebr" typeface="Arial"/>
+        <a:font script="Thai" typeface="Cordia New"/>
+        <a:font script="Ethi" typeface="Nyala"/>
+        <a:font script="Beng" typeface="Vrinda"/>
+        <a:font script="Gujr" typeface="Shruti"/>
+        <a:font script="Khmr" typeface="DaunPenh"/>
+        <a:font script="Knda" typeface="Tunga"/>
+        <a:font script="Guru" typeface="Raavi"/>
+        <a:font script="Cans" typeface="Euphemia"/>
+        <a:font script="Cher" typeface="Plantagenet Cherokee"/>
+        <a:font script="Yiii" typeface="Microsoft Yi Baiti"/>
+        <a:font script="Tibt" typeface="Microsoft Himalaya"/>
+        <a:font script="Thaa" typeface="MV Boli"/>
+        <a:font script="Deva" typeface="Mangal"/>
+        <a:font script="Telu" typeface="Gautami"/>
+        <a:font script="Taml" typeface="Latha"/>
+        <a:font script="Syrc" typeface="Estrangelo Edessa"/>
+        <a:font script="Orya" typeface="Kalinga"/>
+        <a:font script="Mlym" typeface="Kartika"/>
+        <a:font script="Laoo" typeface="DokChampa"/>
+        <a:font script="Sinh" typeface="Iskoola Pota"/>
+        <a:font script="Mong" typeface="Mongolian Baiti"/>
+        <a:font script="Viet" typeface="Arial"/>
+        <a:font script="Uigh" typeface="Microsoft Uighur"/>
+        <a:font script="Geor" typeface="Sylfaen"/>
+      </a:minorFont>
+    </a:fontScheme>
+    <a:fmtScheme name="Office">
+      <a:fillStyleLst>
+        <a:solidFill>
+          <a:schemeClr val="phClr"/>
+        </a:solidFill>
+        <a:gradFill rotWithShape="1">
+          <a:gsLst>
+            <a:gs pos="0">
+              <a:schemeClr val="phClr">
+                <a:lumMod val="110000"/>
+                <a:satMod val="105000"/>
+                <a:tint val="67000"/>
+              </a:schemeClr>
+            </a:gs>
+            <a:gs pos="50000">
+              <a:schemeClr val="phClr">
+                <a:lumMod val="105000"/>
+                <a:satMod val="103000"/>
+                <a:tint val="73000"/>
+              </a:schemeClr>
+            </a:gs>
+            <a:gs pos="100000">
+              <a:schemeClr val="phClr">
+                <a:lumMod val="105000"/>
+                <a:satMod val="109000"/>
+                <a:tint val="81000"/>
+              </a:schemeClr>
+            </a:gs>
+          </a:gsLst>
+          <a:lin ang="5400000" scaled="0"/>
+        </a:gradFill>
+        <a:gradFill rotWithShape="1">
+          <a:gsLst>
+            <a:gs pos="0">
+              <a:schemeClr val="phClr">
+                <a:satMod val="103000"/>
+                <a:lumMod val="102000"/>
+                <a:tint val="94000"/>
+              </a:schemeClr>
+            </a:gs>
+            <a:gs pos="50000">
+              <a:schemeClr val="phClr">
+                <a:satMod val="110000"/>
+                <a:lumMod val="100000"/>
+                <a:shade val="100000"/>
+              </a:schemeClr>
+            </a:gs>
+            <a:gs pos="100000">
+              <a:schemeClr val="phClr">
+                <a:lumMod val="99000"/>
+                <a:satMod val="120000"/>
+                <a:shade val="78000"/>
+              </a:schemeClr>
+            </a:gs>
+          </a:gsLst>
+          <a:lin ang="5400000" scaled="0"/>
+        </a:gradFill>
+      </a:fillStyleLst>
+      <a:lnStyleLst>
+        <a:ln w="6350" cap="flat" cmpd="sng" algn="ctr">
+          <a:solidFill>
+            <a:schemeClr val="phClr"/>
+          </a:solidFill>
+          <a:prstDash val="solid"/>
+          <a:miter lim="800000"/>
+        </a:ln>
+        <a:ln w="12700" cap="flat" cmpd="sng" algn="ctr">
+          <a:solidFill>
+            <a:schemeClr val="phClr"/>
+          </a:solidFill>
+          <a:prstDash val="solid"/>
+          <a:miter lim="800000"/>
+        </a:ln>
+        <a:ln w="19050" cap="flat" cmpd="sng" algn="ctr">
+          <a:solidFill>
+            <a:schemeClr val="phClr"/>
+          </a:solidFill>
+          <a:prstDash val="solid"/>
+          <a:miter lim="800000"/>
+        </a:ln>
+      </a:lnStyleLst>
+      <a:effectStyleLst>
+        <a:effectStyle>
+          <a:effectLst/>
+        </a:effectStyle>
+        <a:effectStyle>
+          <a:effectLst/>
+        </a:effectStyle>
+        <a:effectStyle>
+          <a:effectLst>
+            <a:outerShdw blurRad="57150" dist="19050" dir="5400000" algn="ctr" rotWithShape="0">
+              <a:srgbClr val="000000">
+                <a:alpha val="63000"/>
+              </a:srgbClr>
+            </a:outerShdw>
+          </a:effectLst>
+        </a:effectStyle>
+      </a:effectStyleLst>
+      <a:bgFillStyleLst>
+        <a:solidFill>
+          <a:schemeClr val="phClr"/>
+        </a:solidFill>
+        <a:solidFill>
+          <a:schemeClr val="phClr">
+            <a:tint val="95000"/>
+            <a:satMod val="170000"/>
+          </a:schemeClr>
+        </a:solidFill>
+        <a:gradFill rotWithShape="1">
+          <a:gsLst>
+            <a:gs pos="0">
+              <a:schemeClr val="phClr">
+                <a:tint val="93000"/>
+                <a:satMod val="150000"/>
+                <a:shade val="98000"/>
+                <a:lumMod val="102000"/>
+              </a:schemeClr>
+            </a:gs>
+            <a:gs pos="50000">
+              <a:schemeClr val="phClr">
+                <a:tint val="98000"/>
+                <a:satMod val="130000"/>
+                <a:shade val="90000"/>
+                <a:lumMod val="103000"/>
+              </a:schemeClr>
+            </a:gs>
+            <a:gs pos="100000">
+              <a:schemeClr val="phClr">
+                <a:shade val="63000"/>
+                <a:satMod val="120000"/>
+              </a:schemeClr>
+            </a:gs>
+          </a:gsLst>
+          <a:lin ang="5400000" scaled="0"/>
+        </a:gradFill>
+      </a:bgFillStyleLst>
+    </a:fmtScheme>
+  </a:themeElements>
+  <a:objectDefaults/>
+  <a:extraClrSchemeLst/>
+  <a:extLst>
+    <a:ext uri="{05A4C25C-085E-4340-85A3-A5531E510DB2}">
+      <thm15:themeFamily xmlns:thm15="http://schemas.microsoft.com/office/thememl/2012/main" name="Office Theme" id="{62F939B6-93AF-4DB8-9C6B-D6C7DFDC589F}" vid="{4A3C46E8-61CC-4603-A589-7422A47A8E4A}"/>
+    </a:ext>
+  </a:extLst>
+</a:theme>
 </file>
--- a/doc/Pré-Tese/Apresentação/Pré-Tese.pptx
+++ b/doc/Pré-Tese/Apresentação/Pré-Tese.pptx
@@ -205,7 +205,7 @@
           <a:p>
             <a:fld id="{E476142E-19B9-4A85-A812-7E0C9C9C7ED8}" type="datetimeFigureOut">
               <a:rPr lang="pt-PT" smtClean="0"/>
-              <a:t>12/03/2014</a:t>
+              <a:t>13/03/2014</a:t>
             </a:fld>
             <a:endParaRPr lang="pt-PT"/>
           </a:p>
@@ -740,7 +740,7 @@
           <a:p>
             <a:fld id="{AF5C14D2-4DD5-477F-AA07-2F1260DDEBF2}" type="datetimeFigureOut">
               <a:rPr lang="pt-PT" smtClean="0"/>
-              <a:t>12/03/2014</a:t>
+              <a:t>13/03/2014</a:t>
             </a:fld>
             <a:endParaRPr lang="pt-PT"/>
           </a:p>
@@ -910,7 +910,7 @@
           <a:p>
             <a:fld id="{AF5C14D2-4DD5-477F-AA07-2F1260DDEBF2}" type="datetimeFigureOut">
               <a:rPr lang="pt-PT" smtClean="0"/>
-              <a:t>12/03/2014</a:t>
+              <a:t>13/03/2014</a:t>
             </a:fld>
             <a:endParaRPr lang="pt-PT"/>
           </a:p>
@@ -1090,7 +1090,7 @@
           <a:p>
             <a:fld id="{AF5C14D2-4DD5-477F-AA07-2F1260DDEBF2}" type="datetimeFigureOut">
               <a:rPr lang="pt-PT" smtClean="0"/>
-              <a:t>12/03/2014</a:t>
+              <a:t>13/03/2014</a:t>
             </a:fld>
             <a:endParaRPr lang="pt-PT"/>
           </a:p>
@@ -1260,7 +1260,7 @@
           <a:p>
             <a:fld id="{AF5C14D2-4DD5-477F-AA07-2F1260DDEBF2}" type="datetimeFigureOut">
               <a:rPr lang="pt-PT" smtClean="0"/>
-              <a:t>12/03/2014</a:t>
+              <a:t>13/03/2014</a:t>
             </a:fld>
             <a:endParaRPr lang="pt-PT"/>
           </a:p>
@@ -1506,7 +1506,7 @@
           <a:p>
             <a:fld id="{AF5C14D2-4DD5-477F-AA07-2F1260DDEBF2}" type="datetimeFigureOut">
               <a:rPr lang="pt-PT" smtClean="0"/>
-              <a:t>12/03/2014</a:t>
+              <a:t>13/03/2014</a:t>
             </a:fld>
             <a:endParaRPr lang="pt-PT"/>
           </a:p>
@@ -1738,7 +1738,7 @@
           <a:p>
             <a:fld id="{AF5C14D2-4DD5-477F-AA07-2F1260DDEBF2}" type="datetimeFigureOut">
               <a:rPr lang="pt-PT" smtClean="0"/>
-              <a:t>12/03/2014</a:t>
+              <a:t>13/03/2014</a:t>
             </a:fld>
             <a:endParaRPr lang="pt-PT"/>
           </a:p>
@@ -2105,7 +2105,7 @@
           <a:p>
             <a:fld id="{AF5C14D2-4DD5-477F-AA07-2F1260DDEBF2}" type="datetimeFigureOut">
               <a:rPr lang="pt-PT" smtClean="0"/>
-              <a:t>12/03/2014</a:t>
+              <a:t>13/03/2014</a:t>
             </a:fld>
             <a:endParaRPr lang="pt-PT"/>
           </a:p>
@@ -2223,7 +2223,7 @@
           <a:p>
             <a:fld id="{AF5C14D2-4DD5-477F-AA07-2F1260DDEBF2}" type="datetimeFigureOut">
               <a:rPr lang="pt-PT" smtClean="0"/>
-              <a:t>12/03/2014</a:t>
+              <a:t>13/03/2014</a:t>
             </a:fld>
             <a:endParaRPr lang="pt-PT"/>
           </a:p>
@@ -2318,7 +2318,7 @@
           <a:p>
             <a:fld id="{AF5C14D2-4DD5-477F-AA07-2F1260DDEBF2}" type="datetimeFigureOut">
               <a:rPr lang="pt-PT" smtClean="0"/>
-              <a:t>12/03/2014</a:t>
+              <a:t>13/03/2014</a:t>
             </a:fld>
             <a:endParaRPr lang="pt-PT"/>
           </a:p>
@@ -2595,7 +2595,7 @@
           <a:p>
             <a:fld id="{AF5C14D2-4DD5-477F-AA07-2F1260DDEBF2}" type="datetimeFigureOut">
               <a:rPr lang="pt-PT" smtClean="0"/>
-              <a:t>12/03/2014</a:t>
+              <a:t>13/03/2014</a:t>
             </a:fld>
             <a:endParaRPr lang="pt-PT"/>
           </a:p>
@@ -2848,7 +2848,7 @@
           <a:p>
             <a:fld id="{AF5C14D2-4DD5-477F-AA07-2F1260DDEBF2}" type="datetimeFigureOut">
               <a:rPr lang="pt-PT" smtClean="0"/>
-              <a:t>12/03/2014</a:t>
+              <a:t>13/03/2014</a:t>
             </a:fld>
             <a:endParaRPr lang="pt-PT"/>
           </a:p>
@@ -3061,7 +3061,7 @@
           <a:p>
             <a:fld id="{AF5C14D2-4DD5-477F-AA07-2F1260DDEBF2}" type="datetimeFigureOut">
               <a:rPr lang="pt-PT" smtClean="0"/>
-              <a:t>12/03/2014</a:t>
+              <a:t>13/03/2014</a:t>
             </a:fld>
             <a:endParaRPr lang="pt-PT"/>
           </a:p>
@@ -3864,13 +3864,7 @@
               <a:rPr lang="pt-PT" dirty="0" smtClean="0">
                 <a:latin typeface="NewsGotT" pitchFamily="2" charset="0"/>
               </a:rPr>
-              <a:t>Contextualização e </a:t>
-            </a:r>
-            <a:r>
-              <a:rPr lang="pt-PT" dirty="0" smtClean="0">
-                <a:latin typeface="NewsGotT" pitchFamily="2" charset="0"/>
-              </a:rPr>
-              <a:t>Motivação</a:t>
+              <a:t>Contextualização e Motivação</a:t>
             </a:r>
           </a:p>
           <a:p>
@@ -3921,13 +3915,7 @@
               <a:rPr lang="pt-PT" dirty="0" smtClean="0">
                 <a:latin typeface="NewsGotT" pitchFamily="2" charset="0"/>
               </a:rPr>
-              <a:t>Estado de </a:t>
-            </a:r>
-            <a:r>
-              <a:rPr lang="pt-PT" dirty="0" smtClean="0">
-                <a:latin typeface="NewsGotT" pitchFamily="2" charset="0"/>
-              </a:rPr>
-              <a:t>Arte</a:t>
+              <a:t>Estado de Arte</a:t>
             </a:r>
           </a:p>
           <a:p>
@@ -4434,13 +4422,7 @@
               <a:rPr lang="pt-PT" dirty="0" smtClean="0">
                 <a:latin typeface="NewsGotT" pitchFamily="2" charset="0"/>
               </a:rPr>
-              <a:t>O </a:t>
-            </a:r>
-            <a:r>
-              <a:rPr lang="pt-PT" dirty="0" smtClean="0">
-                <a:latin typeface="NewsGotT" pitchFamily="2" charset="0"/>
-              </a:rPr>
-              <a:t>nível de exigência em todos os processos que qualquer Entidade adota no decurso da sua atividade é cada vez maior.</a:t>
+              <a:t>O nível de exigência em todos os processos que qualquer Entidade adota no decurso da sua atividade é cada vez maior.</a:t>
             </a:r>
           </a:p>
           <a:p>
@@ -5558,9 +5540,6 @@
               </a:rPr>
               <a:t>Reduzir custo e tempo de disponibilização de resultados.</a:t>
             </a:r>
-            <a:endParaRPr lang="pt-PT" dirty="0" smtClean="0">
-              <a:latin typeface="NewsGotT" pitchFamily="2" charset="0"/>
-            </a:endParaRPr>
           </a:p>
           <a:p>
             <a:pPr marL="0" indent="0">
@@ -6931,39 +6910,21 @@
               <a:rPr lang="pt-PT" dirty="0" smtClean="0">
                 <a:latin typeface="NewsGotT" pitchFamily="2" charset="0"/>
               </a:rPr>
-              <a:t>Identificação do caso de aplicação: troca de requisições entre </a:t>
-            </a:r>
+              <a:t>Identificação do caso de aplicação: troca de requisições entre laboratórios</a:t>
+            </a:r>
+          </a:p>
+          <a:p>
+            <a:endParaRPr lang="pt-PT" dirty="0" smtClean="0">
+              <a:latin typeface="NewsGotT" pitchFamily="2" charset="0"/>
+            </a:endParaRPr>
+          </a:p>
+          <a:p>
             <a:r>
               <a:rPr lang="pt-PT" dirty="0" smtClean="0">
                 <a:latin typeface="NewsGotT" pitchFamily="2" charset="0"/>
               </a:rPr>
-              <a:t>laboratórios</a:t>
-            </a:r>
-            <a:endParaRPr lang="pt-PT" dirty="0" smtClean="0">
-              <a:latin typeface="NewsGotT" pitchFamily="2" charset="0"/>
-            </a:endParaRPr>
-          </a:p>
-          <a:p>
-            <a:endParaRPr lang="pt-PT" dirty="0" smtClean="0">
-              <a:latin typeface="NewsGotT" pitchFamily="2" charset="0"/>
-            </a:endParaRPr>
-          </a:p>
-          <a:p>
-            <a:r>
-              <a:rPr lang="pt-PT" dirty="0" smtClean="0">
-                <a:latin typeface="NewsGotT" pitchFamily="2" charset="0"/>
-              </a:rPr>
-              <a:t>Identificação da informação necessária para </a:t>
-            </a:r>
-            <a:r>
-              <a:rPr lang="pt-PT" dirty="0" smtClean="0">
-                <a:latin typeface="NewsGotT" pitchFamily="2" charset="0"/>
-              </a:rPr>
-              <a:t>transferir</a:t>
-            </a:r>
-            <a:endParaRPr lang="pt-PT" dirty="0" smtClean="0">
-              <a:latin typeface="NewsGotT" pitchFamily="2" charset="0"/>
-            </a:endParaRPr>
+              <a:t>Identificação da informação necessária para transferir</a:t>
+            </a:r>
           </a:p>
           <a:p>
             <a:endParaRPr lang="pt-PT" dirty="0" smtClean="0">
@@ -7441,13 +7402,7 @@
               <a:rPr lang="pt-PT" dirty="0" smtClean="0">
                 <a:latin typeface="NewsGotT" pitchFamily="2" charset="0"/>
               </a:rPr>
-              <a:t>O processo de identificação da informação que é necessário transmitir é minucioso</a:t>
-            </a:r>
-            <a:r>
-              <a:rPr lang="pt-PT" dirty="0" smtClean="0">
-                <a:latin typeface="NewsGotT" pitchFamily="2" charset="0"/>
-              </a:rPr>
-              <a:t>;</a:t>
+              <a:t>O processo de identificação da informação que é necessário transmitir é minucioso;</a:t>
             </a:r>
           </a:p>
           <a:p>
